--- a/assets/files/HKNECE220ReviewSession1SP21.pptx
+++ b/assets/files/HKNECE220ReviewSession1SP21.pptx
@@ -12,30 +12,31 @@
     <p:sldId id="259" r:id="rId6"/>
     <p:sldId id="260" r:id="rId7"/>
     <p:sldId id="261" r:id="rId8"/>
-    <p:sldId id="262" r:id="rId9"/>
-    <p:sldId id="263" r:id="rId10"/>
-    <p:sldId id="264" r:id="rId11"/>
-    <p:sldId id="265" r:id="rId12"/>
-    <p:sldId id="266" r:id="rId13"/>
-    <p:sldId id="267" r:id="rId14"/>
-    <p:sldId id="268" r:id="rId15"/>
-    <p:sldId id="269" r:id="rId16"/>
-    <p:sldId id="270" r:id="rId17"/>
-    <p:sldId id="271" r:id="rId18"/>
-    <p:sldId id="285" r:id="rId19"/>
-    <p:sldId id="284" r:id="rId20"/>
-    <p:sldId id="282" r:id="rId21"/>
-    <p:sldId id="283" r:id="rId22"/>
-    <p:sldId id="275" r:id="rId23"/>
-    <p:sldId id="276" r:id="rId24"/>
-    <p:sldId id="277" r:id="rId25"/>
-    <p:sldId id="278" r:id="rId26"/>
-    <p:sldId id="279" r:id="rId27"/>
-    <p:sldId id="287" r:id="rId28"/>
-    <p:sldId id="289" r:id="rId29"/>
-    <p:sldId id="288" r:id="rId30"/>
-    <p:sldId id="280" r:id="rId31"/>
-    <p:sldId id="281" r:id="rId32"/>
+    <p:sldId id="290" r:id="rId9"/>
+    <p:sldId id="262" r:id="rId10"/>
+    <p:sldId id="263" r:id="rId11"/>
+    <p:sldId id="264" r:id="rId12"/>
+    <p:sldId id="265" r:id="rId13"/>
+    <p:sldId id="266" r:id="rId14"/>
+    <p:sldId id="267" r:id="rId15"/>
+    <p:sldId id="268" r:id="rId16"/>
+    <p:sldId id="269" r:id="rId17"/>
+    <p:sldId id="270" r:id="rId18"/>
+    <p:sldId id="271" r:id="rId19"/>
+    <p:sldId id="285" r:id="rId20"/>
+    <p:sldId id="284" r:id="rId21"/>
+    <p:sldId id="282" r:id="rId22"/>
+    <p:sldId id="283" r:id="rId23"/>
+    <p:sldId id="275" r:id="rId24"/>
+    <p:sldId id="276" r:id="rId25"/>
+    <p:sldId id="277" r:id="rId26"/>
+    <p:sldId id="278" r:id="rId27"/>
+    <p:sldId id="279" r:id="rId28"/>
+    <p:sldId id="287" r:id="rId29"/>
+    <p:sldId id="289" r:id="rId30"/>
+    <p:sldId id="288" r:id="rId31"/>
+    <p:sldId id="280" r:id="rId32"/>
+    <p:sldId id="281" r:id="rId33"/>
   </p:sldIdLst>
   <p:sldSz cx="10058400" cy="7772400"/>
   <p:notesSz cx="10058400" cy="7772400"/>
@@ -157,7 +158,9 @@
 <p1510:revInfo xmlns:a="http://schemas.openxmlformats.org/drawingml/2006/main" xmlns:r="http://schemas.openxmlformats.org/officeDocument/2006/relationships" xmlns:p1510="http://schemas.microsoft.com/office/powerpoint/2015/10/main">
   <p1510:revLst>
     <p1510:client id="{244846D8-F44D-495E-9151-E2938C52CC3A}" v="198" dt="2021-02-28T16:21:51.139"/>
+    <p1510:client id="{2910BFAF-C406-3805-905A-4FD61071566E}" v="249" dt="2021-02-28T19:52:03.143"/>
     <p1510:client id="{99B9BE62-FCDC-49ED-9BDD-869FD51ED1BB}" v="34" dt="2021-02-27T22:50:39.992"/>
+    <p1510:client id="{9FBCBBDE-EEF2-4270-BC39-25A3F4DD699A}" v="28" dt="2021-02-28T20:40:59.124"/>
   </p1510:revLst>
 </p1510:revInfo>
 </file>
@@ -166,8 +169,8 @@
 <pc:chgInfo xmlns:a="http://schemas.openxmlformats.org/drawingml/2006/main" xmlns:r="http://schemas.openxmlformats.org/officeDocument/2006/relationships" xmlns:ac="http://schemas.microsoft.com/office/drawing/2013/main/command" xmlns:pc="http://schemas.microsoft.com/office/powerpoint/2013/main/command">
   <pc:docChgLst>
     <pc:chgData name="Prannav" userId="77955c09-f12b-45f6-9e04-6ba935307eaa" providerId="ADAL" clId="{9FBCBBDE-EEF2-4270-BC39-25A3F4DD699A}"/>
-    <pc:docChg chg="modSld">
-      <pc:chgData name="Prannav" userId="77955c09-f12b-45f6-9e04-6ba935307eaa" providerId="ADAL" clId="{9FBCBBDE-EEF2-4270-BC39-25A3F4DD699A}" dt="2021-02-28T18:30:13.055" v="79" actId="14100"/>
+    <pc:docChg chg="custSel addSld modSld">
+      <pc:chgData name="Prannav" userId="77955c09-f12b-45f6-9e04-6ba935307eaa" providerId="ADAL" clId="{9FBCBBDE-EEF2-4270-BC39-25A3F4DD699A}" dt="2021-02-28T20:40:59.125" v="108" actId="20577"/>
       <pc:docMkLst>
         <pc:docMk/>
       </pc:docMkLst>
@@ -185,6 +188,115 @@
             <ac:spMk id="3" creationId="{00000000-0000-0000-0000-000000000000}"/>
           </ac:spMkLst>
         </pc:spChg>
+      </pc:sldChg>
+      <pc:sldChg chg="modSp mod">
+        <pc:chgData name="Prannav" userId="77955c09-f12b-45f6-9e04-6ba935307eaa" providerId="ADAL" clId="{9FBCBBDE-EEF2-4270-BC39-25A3F4DD699A}" dt="2021-02-28T20:40:59.125" v="108" actId="20577"/>
+        <pc:sldMkLst>
+          <pc:docMk/>
+          <pc:sldMk cId="3702706650" sldId="282"/>
+        </pc:sldMkLst>
+        <pc:spChg chg="mod">
+          <ac:chgData name="Prannav" userId="77955c09-f12b-45f6-9e04-6ba935307eaa" providerId="ADAL" clId="{9FBCBBDE-EEF2-4270-BC39-25A3F4DD699A}" dt="2021-02-28T20:40:59.125" v="108" actId="20577"/>
+          <ac:spMkLst>
+            <pc:docMk/>
+            <pc:sldMk cId="3702706650" sldId="282"/>
+            <ac:spMk id="3" creationId="{7E49656C-1239-4B6B-8B2E-A50D6C29F232}"/>
+          </ac:spMkLst>
+        </pc:spChg>
+      </pc:sldChg>
+      <pc:sldChg chg="addSp delSp modSp new mod">
+        <pc:chgData name="Prannav" userId="77955c09-f12b-45f6-9e04-6ba935307eaa" providerId="ADAL" clId="{9FBCBBDE-EEF2-4270-BC39-25A3F4DD699A}" dt="2021-02-28T18:56:35.875" v="104" actId="1036"/>
+        <pc:sldMkLst>
+          <pc:docMk/>
+          <pc:sldMk cId="1445097552" sldId="290"/>
+        </pc:sldMkLst>
+        <pc:spChg chg="del">
+          <ac:chgData name="Prannav" userId="77955c09-f12b-45f6-9e04-6ba935307eaa" providerId="ADAL" clId="{9FBCBBDE-EEF2-4270-BC39-25A3F4DD699A}" dt="2021-02-28T18:56:21.636" v="81" actId="478"/>
+          <ac:spMkLst>
+            <pc:docMk/>
+            <pc:sldMk cId="1445097552" sldId="290"/>
+            <ac:spMk id="2" creationId="{11B4E721-6BCA-4A0F-8483-3EEC47219F65}"/>
+          </ac:spMkLst>
+        </pc:spChg>
+        <pc:spChg chg="del">
+          <ac:chgData name="Prannav" userId="77955c09-f12b-45f6-9e04-6ba935307eaa" providerId="ADAL" clId="{9FBCBBDE-EEF2-4270-BC39-25A3F4DD699A}" dt="2021-02-28T18:56:24.117" v="82" actId="478"/>
+          <ac:spMkLst>
+            <pc:docMk/>
+            <pc:sldMk cId="1445097552" sldId="290"/>
+            <ac:spMk id="3" creationId="{17580F07-A8E1-4C25-BCBF-B324BEE0189B}"/>
+          </ac:spMkLst>
+        </pc:spChg>
+        <pc:picChg chg="add mod">
+          <ac:chgData name="Prannav" userId="77955c09-f12b-45f6-9e04-6ba935307eaa" providerId="ADAL" clId="{9FBCBBDE-EEF2-4270-BC39-25A3F4DD699A}" dt="2021-02-28T18:56:35.875" v="104" actId="1036"/>
+          <ac:picMkLst>
+            <pc:docMk/>
+            <pc:sldMk cId="1445097552" sldId="290"/>
+            <ac:picMk id="5" creationId="{42D866D5-3B5D-43C3-9D79-75245BB2BBCE}"/>
+          </ac:picMkLst>
+        </pc:picChg>
+      </pc:sldChg>
+    </pc:docChg>
+  </pc:docChgLst>
+  <pc:docChgLst>
+    <pc:chgData name="Addepally, Shouri" userId="S::shouria2@illinois.edu::460b5942-7cdb-4db2-afef-2c43804a0f21" providerId="AD" clId="Web-{2910BFAF-C406-3805-905A-4FD61071566E}"/>
+    <pc:docChg chg="modSld">
+      <pc:chgData name="Addepally, Shouri" userId="S::shouria2@illinois.edu::460b5942-7cdb-4db2-afef-2c43804a0f21" providerId="AD" clId="Web-{2910BFAF-C406-3805-905A-4FD61071566E}" dt="2021-02-28T19:52:00.924" v="119" actId="20577"/>
+      <pc:docMkLst>
+        <pc:docMk/>
+      </pc:docMkLst>
+      <pc:sldChg chg="modSp">
+        <pc:chgData name="Addepally, Shouri" userId="S::shouria2@illinois.edu::460b5942-7cdb-4db2-afef-2c43804a0f21" providerId="AD" clId="Web-{2910BFAF-C406-3805-905A-4FD61071566E}" dt="2021-02-28T19:32:38.827" v="117" actId="20577"/>
+        <pc:sldMkLst>
+          <pc:docMk/>
+          <pc:sldMk cId="3702706650" sldId="282"/>
+        </pc:sldMkLst>
+        <pc:spChg chg="mod">
+          <ac:chgData name="Addepally, Shouri" userId="S::shouria2@illinois.edu::460b5942-7cdb-4db2-afef-2c43804a0f21" providerId="AD" clId="Web-{2910BFAF-C406-3805-905A-4FD61071566E}" dt="2021-02-28T19:32:28.748" v="114" actId="20577"/>
+          <ac:spMkLst>
+            <pc:docMk/>
+            <pc:sldMk cId="3702706650" sldId="282"/>
+            <ac:spMk id="3" creationId="{7E49656C-1239-4B6B-8B2E-A50D6C29F232}"/>
+          </ac:spMkLst>
+        </pc:spChg>
+        <pc:spChg chg="mod">
+          <ac:chgData name="Addepally, Shouri" userId="S::shouria2@illinois.edu::460b5942-7cdb-4db2-afef-2c43804a0f21" providerId="AD" clId="Web-{2910BFAF-C406-3805-905A-4FD61071566E}" dt="2021-02-28T19:32:38.827" v="117" actId="20577"/>
+          <ac:spMkLst>
+            <pc:docMk/>
+            <pc:sldMk cId="3702706650" sldId="282"/>
+            <ac:spMk id="4" creationId="{AF6B66CB-1660-4653-A137-CEA62F43220E}"/>
+          </ac:spMkLst>
+        </pc:spChg>
+      </pc:sldChg>
+      <pc:sldChg chg="addSp delSp modSp">
+        <pc:chgData name="Addepally, Shouri" userId="S::shouria2@illinois.edu::460b5942-7cdb-4db2-afef-2c43804a0f21" providerId="AD" clId="Web-{2910BFAF-C406-3805-905A-4FD61071566E}" dt="2021-02-28T19:52:00.924" v="119" actId="20577"/>
+        <pc:sldMkLst>
+          <pc:docMk/>
+          <pc:sldMk cId="2086091626" sldId="283"/>
+        </pc:sldMkLst>
+        <pc:spChg chg="mod">
+          <ac:chgData name="Addepally, Shouri" userId="S::shouria2@illinois.edu::460b5942-7cdb-4db2-afef-2c43804a0f21" providerId="AD" clId="Web-{2910BFAF-C406-3805-905A-4FD61071566E}" dt="2021-02-28T19:52:00.924" v="119" actId="20577"/>
+          <ac:spMkLst>
+            <pc:docMk/>
+            <pc:sldMk cId="2086091626" sldId="283"/>
+            <ac:spMk id="3" creationId="{7E49656C-1239-4B6B-8B2E-A50D6C29F232}"/>
+          </ac:spMkLst>
+        </pc:spChg>
+        <pc:spChg chg="mod">
+          <ac:chgData name="Addepally, Shouri" userId="S::shouria2@illinois.edu::460b5942-7cdb-4db2-afef-2c43804a0f21" providerId="AD" clId="Web-{2910BFAF-C406-3805-905A-4FD61071566E}" dt="2021-02-28T19:30:20.085" v="82" actId="20577"/>
+          <ac:spMkLst>
+            <pc:docMk/>
+            <pc:sldMk cId="2086091626" sldId="283"/>
+            <ac:spMk id="4" creationId="{AF6B66CB-1660-4653-A137-CEA62F43220E}"/>
+          </ac:spMkLst>
+        </pc:spChg>
+        <pc:graphicFrameChg chg="add del mod">
+          <ac:chgData name="Addepally, Shouri" userId="S::shouria2@illinois.edu::460b5942-7cdb-4db2-afef-2c43804a0f21" providerId="AD" clId="Web-{2910BFAF-C406-3805-905A-4FD61071566E}" dt="2021-02-28T19:26:21.586" v="3"/>
+          <ac:graphicFrameMkLst>
+            <pc:docMk/>
+            <pc:sldMk cId="2086091626" sldId="283"/>
+            <ac:graphicFrameMk id="6" creationId="{06C9B0C8-6A5B-451C-9A11-32AC521F10BD}"/>
+          </ac:graphicFrameMkLst>
+        </pc:graphicFrameChg>
       </pc:sldChg>
     </pc:docChg>
   </pc:docChgLst>
@@ -4776,6 +4888,46 @@
                 <a:latin typeface="Times New Roman"/>
                 <a:cs typeface="Times New Roman"/>
               </a:rPr>
+              <a:t>Tejas</a:t>
+            </a:r>
+            <a:r>
+              <a:rPr lang="en-US" sz="1550" spc="-10" dirty="0">
+                <a:solidFill>
+                  <a:srgbClr val="F06221"/>
+                </a:solidFill>
+                <a:latin typeface="Times New Roman"/>
+                <a:cs typeface="Times New Roman"/>
+              </a:rPr>
+              <a:t> </a:t>
+            </a:r>
+            <a:r>
+              <a:rPr lang="en-US" sz="1550" spc="-10" dirty="0" err="1">
+                <a:solidFill>
+                  <a:srgbClr val="F06221"/>
+                </a:solidFill>
+                <a:latin typeface="Times New Roman"/>
+                <a:cs typeface="Times New Roman"/>
+              </a:rPr>
+              <a:t>Satpalkar</a:t>
+            </a:r>
+            <a:r>
+              <a:rPr lang="en-US" sz="1550" spc="-10" dirty="0">
+                <a:solidFill>
+                  <a:srgbClr val="F06221"/>
+                </a:solidFill>
+                <a:latin typeface="Times New Roman"/>
+                <a:cs typeface="Times New Roman"/>
+              </a:rPr>
+              <a:t>, </a:t>
+            </a:r>
+            <a:r>
+              <a:rPr lang="en-US" sz="1550" spc="-10" dirty="0" err="1">
+                <a:solidFill>
+                  <a:srgbClr val="F06221"/>
+                </a:solidFill>
+                <a:latin typeface="Times New Roman"/>
+                <a:cs typeface="Times New Roman"/>
+              </a:rPr>
               <a:t>Shouri</a:t>
             </a:r>
             <a:r>
@@ -4866,6 +5018,1164 @@
 </file>
 
 <file path=ppt/slides/slide10.xml><?xml version="1.0" encoding="utf-8"?>
+<p:sld xmlns:a="http://schemas.openxmlformats.org/drawingml/2006/main" xmlns:r="http://schemas.openxmlformats.org/officeDocument/2006/relationships" xmlns:p="http://schemas.openxmlformats.org/presentationml/2006/main">
+  <p:cSld>
+    <p:spTree>
+      <p:nvGrpSpPr>
+        <p:cNvPr id="1" name=""/>
+        <p:cNvGrpSpPr/>
+        <p:nvPr/>
+      </p:nvGrpSpPr>
+      <p:grpSpPr>
+        <a:xfrm>
+          <a:off x="0" y="0"/>
+          <a:ext cx="0" cy="0"/>
+          <a:chOff x="0" y="0"/>
+          <a:chExt cx="0" cy="0"/>
+        </a:xfrm>
+      </p:grpSpPr>
+      <p:sp>
+        <p:nvSpPr>
+          <p:cNvPr id="2" name="object 2"/>
+          <p:cNvSpPr txBox="1">
+            <a:spLocks noGrp="1"/>
+          </p:cNvSpPr>
+          <p:nvPr>
+            <p:ph type="title"/>
+          </p:nvPr>
+        </p:nvSpPr>
+        <p:spPr>
+          <a:xfrm>
+            <a:off x="690880" y="864234"/>
+            <a:ext cx="4459605" cy="495300"/>
+          </a:xfrm>
+          <a:prstGeom prst="rect">
+            <a:avLst/>
+          </a:prstGeom>
+        </p:spPr>
+        <p:txBody>
+          <a:bodyPr vert="horz" wrap="square" lIns="0" tIns="16510" rIns="0" bIns="0" rtlCol="0">
+            <a:spAutoFit/>
+          </a:bodyPr>
+          <a:lstStyle/>
+          <a:p>
+            <a:pPr marL="12700">
+              <a:lnSpc>
+                <a:spcPct val="100000"/>
+              </a:lnSpc>
+              <a:spcBef>
+                <a:spcPts val="130"/>
+              </a:spcBef>
+            </a:pPr>
+            <a:r>
+              <a:rPr spc="5"/>
+              <a:t>LC-3 Review: </a:t>
+            </a:r>
+            <a:r>
+              <a:rPr spc="20"/>
+              <a:t>Keyboard</a:t>
+            </a:r>
+            <a:r>
+              <a:rPr spc="-315"/>
+              <a:t> </a:t>
+            </a:r>
+            <a:r>
+              <a:rPr spc="20"/>
+              <a:t>Input</a:t>
+            </a:r>
+          </a:p>
+        </p:txBody>
+      </p:sp>
+      <p:sp>
+        <p:nvSpPr>
+          <p:cNvPr id="3" name="object 3"/>
+          <p:cNvSpPr txBox="1"/>
+          <p:nvPr/>
+        </p:nvSpPr>
+        <p:spPr>
+          <a:xfrm>
+            <a:off x="690880" y="1665414"/>
+            <a:ext cx="8561070" cy="1227455"/>
+          </a:xfrm>
+          <a:prstGeom prst="rect">
+            <a:avLst/>
+          </a:prstGeom>
+        </p:spPr>
+        <p:txBody>
+          <a:bodyPr vert="horz" wrap="square" lIns="0" tIns="90805" rIns="0" bIns="0" rtlCol="0">
+            <a:spAutoFit/>
+          </a:bodyPr>
+          <a:lstStyle/>
+          <a:p>
+            <a:pPr marL="12700">
+              <a:lnSpc>
+                <a:spcPct val="100000"/>
+              </a:lnSpc>
+              <a:spcBef>
+                <a:spcPts val="715"/>
+              </a:spcBef>
+            </a:pPr>
+            <a:r>
+              <a:rPr sz="2300" b="1" spc="-5">
+                <a:solidFill>
+                  <a:srgbClr val="001F5F"/>
+                </a:solidFill>
+                <a:latin typeface="Arial"/>
+                <a:cs typeface="Arial"/>
+              </a:rPr>
+              <a:t>Reading </a:t>
+            </a:r>
+            <a:r>
+              <a:rPr sz="2300" b="1" spc="-15">
+                <a:solidFill>
+                  <a:srgbClr val="001F5F"/>
+                </a:solidFill>
+                <a:latin typeface="Arial"/>
+                <a:cs typeface="Arial"/>
+              </a:rPr>
+              <a:t>from </a:t>
+            </a:r>
+            <a:r>
+              <a:rPr sz="2300" b="1" spc="5">
+                <a:solidFill>
+                  <a:srgbClr val="001F5F"/>
+                </a:solidFill>
+                <a:latin typeface="Arial"/>
+                <a:cs typeface="Arial"/>
+              </a:rPr>
+              <a:t>the</a:t>
+            </a:r>
+            <a:r>
+              <a:rPr sz="2300" b="1" spc="-15">
+                <a:solidFill>
+                  <a:srgbClr val="001F5F"/>
+                </a:solidFill>
+                <a:latin typeface="Arial"/>
+                <a:cs typeface="Arial"/>
+              </a:rPr>
+              <a:t> </a:t>
+            </a:r>
+            <a:r>
+              <a:rPr sz="2300" b="1" spc="-5">
+                <a:solidFill>
+                  <a:srgbClr val="001F5F"/>
+                </a:solidFill>
+                <a:latin typeface="Arial"/>
+                <a:cs typeface="Arial"/>
+              </a:rPr>
+              <a:t>keyboard</a:t>
+            </a:r>
+            <a:endParaRPr sz="2300">
+              <a:latin typeface="Arial"/>
+              <a:cs typeface="Arial"/>
+            </a:endParaRPr>
+          </a:p>
+          <a:p>
+            <a:pPr marL="346075" marR="5080" indent="-333375">
+              <a:lnSpc>
+                <a:spcPts val="2700"/>
+              </a:lnSpc>
+              <a:spcBef>
+                <a:spcPts val="760"/>
+              </a:spcBef>
+              <a:buChar char="•"/>
+              <a:tabLst>
+                <a:tab pos="346075" algn="l"/>
+                <a:tab pos="346710" algn="l"/>
+              </a:tabLst>
+            </a:pPr>
+            <a:r>
+              <a:rPr sz="2300" spc="-10">
+                <a:solidFill>
+                  <a:srgbClr val="001F5F"/>
+                </a:solidFill>
+                <a:latin typeface="Arial"/>
+                <a:cs typeface="Arial"/>
+              </a:rPr>
+              <a:t>Poll </a:t>
+            </a:r>
+            <a:r>
+              <a:rPr sz="2300" spc="30">
+                <a:solidFill>
+                  <a:srgbClr val="001F5F"/>
+                </a:solidFill>
+                <a:latin typeface="Arial"/>
+                <a:cs typeface="Arial"/>
+              </a:rPr>
+              <a:t>KBSR </a:t>
+            </a:r>
+            <a:r>
+              <a:rPr sz="2300" spc="5">
+                <a:solidFill>
+                  <a:srgbClr val="001F5F"/>
+                </a:solidFill>
+                <a:latin typeface="Arial"/>
+                <a:cs typeface="Arial"/>
+              </a:rPr>
+              <a:t>until </a:t>
+            </a:r>
+            <a:r>
+              <a:rPr sz="2300" spc="-35">
+                <a:solidFill>
+                  <a:srgbClr val="001F5F"/>
+                </a:solidFill>
+                <a:latin typeface="Arial"/>
+                <a:cs typeface="Arial"/>
+              </a:rPr>
+              <a:t>ready </a:t>
+            </a:r>
+            <a:r>
+              <a:rPr sz="2300" spc="50">
+                <a:solidFill>
+                  <a:srgbClr val="001F5F"/>
+                </a:solidFill>
+                <a:latin typeface="Arial"/>
+                <a:cs typeface="Arial"/>
+              </a:rPr>
+              <a:t>bit </a:t>
+            </a:r>
+            <a:r>
+              <a:rPr sz="2300" spc="10">
+                <a:solidFill>
+                  <a:srgbClr val="001F5F"/>
+                </a:solidFill>
+                <a:latin typeface="Arial"/>
+                <a:cs typeface="Arial"/>
+              </a:rPr>
+              <a:t>is </a:t>
+            </a:r>
+            <a:r>
+              <a:rPr sz="2300" spc="-35">
+                <a:solidFill>
+                  <a:srgbClr val="001F5F"/>
+                </a:solidFill>
+                <a:latin typeface="Arial"/>
+                <a:cs typeface="Arial"/>
+              </a:rPr>
+              <a:t>set </a:t>
+            </a:r>
+            <a:r>
+              <a:rPr sz="2300" spc="-10">
+                <a:solidFill>
+                  <a:srgbClr val="001F5F"/>
+                </a:solidFill>
+                <a:latin typeface="Arial"/>
+                <a:cs typeface="Arial"/>
+              </a:rPr>
+              <a:t>then </a:t>
+            </a:r>
+            <a:r>
+              <a:rPr sz="2300" spc="-15">
+                <a:solidFill>
+                  <a:srgbClr val="001F5F"/>
+                </a:solidFill>
+                <a:latin typeface="Arial"/>
+                <a:cs typeface="Arial"/>
+              </a:rPr>
+              <a:t>access </a:t>
+            </a:r>
+            <a:r>
+              <a:rPr sz="2300" spc="60">
+                <a:solidFill>
+                  <a:srgbClr val="001F5F"/>
+                </a:solidFill>
+                <a:latin typeface="Arial"/>
+                <a:cs typeface="Arial"/>
+              </a:rPr>
+              <a:t>input </a:t>
+            </a:r>
+            <a:r>
+              <a:rPr sz="2300" spc="-10">
+                <a:solidFill>
+                  <a:srgbClr val="001F5F"/>
+                </a:solidFill>
+                <a:latin typeface="Arial"/>
+                <a:cs typeface="Arial"/>
+              </a:rPr>
+              <a:t>data </a:t>
+            </a:r>
+            <a:r>
+              <a:rPr sz="2300" spc="-30">
+                <a:solidFill>
+                  <a:srgbClr val="001F5F"/>
+                </a:solidFill>
+                <a:latin typeface="Arial"/>
+                <a:cs typeface="Arial"/>
+              </a:rPr>
+              <a:t>stored </a:t>
+            </a:r>
+            <a:r>
+              <a:rPr sz="2300" spc="10">
+                <a:solidFill>
+                  <a:srgbClr val="001F5F"/>
+                </a:solidFill>
+                <a:latin typeface="Arial"/>
+                <a:cs typeface="Arial"/>
+              </a:rPr>
+              <a:t>in  </a:t>
+            </a:r>
+            <a:r>
+              <a:rPr sz="2300" spc="-20">
+                <a:solidFill>
+                  <a:srgbClr val="001F5F"/>
+                </a:solidFill>
+                <a:latin typeface="Arial"/>
+                <a:cs typeface="Arial"/>
+              </a:rPr>
+              <a:t>lower </a:t>
+            </a:r>
+            <a:r>
+              <a:rPr sz="2300" spc="10">
+                <a:solidFill>
+                  <a:srgbClr val="001F5F"/>
+                </a:solidFill>
+                <a:latin typeface="Arial"/>
+                <a:cs typeface="Arial"/>
+              </a:rPr>
+              <a:t>8 </a:t>
+            </a:r>
+            <a:r>
+              <a:rPr sz="2300" spc="65">
+                <a:solidFill>
+                  <a:srgbClr val="001F5F"/>
+                </a:solidFill>
+                <a:latin typeface="Arial"/>
+                <a:cs typeface="Arial"/>
+              </a:rPr>
+              <a:t>bits </a:t>
+            </a:r>
+            <a:r>
+              <a:rPr sz="2300" spc="-40">
+                <a:solidFill>
+                  <a:srgbClr val="001F5F"/>
+                </a:solidFill>
+                <a:latin typeface="Arial"/>
+                <a:cs typeface="Arial"/>
+              </a:rPr>
+              <a:t>of</a:t>
+            </a:r>
+            <a:r>
+              <a:rPr sz="2300" spc="25">
+                <a:solidFill>
+                  <a:srgbClr val="001F5F"/>
+                </a:solidFill>
+                <a:latin typeface="Arial"/>
+                <a:cs typeface="Arial"/>
+              </a:rPr>
+              <a:t> </a:t>
+            </a:r>
+            <a:r>
+              <a:rPr sz="2300" spc="20">
+                <a:solidFill>
+                  <a:srgbClr val="001F5F"/>
+                </a:solidFill>
+                <a:latin typeface="Arial"/>
+                <a:cs typeface="Arial"/>
+              </a:rPr>
+              <a:t>KBDR</a:t>
+            </a:r>
+            <a:endParaRPr sz="2300">
+              <a:latin typeface="Arial"/>
+              <a:cs typeface="Arial"/>
+            </a:endParaRPr>
+          </a:p>
+        </p:txBody>
+      </p:sp>
+      <p:sp>
+        <p:nvSpPr>
+          <p:cNvPr id="4" name="object 4"/>
+          <p:cNvSpPr/>
+          <p:nvPr/>
+        </p:nvSpPr>
+        <p:spPr>
+          <a:xfrm>
+            <a:off x="628650" y="3905250"/>
+            <a:ext cx="8829675" cy="2171700"/>
+          </a:xfrm>
+          <a:custGeom>
+            <a:avLst/>
+            <a:gdLst/>
+            <a:ahLst/>
+            <a:cxnLst/>
+            <a:rect l="l" t="t" r="r" b="b"/>
+            <a:pathLst>
+              <a:path w="8829675" h="2171700">
+                <a:moveTo>
+                  <a:pt x="0" y="2171700"/>
+                </a:moveTo>
+                <a:lnTo>
+                  <a:pt x="8829675" y="2171700"/>
+                </a:lnTo>
+                <a:lnTo>
+                  <a:pt x="8829675" y="0"/>
+                </a:lnTo>
+                <a:lnTo>
+                  <a:pt x="0" y="0"/>
+                </a:lnTo>
+                <a:lnTo>
+                  <a:pt x="0" y="2171700"/>
+                </a:lnTo>
+                <a:close/>
+              </a:path>
+            </a:pathLst>
+          </a:custGeom>
+          <a:ln w="38100">
+            <a:solidFill>
+              <a:srgbClr val="4F81BC"/>
+            </a:solidFill>
+          </a:ln>
+        </p:spPr>
+        <p:txBody>
+          <a:bodyPr wrap="square" lIns="0" tIns="0" rIns="0" bIns="0" rtlCol="0"/>
+          <a:lstStyle/>
+          <a:p>
+            <a:endParaRPr/>
+          </a:p>
+        </p:txBody>
+      </p:sp>
+      <p:graphicFrame>
+        <p:nvGraphicFramePr>
+          <p:cNvPr id="5" name="object 5"/>
+          <p:cNvGraphicFramePr>
+            <a:graphicFrameLocks noGrp="1"/>
+          </p:cNvGraphicFramePr>
+          <p:nvPr/>
+        </p:nvGraphicFramePr>
+        <p:xfrm>
+          <a:off x="609600" y="3905250"/>
+          <a:ext cx="8429624" cy="2171698"/>
+        </p:xfrm>
+        <a:graphic>
+          <a:graphicData uri="http://schemas.openxmlformats.org/drawingml/2006/table">
+            <a:tbl>
+              <a:tblPr firstRow="1" bandRow="1">
+                <a:tableStyleId>{2D5ABB26-0587-4C30-8999-92F81FD0307C}</a:tableStyleId>
+              </a:tblPr>
+              <a:tblGrid>
+                <a:gridCol w="1071245">
+                  <a:extLst>
+                    <a:ext uri="{9D8B030D-6E8A-4147-A177-3AD203B41FA5}">
+                      <a16:colId xmlns:a16="http://schemas.microsoft.com/office/drawing/2014/main" val="20000"/>
+                    </a:ext>
+                  </a:extLst>
+                </a:gridCol>
+                <a:gridCol w="1203959">
+                  <a:extLst>
+                    <a:ext uri="{9D8B030D-6E8A-4147-A177-3AD203B41FA5}">
+                      <a16:colId xmlns:a16="http://schemas.microsoft.com/office/drawing/2014/main" val="20001"/>
+                    </a:ext>
+                  </a:extLst>
+                </a:gridCol>
+                <a:gridCol w="2150110">
+                  <a:extLst>
+                    <a:ext uri="{9D8B030D-6E8A-4147-A177-3AD203B41FA5}">
+                      <a16:colId xmlns:a16="http://schemas.microsoft.com/office/drawing/2014/main" val="20002"/>
+                    </a:ext>
+                  </a:extLst>
+                </a:gridCol>
+                <a:gridCol w="4004310">
+                  <a:extLst>
+                    <a:ext uri="{9D8B030D-6E8A-4147-A177-3AD203B41FA5}">
+                      <a16:colId xmlns:a16="http://schemas.microsoft.com/office/drawing/2014/main" val="20003"/>
+                    </a:ext>
+                  </a:extLst>
+                </a:gridCol>
+              </a:tblGrid>
+              <a:tr h="1140856">
+                <a:tc>
+                  <a:txBody>
+                    <a:bodyPr/>
+                    <a:lstStyle/>
+                    <a:p>
+                      <a:pPr marL="77470">
+                        <a:lnSpc>
+                          <a:spcPct val="100000"/>
+                        </a:lnSpc>
+                        <a:spcBef>
+                          <a:spcPts val="1085"/>
+                        </a:spcBef>
+                      </a:pPr>
+                      <a:r>
+                        <a:rPr sz="1850" spc="25">
+                          <a:latin typeface="Calibri"/>
+                          <a:cs typeface="Calibri"/>
+                        </a:rPr>
+                        <a:t>POLL</a:t>
+                      </a:r>
+                      <a:endParaRPr sz="1850">
+                        <a:latin typeface="Calibri"/>
+                        <a:cs typeface="Calibri"/>
+                      </a:endParaRPr>
+                    </a:p>
+                  </a:txBody>
+                  <a:tcPr marL="0" marR="0" marT="137795" marB="0">
+                    <a:lnL w="38100">
+                      <a:solidFill>
+                        <a:srgbClr val="4F81BC"/>
+                      </a:solidFill>
+                      <a:prstDash val="solid"/>
+                    </a:lnL>
+                  </a:tcPr>
+                </a:tc>
+                <a:tc>
+                  <a:txBody>
+                    <a:bodyPr/>
+                    <a:lstStyle/>
+                    <a:p>
+                      <a:pPr marL="50165" algn="ctr">
+                        <a:lnSpc>
+                          <a:spcPts val="2200"/>
+                        </a:lnSpc>
+                        <a:spcBef>
+                          <a:spcPts val="1085"/>
+                        </a:spcBef>
+                      </a:pPr>
+                      <a:r>
+                        <a:rPr sz="1850" spc="10">
+                          <a:latin typeface="Calibri"/>
+                          <a:cs typeface="Calibri"/>
+                        </a:rPr>
+                        <a:t>LDI</a:t>
+                      </a:r>
+                      <a:endParaRPr sz="1850">
+                        <a:latin typeface="Calibri"/>
+                        <a:cs typeface="Calibri"/>
+                      </a:endParaRPr>
+                    </a:p>
+                    <a:p>
+                      <a:pPr marL="464184">
+                        <a:lnSpc>
+                          <a:spcPts val="2200"/>
+                        </a:lnSpc>
+                      </a:pPr>
+                      <a:r>
+                        <a:rPr sz="1850" spc="45">
+                          <a:latin typeface="Calibri"/>
+                          <a:cs typeface="Calibri"/>
+                        </a:rPr>
+                        <a:t>BRzp</a:t>
+                      </a:r>
+                      <a:endParaRPr sz="1850">
+                        <a:latin typeface="Calibri"/>
+                        <a:cs typeface="Calibri"/>
+                      </a:endParaRPr>
+                    </a:p>
+                    <a:p>
+                      <a:pPr marL="31115" algn="ctr">
+                        <a:lnSpc>
+                          <a:spcPct val="100000"/>
+                        </a:lnSpc>
+                        <a:spcBef>
+                          <a:spcPts val="105"/>
+                        </a:spcBef>
+                      </a:pPr>
+                      <a:r>
+                        <a:rPr sz="1850" spc="10">
+                          <a:latin typeface="Calibri"/>
+                          <a:cs typeface="Calibri"/>
+                        </a:rPr>
+                        <a:t>LDI</a:t>
+                      </a:r>
+                      <a:endParaRPr sz="1850">
+                        <a:latin typeface="Calibri"/>
+                        <a:cs typeface="Calibri"/>
+                      </a:endParaRPr>
+                    </a:p>
+                  </a:txBody>
+                  <a:tcPr marL="0" marR="0" marT="137795" marB="0"/>
+                </a:tc>
+                <a:tc>
+                  <a:txBody>
+                    <a:bodyPr/>
+                    <a:lstStyle/>
+                    <a:p>
+                      <a:pPr marL="242570" marR="1054735">
+                        <a:lnSpc>
+                          <a:spcPct val="104800"/>
+                        </a:lnSpc>
+                        <a:spcBef>
+                          <a:spcPts val="900"/>
+                        </a:spcBef>
+                      </a:pPr>
+                      <a:r>
+                        <a:rPr sz="1850" spc="25">
+                          <a:latin typeface="Calibri"/>
+                          <a:cs typeface="Calibri"/>
+                        </a:rPr>
+                        <a:t>R1,</a:t>
+                      </a:r>
+                      <a:r>
+                        <a:rPr sz="1850" spc="-215">
+                          <a:latin typeface="Calibri"/>
+                          <a:cs typeface="Calibri"/>
+                        </a:rPr>
+                        <a:t> </a:t>
+                      </a:r>
+                      <a:r>
+                        <a:rPr sz="1850" spc="10">
+                          <a:latin typeface="Calibri"/>
+                          <a:cs typeface="Calibri"/>
+                        </a:rPr>
+                        <a:t>KBSR  </a:t>
+                      </a:r>
+                      <a:r>
+                        <a:rPr sz="1850" spc="30">
+                          <a:latin typeface="Calibri"/>
+                          <a:cs typeface="Calibri"/>
+                        </a:rPr>
+                        <a:t>POLL</a:t>
+                      </a:r>
+                      <a:endParaRPr sz="1850">
+                        <a:latin typeface="Calibri"/>
+                        <a:cs typeface="Calibri"/>
+                      </a:endParaRPr>
+                    </a:p>
+                    <a:p>
+                      <a:pPr marL="242570">
+                        <a:lnSpc>
+                          <a:spcPct val="100000"/>
+                        </a:lnSpc>
+                        <a:spcBef>
+                          <a:spcPts val="110"/>
+                        </a:spcBef>
+                      </a:pPr>
+                      <a:r>
+                        <a:rPr sz="1850" spc="25">
+                          <a:latin typeface="Calibri"/>
+                          <a:cs typeface="Calibri"/>
+                        </a:rPr>
+                        <a:t>R0,</a:t>
+                      </a:r>
+                      <a:r>
+                        <a:rPr sz="1850" spc="-145">
+                          <a:latin typeface="Calibri"/>
+                          <a:cs typeface="Calibri"/>
+                        </a:rPr>
+                        <a:t> </a:t>
+                      </a:r>
+                      <a:r>
+                        <a:rPr sz="1850" spc="15">
+                          <a:latin typeface="Calibri"/>
+                          <a:cs typeface="Calibri"/>
+                        </a:rPr>
+                        <a:t>KBDR</a:t>
+                      </a:r>
+                      <a:endParaRPr sz="1850">
+                        <a:latin typeface="Calibri"/>
+                        <a:cs typeface="Calibri"/>
+                      </a:endParaRPr>
+                    </a:p>
+                  </a:txBody>
+                  <a:tcPr marL="0" marR="0" marT="114300" marB="0"/>
+                </a:tc>
+                <a:tc>
+                  <a:txBody>
+                    <a:bodyPr/>
+                    <a:lstStyle/>
+                    <a:p>
+                      <a:pPr marL="1024255">
+                        <a:lnSpc>
+                          <a:spcPct val="100000"/>
+                        </a:lnSpc>
+                        <a:spcBef>
+                          <a:spcPts val="1085"/>
+                        </a:spcBef>
+                      </a:pPr>
+                      <a:r>
+                        <a:rPr sz="1850" spc="5">
+                          <a:latin typeface="Calibri"/>
+                          <a:cs typeface="Calibri"/>
+                        </a:rPr>
+                        <a:t>; </a:t>
+                      </a:r>
+                      <a:r>
+                        <a:rPr sz="1850">
+                          <a:latin typeface="Calibri"/>
+                          <a:cs typeface="Calibri"/>
+                        </a:rPr>
+                        <a:t>Check status</a:t>
+                      </a:r>
+                      <a:r>
+                        <a:rPr sz="1850" spc="245">
+                          <a:latin typeface="Calibri"/>
+                          <a:cs typeface="Calibri"/>
+                        </a:rPr>
+                        <a:t> </a:t>
+                      </a:r>
+                      <a:r>
+                        <a:rPr sz="1850">
+                          <a:latin typeface="Calibri"/>
+                          <a:cs typeface="Calibri"/>
+                        </a:rPr>
+                        <a:t>register</a:t>
+                      </a:r>
+                    </a:p>
+                    <a:p>
+                      <a:pPr marL="1024255">
+                        <a:lnSpc>
+                          <a:spcPct val="100000"/>
+                        </a:lnSpc>
+                        <a:spcBef>
+                          <a:spcPts val="30"/>
+                        </a:spcBef>
+                      </a:pPr>
+                      <a:r>
+                        <a:rPr sz="1850" spc="5">
+                          <a:latin typeface="Calibri"/>
+                          <a:cs typeface="Calibri"/>
+                        </a:rPr>
+                        <a:t>; </a:t>
+                      </a:r>
+                      <a:r>
+                        <a:rPr sz="1850" spc="10">
+                          <a:latin typeface="Calibri"/>
+                          <a:cs typeface="Calibri"/>
+                        </a:rPr>
+                        <a:t>Loop </a:t>
+                      </a:r>
+                      <a:r>
+                        <a:rPr sz="1850" spc="15">
+                          <a:latin typeface="Calibri"/>
+                          <a:cs typeface="Calibri"/>
+                        </a:rPr>
+                        <a:t>while </a:t>
+                      </a:r>
+                      <a:r>
+                        <a:rPr sz="1850" spc="5">
+                          <a:latin typeface="Calibri"/>
+                          <a:cs typeface="Calibri"/>
+                        </a:rPr>
+                        <a:t>ready </a:t>
+                      </a:r>
+                      <a:r>
+                        <a:rPr sz="1850" spc="10">
+                          <a:latin typeface="Calibri"/>
+                          <a:cs typeface="Calibri"/>
+                        </a:rPr>
+                        <a:t>bit </a:t>
+                      </a:r>
+                      <a:r>
+                        <a:rPr sz="1850">
+                          <a:latin typeface="Calibri"/>
+                          <a:cs typeface="Calibri"/>
+                        </a:rPr>
+                        <a:t>not</a:t>
+                      </a:r>
+                      <a:r>
+                        <a:rPr sz="1850" spc="215">
+                          <a:latin typeface="Calibri"/>
+                          <a:cs typeface="Calibri"/>
+                        </a:rPr>
+                        <a:t> </a:t>
+                      </a:r>
+                      <a:r>
+                        <a:rPr sz="1850">
+                          <a:latin typeface="Calibri"/>
+                          <a:cs typeface="Calibri"/>
+                        </a:rPr>
+                        <a:t>set</a:t>
+                      </a:r>
+                    </a:p>
+                    <a:p>
+                      <a:pPr marL="1024255">
+                        <a:lnSpc>
+                          <a:spcPct val="100000"/>
+                        </a:lnSpc>
+                        <a:spcBef>
+                          <a:spcPts val="110"/>
+                        </a:spcBef>
+                      </a:pPr>
+                      <a:r>
+                        <a:rPr sz="1850" spc="5">
+                          <a:latin typeface="Calibri"/>
+                          <a:cs typeface="Calibri"/>
+                        </a:rPr>
+                        <a:t>; Get </a:t>
+                      </a:r>
+                      <a:r>
+                        <a:rPr sz="1850" spc="-5">
+                          <a:latin typeface="Calibri"/>
+                          <a:cs typeface="Calibri"/>
+                        </a:rPr>
+                        <a:t>keyboard</a:t>
+                      </a:r>
+                      <a:r>
+                        <a:rPr sz="1850" spc="140">
+                          <a:latin typeface="Calibri"/>
+                          <a:cs typeface="Calibri"/>
+                        </a:rPr>
+                        <a:t> </a:t>
+                      </a:r>
+                      <a:r>
+                        <a:rPr sz="1850" spc="5">
+                          <a:latin typeface="Calibri"/>
+                          <a:cs typeface="Calibri"/>
+                        </a:rPr>
+                        <a:t>input</a:t>
+                      </a:r>
+                      <a:endParaRPr sz="1850">
+                        <a:latin typeface="Calibri"/>
+                        <a:cs typeface="Calibri"/>
+                      </a:endParaRPr>
+                    </a:p>
+                  </a:txBody>
+                  <a:tcPr marL="0" marR="0" marT="137795" marB="0"/>
+                </a:tc>
+                <a:extLst>
+                  <a:ext uri="{0D108BD9-81ED-4DB2-BD59-A6C34878D82A}">
+                    <a16:rowId xmlns:a16="http://schemas.microsoft.com/office/drawing/2014/main" val="10000"/>
+                  </a:ext>
+                </a:extLst>
+              </a:tr>
+              <a:tr h="450976">
+                <a:tc>
+                  <a:txBody>
+                    <a:bodyPr/>
+                    <a:lstStyle/>
+                    <a:p>
+                      <a:pPr marL="77470">
+                        <a:lnSpc>
+                          <a:spcPct val="100000"/>
+                        </a:lnSpc>
+                        <a:spcBef>
+                          <a:spcPts val="555"/>
+                        </a:spcBef>
+                      </a:pPr>
+                      <a:r>
+                        <a:rPr sz="1850" spc="10">
+                          <a:latin typeface="Calibri"/>
+                          <a:cs typeface="Calibri"/>
+                        </a:rPr>
+                        <a:t>KBSR</a:t>
+                      </a:r>
+                      <a:endParaRPr sz="1850">
+                        <a:latin typeface="Calibri"/>
+                        <a:cs typeface="Calibri"/>
+                      </a:endParaRPr>
+                    </a:p>
+                  </a:txBody>
+                  <a:tcPr marL="0" marR="0" marT="70485" marB="0">
+                    <a:lnL w="38100">
+                      <a:solidFill>
+                        <a:srgbClr val="4F81BC"/>
+                      </a:solidFill>
+                      <a:prstDash val="solid"/>
+                    </a:lnL>
+                  </a:tcPr>
+                </a:tc>
+                <a:tc>
+                  <a:txBody>
+                    <a:bodyPr/>
+                    <a:lstStyle/>
+                    <a:p>
+                      <a:pPr marR="274320" algn="r">
+                        <a:lnSpc>
+                          <a:spcPct val="100000"/>
+                        </a:lnSpc>
+                        <a:spcBef>
+                          <a:spcPts val="555"/>
+                        </a:spcBef>
+                      </a:pPr>
+                      <a:r>
+                        <a:rPr sz="1850" spc="-25">
+                          <a:latin typeface="Calibri"/>
+                          <a:cs typeface="Calibri"/>
+                        </a:rPr>
+                        <a:t>.</a:t>
+                      </a:r>
+                      <a:r>
+                        <a:rPr sz="1850" spc="-40">
+                          <a:latin typeface="Calibri"/>
+                          <a:cs typeface="Calibri"/>
+                        </a:rPr>
+                        <a:t>F</a:t>
+                      </a:r>
+                      <a:r>
+                        <a:rPr sz="1850" spc="-25">
+                          <a:latin typeface="Calibri"/>
+                          <a:cs typeface="Calibri"/>
+                        </a:rPr>
+                        <a:t>I</a:t>
+                      </a:r>
+                      <a:r>
+                        <a:rPr sz="1850" spc="35">
+                          <a:latin typeface="Calibri"/>
+                          <a:cs typeface="Calibri"/>
+                        </a:rPr>
+                        <a:t>LL</a:t>
+                      </a:r>
+                      <a:endParaRPr sz="1850">
+                        <a:latin typeface="Calibri"/>
+                        <a:cs typeface="Calibri"/>
+                      </a:endParaRPr>
+                    </a:p>
+                  </a:txBody>
+                  <a:tcPr marL="0" marR="0" marT="70485" marB="0"/>
+                </a:tc>
+                <a:tc>
+                  <a:txBody>
+                    <a:bodyPr/>
+                    <a:lstStyle/>
+                    <a:p>
+                      <a:pPr marL="242570">
+                        <a:lnSpc>
+                          <a:spcPct val="100000"/>
+                        </a:lnSpc>
+                        <a:spcBef>
+                          <a:spcPts val="555"/>
+                        </a:spcBef>
+                      </a:pPr>
+                      <a:r>
+                        <a:rPr sz="1850" spc="5">
+                          <a:latin typeface="Calibri"/>
+                          <a:cs typeface="Calibri"/>
+                        </a:rPr>
+                        <a:t>xFE00</a:t>
+                      </a:r>
+                      <a:endParaRPr sz="1850">
+                        <a:latin typeface="Calibri"/>
+                        <a:cs typeface="Calibri"/>
+                      </a:endParaRPr>
+                    </a:p>
+                  </a:txBody>
+                  <a:tcPr marL="0" marR="0" marT="70485" marB="0"/>
+                </a:tc>
+                <a:tc>
+                  <a:txBody>
+                    <a:bodyPr/>
+                    <a:lstStyle/>
+                    <a:p>
+                      <a:pPr marL="1024255">
+                        <a:lnSpc>
+                          <a:spcPct val="100000"/>
+                        </a:lnSpc>
+                        <a:spcBef>
+                          <a:spcPts val="555"/>
+                        </a:spcBef>
+                      </a:pPr>
+                      <a:r>
+                        <a:rPr sz="1850" spc="5">
+                          <a:latin typeface="Calibri"/>
+                          <a:cs typeface="Calibri"/>
+                        </a:rPr>
+                        <a:t>; </a:t>
+                      </a:r>
+                      <a:r>
+                        <a:rPr sz="1850" spc="10">
+                          <a:latin typeface="Calibri"/>
+                          <a:cs typeface="Calibri"/>
+                        </a:rPr>
+                        <a:t>KBSR</a:t>
+                      </a:r>
+                      <a:r>
+                        <a:rPr sz="1850" spc="25">
+                          <a:latin typeface="Calibri"/>
+                          <a:cs typeface="Calibri"/>
+                        </a:rPr>
+                        <a:t> </a:t>
+                      </a:r>
+                      <a:r>
+                        <a:rPr sz="1850" spc="10">
+                          <a:latin typeface="Calibri"/>
+                          <a:cs typeface="Calibri"/>
+                        </a:rPr>
+                        <a:t>address</a:t>
+                      </a:r>
+                      <a:endParaRPr sz="1850">
+                        <a:latin typeface="Calibri"/>
+                        <a:cs typeface="Calibri"/>
+                      </a:endParaRPr>
+                    </a:p>
+                  </a:txBody>
+                  <a:tcPr marL="0" marR="0" marT="70485" marB="0"/>
+                </a:tc>
+                <a:extLst>
+                  <a:ext uri="{0D108BD9-81ED-4DB2-BD59-A6C34878D82A}">
+                    <a16:rowId xmlns:a16="http://schemas.microsoft.com/office/drawing/2014/main" val="10001"/>
+                  </a:ext>
+                </a:extLst>
+              </a:tr>
+              <a:tr h="579866">
+                <a:tc>
+                  <a:txBody>
+                    <a:bodyPr/>
+                    <a:lstStyle/>
+                    <a:p>
+                      <a:pPr marL="77470">
+                        <a:lnSpc>
+                          <a:spcPct val="100000"/>
+                        </a:lnSpc>
+                        <a:spcBef>
+                          <a:spcPts val="229"/>
+                        </a:spcBef>
+                      </a:pPr>
+                      <a:r>
+                        <a:rPr sz="1850" spc="10">
+                          <a:latin typeface="Calibri"/>
+                          <a:cs typeface="Calibri"/>
+                        </a:rPr>
+                        <a:t>KBDR</a:t>
+                      </a:r>
+                      <a:endParaRPr sz="1850">
+                        <a:latin typeface="Calibri"/>
+                        <a:cs typeface="Calibri"/>
+                      </a:endParaRPr>
+                    </a:p>
+                  </a:txBody>
+                  <a:tcPr marL="0" marR="0" marT="29209" marB="0">
+                    <a:lnL w="38100">
+                      <a:solidFill>
+                        <a:srgbClr val="4F81BC"/>
+                      </a:solidFill>
+                      <a:prstDash val="solid"/>
+                    </a:lnL>
+                  </a:tcPr>
+                </a:tc>
+                <a:tc>
+                  <a:txBody>
+                    <a:bodyPr/>
+                    <a:lstStyle/>
+                    <a:p>
+                      <a:pPr marR="274320" algn="r">
+                        <a:lnSpc>
+                          <a:spcPct val="100000"/>
+                        </a:lnSpc>
+                        <a:spcBef>
+                          <a:spcPts val="229"/>
+                        </a:spcBef>
+                      </a:pPr>
+                      <a:r>
+                        <a:rPr sz="1850" spc="-25">
+                          <a:latin typeface="Calibri"/>
+                          <a:cs typeface="Calibri"/>
+                        </a:rPr>
+                        <a:t>.</a:t>
+                      </a:r>
+                      <a:r>
+                        <a:rPr sz="1850" spc="-40">
+                          <a:latin typeface="Calibri"/>
+                          <a:cs typeface="Calibri"/>
+                        </a:rPr>
+                        <a:t>F</a:t>
+                      </a:r>
+                      <a:r>
+                        <a:rPr sz="1850" spc="-25">
+                          <a:latin typeface="Calibri"/>
+                          <a:cs typeface="Calibri"/>
+                        </a:rPr>
+                        <a:t>I</a:t>
+                      </a:r>
+                      <a:r>
+                        <a:rPr sz="1850" spc="35">
+                          <a:latin typeface="Calibri"/>
+                          <a:cs typeface="Calibri"/>
+                        </a:rPr>
+                        <a:t>LL</a:t>
+                      </a:r>
+                      <a:endParaRPr sz="1850">
+                        <a:latin typeface="Calibri"/>
+                        <a:cs typeface="Calibri"/>
+                      </a:endParaRPr>
+                    </a:p>
+                  </a:txBody>
+                  <a:tcPr marL="0" marR="0" marT="29209" marB="0"/>
+                </a:tc>
+                <a:tc>
+                  <a:txBody>
+                    <a:bodyPr/>
+                    <a:lstStyle/>
+                    <a:p>
+                      <a:pPr marL="242570">
+                        <a:lnSpc>
+                          <a:spcPct val="100000"/>
+                        </a:lnSpc>
+                        <a:spcBef>
+                          <a:spcPts val="229"/>
+                        </a:spcBef>
+                      </a:pPr>
+                      <a:r>
+                        <a:rPr sz="1850" spc="5">
+                          <a:latin typeface="Calibri"/>
+                          <a:cs typeface="Calibri"/>
+                        </a:rPr>
+                        <a:t>xFE02</a:t>
+                      </a:r>
+                      <a:endParaRPr sz="1850">
+                        <a:latin typeface="Calibri"/>
+                        <a:cs typeface="Calibri"/>
+                      </a:endParaRPr>
+                    </a:p>
+                  </a:txBody>
+                  <a:tcPr marL="0" marR="0" marT="29209" marB="0"/>
+                </a:tc>
+                <a:tc>
+                  <a:txBody>
+                    <a:bodyPr/>
+                    <a:lstStyle/>
+                    <a:p>
+                      <a:pPr marL="1024255">
+                        <a:lnSpc>
+                          <a:spcPct val="100000"/>
+                        </a:lnSpc>
+                        <a:spcBef>
+                          <a:spcPts val="229"/>
+                        </a:spcBef>
+                      </a:pPr>
+                      <a:r>
+                        <a:rPr sz="1850" spc="5">
+                          <a:latin typeface="Calibri"/>
+                          <a:cs typeface="Calibri"/>
+                        </a:rPr>
+                        <a:t>; </a:t>
+                      </a:r>
+                      <a:r>
+                        <a:rPr sz="1850" spc="10">
+                          <a:latin typeface="Calibri"/>
+                          <a:cs typeface="Calibri"/>
+                        </a:rPr>
+                        <a:t>KBDR</a:t>
+                      </a:r>
+                      <a:r>
+                        <a:rPr sz="1850" spc="30">
+                          <a:latin typeface="Calibri"/>
+                          <a:cs typeface="Calibri"/>
+                        </a:rPr>
+                        <a:t> </a:t>
+                      </a:r>
+                      <a:r>
+                        <a:rPr sz="1850" spc="5">
+                          <a:latin typeface="Calibri"/>
+                          <a:cs typeface="Calibri"/>
+                        </a:rPr>
+                        <a:t>address</a:t>
+                      </a:r>
+                      <a:endParaRPr sz="1850">
+                        <a:latin typeface="Calibri"/>
+                        <a:cs typeface="Calibri"/>
+                      </a:endParaRPr>
+                    </a:p>
+                  </a:txBody>
+                  <a:tcPr marL="0" marR="0" marT="29209" marB="0"/>
+                </a:tc>
+                <a:extLst>
+                  <a:ext uri="{0D108BD9-81ED-4DB2-BD59-A6C34878D82A}">
+                    <a16:rowId xmlns:a16="http://schemas.microsoft.com/office/drawing/2014/main" val="10002"/>
+                  </a:ext>
+                </a:extLst>
+              </a:tr>
+            </a:tbl>
+          </a:graphicData>
+        </a:graphic>
+      </p:graphicFrame>
+    </p:spTree>
+  </p:cSld>
+  <p:clrMapOvr>
+    <a:masterClrMapping/>
+  </p:clrMapOvr>
+</p:sld>
+</file>
+
+<file path=ppt/slides/slide11.xml><?xml version="1.0" encoding="utf-8"?>
 <p:sld xmlns:a="http://schemas.openxmlformats.org/drawingml/2006/main" xmlns:r="http://schemas.openxmlformats.org/officeDocument/2006/relationships" xmlns:p="http://schemas.openxmlformats.org/presentationml/2006/main">
   <p:cSld>
     <p:spTree>
@@ -5325,13 +6635,13 @@
                         </a:spcBef>
                       </a:pPr>
                       <a:r>
-                        <a:rPr sz="1850" spc="10">
+                        <a:rPr lang="en-US" sz="1850" spc="10">
                           <a:latin typeface="Calibri"/>
                           <a:cs typeface="Calibri"/>
                         </a:rPr>
                         <a:t>LDI</a:t>
                       </a:r>
-                      <a:endParaRPr sz="1850">
+                      <a:endParaRPr lang="en-US" sz="1850">
                         <a:latin typeface="Calibri"/>
                         <a:cs typeface="Calibri"/>
                       </a:endParaRPr>
@@ -5343,13 +6653,13 @@
                         </a:lnSpc>
                       </a:pPr>
                       <a:r>
-                        <a:rPr sz="1850" spc="30">
+                        <a:rPr lang="en-US" sz="1850" spc="30">
                           <a:latin typeface="Calibri"/>
                           <a:cs typeface="Calibri"/>
                         </a:rPr>
                         <a:t>BRzp</a:t>
                       </a:r>
-                      <a:endParaRPr sz="1850">
+                      <a:endParaRPr lang="en-US" sz="1850">
                         <a:latin typeface="Calibri"/>
                         <a:cs typeface="Calibri"/>
                       </a:endParaRPr>
@@ -5364,13 +6674,13 @@
                         </a:spcBef>
                       </a:pPr>
                       <a:r>
-                        <a:rPr sz="1850" spc="-10">
+                        <a:rPr lang="en-US" sz="1850" spc="-10">
                           <a:latin typeface="Calibri"/>
                           <a:cs typeface="Calibri"/>
                         </a:rPr>
                         <a:t>STI</a:t>
                       </a:r>
-                      <a:endParaRPr sz="1850">
+                      <a:endParaRPr lang="en-US" sz="1850">
                         <a:latin typeface="Calibri"/>
                         <a:cs typeface="Calibri"/>
                       </a:endParaRPr>
@@ -5891,34 +7201,34 @@
                         </a:spcBef>
                       </a:pPr>
                       <a:r>
-                        <a:rPr sz="1850" spc="5">
+                        <a:rPr sz="1850" spc="5" dirty="0">
                           <a:latin typeface="Calibri"/>
                           <a:cs typeface="Calibri"/>
                         </a:rPr>
                         <a:t>; </a:t>
                       </a:r>
                       <a:r>
-                        <a:rPr sz="1850" spc="-10">
+                        <a:rPr sz="1850" spc="-10" dirty="0">
                           <a:latin typeface="Calibri"/>
                           <a:cs typeface="Calibri"/>
                         </a:rPr>
                         <a:t>DDR</a:t>
                       </a:r>
                       <a:r>
-                        <a:rPr sz="1850" spc="105">
+                        <a:rPr sz="1850" spc="105" dirty="0">
                           <a:latin typeface="Calibri"/>
                           <a:cs typeface="Calibri"/>
                         </a:rPr>
                         <a:t> </a:t>
                       </a:r>
                       <a:r>
-                        <a:rPr sz="1850" spc="5">
+                        <a:rPr sz="1850" spc="5" dirty="0">
                           <a:latin typeface="Calibri"/>
                           <a:cs typeface="Calibri"/>
                         </a:rPr>
                         <a:t>address</a:t>
                       </a:r>
-                      <a:endParaRPr sz="1850">
+                      <a:endParaRPr sz="1850" dirty="0">
                         <a:latin typeface="Calibri"/>
                         <a:cs typeface="Calibri"/>
                       </a:endParaRPr>
@@ -5944,7 +7254,7 @@
 </p:sld>
 </file>
 
-<file path=ppt/slides/slide11.xml><?xml version="1.0" encoding="utf-8"?>
+<file path=ppt/slides/slide12.xml><?xml version="1.0" encoding="utf-8"?>
 <p:sld xmlns:a="http://schemas.openxmlformats.org/drawingml/2006/main" xmlns:r="http://schemas.openxmlformats.org/officeDocument/2006/relationships" xmlns:p="http://schemas.openxmlformats.org/presentationml/2006/main">
   <p:cSld>
     <p:spTree>
@@ -6912,7 +8222,7 @@
 </p:sld>
 </file>
 
-<file path=ppt/slides/slide12.xml><?xml version="1.0" encoding="utf-8"?>
+<file path=ppt/slides/slide13.xml><?xml version="1.0" encoding="utf-8"?>
 <p:sld xmlns:a="http://schemas.openxmlformats.org/drawingml/2006/main" xmlns:r="http://schemas.openxmlformats.org/officeDocument/2006/relationships" xmlns:p="http://schemas.openxmlformats.org/presentationml/2006/main">
   <p:cSld>
     <p:spTree>
@@ -7746,7 +9056,7 @@
 </p:sld>
 </file>
 
-<file path=ppt/slides/slide13.xml><?xml version="1.0" encoding="utf-8"?>
+<file path=ppt/slides/slide14.xml><?xml version="1.0" encoding="utf-8"?>
 <p:sld xmlns:a="http://schemas.openxmlformats.org/drawingml/2006/main" xmlns:r="http://schemas.openxmlformats.org/officeDocument/2006/relationships" xmlns:p="http://schemas.openxmlformats.org/presentationml/2006/main">
   <p:cSld>
     <p:spTree>
@@ -8138,7 +9448,7 @@
 </p:sld>
 </file>
 
-<file path=ppt/slides/slide14.xml><?xml version="1.0" encoding="utf-8"?>
+<file path=ppt/slides/slide15.xml><?xml version="1.0" encoding="utf-8"?>
 <p:sld xmlns:a="http://schemas.openxmlformats.org/drawingml/2006/main" xmlns:r="http://schemas.openxmlformats.org/officeDocument/2006/relationships" xmlns:p="http://schemas.openxmlformats.org/presentationml/2006/main">
   <p:cSld>
     <p:spTree>
@@ -9134,7 +10444,7 @@
 </p:sld>
 </file>
 
-<file path=ppt/slides/slide15.xml><?xml version="1.0" encoding="utf-8"?>
+<file path=ppt/slides/slide16.xml><?xml version="1.0" encoding="utf-8"?>
 <p:sld xmlns:a="http://schemas.openxmlformats.org/drawingml/2006/main" xmlns:r="http://schemas.openxmlformats.org/officeDocument/2006/relationships" xmlns:p="http://schemas.openxmlformats.org/presentationml/2006/main">
   <p:cSld>
     <p:spTree>
@@ -10753,7 +12063,7 @@
 </p:sld>
 </file>
 
-<file path=ppt/slides/slide16.xml><?xml version="1.0" encoding="utf-8"?>
+<file path=ppt/slides/slide17.xml><?xml version="1.0" encoding="utf-8"?>
 <p:sld xmlns:a="http://schemas.openxmlformats.org/drawingml/2006/main" xmlns:r="http://schemas.openxmlformats.org/officeDocument/2006/relationships" xmlns:p="http://schemas.openxmlformats.org/presentationml/2006/main">
   <p:cSld>
     <p:spTree>
@@ -11650,7 +12960,7 @@
 </p:sld>
 </file>
 
-<file path=ppt/slides/slide17.xml><?xml version="1.0" encoding="utf-8"?>
+<file path=ppt/slides/slide18.xml><?xml version="1.0" encoding="utf-8"?>
 <p:sld xmlns:a="http://schemas.openxmlformats.org/drawingml/2006/main" xmlns:r="http://schemas.openxmlformats.org/officeDocument/2006/relationships" xmlns:p="http://schemas.openxmlformats.org/presentationml/2006/main">
   <p:cSld>
     <p:spTree>
@@ -12128,7 +13438,7 @@
 </p:sld>
 </file>
 
-<file path=ppt/slides/slide18.xml><?xml version="1.0" encoding="utf-8"?>
+<file path=ppt/slides/slide19.xml><?xml version="1.0" encoding="utf-8"?>
 <p:sld xmlns:a="http://schemas.openxmlformats.org/drawingml/2006/main" xmlns:r="http://schemas.openxmlformats.org/officeDocument/2006/relationships" xmlns:p="http://schemas.openxmlformats.org/presentationml/2006/main">
   <p:cSld>
     <p:spTree>
@@ -12221,7 +13531,142 @@
 </p:sld>
 </file>
 
-<file path=ppt/slides/slide19.xml><?xml version="1.0" encoding="utf-8"?>
+<file path=ppt/slides/slide2.xml><?xml version="1.0" encoding="utf-8"?>
+<p:sld xmlns:a="http://schemas.openxmlformats.org/drawingml/2006/main" xmlns:r="http://schemas.openxmlformats.org/officeDocument/2006/relationships" xmlns:p="http://schemas.openxmlformats.org/presentationml/2006/main">
+  <p:cSld>
+    <p:spTree>
+      <p:nvGrpSpPr>
+        <p:cNvPr id="1" name=""/>
+        <p:cNvGrpSpPr/>
+        <p:nvPr/>
+      </p:nvGrpSpPr>
+      <p:grpSpPr>
+        <a:xfrm>
+          <a:off x="0" y="0"/>
+          <a:ext cx="0" cy="0"/>
+          <a:chOff x="0" y="0"/>
+          <a:chExt cx="0" cy="0"/>
+        </a:xfrm>
+      </p:grpSpPr>
+      <p:sp>
+        <p:nvSpPr>
+          <p:cNvPr id="2" name="Title 1">
+            <a:extLst>
+              <a:ext uri="{FF2B5EF4-FFF2-40B4-BE49-F238E27FC236}">
+                <a16:creationId xmlns:a16="http://schemas.microsoft.com/office/drawing/2014/main" id="{AA8AC475-B82F-4AC7-9DDF-4EDF38650996}"/>
+              </a:ext>
+            </a:extLst>
+          </p:cNvPr>
+          <p:cNvSpPr>
+            <a:spLocks noGrp="1"/>
+          </p:cNvSpPr>
+          <p:nvPr>
+            <p:ph type="title"/>
+          </p:nvPr>
+        </p:nvSpPr>
+        <p:spPr>
+          <a:xfrm>
+            <a:off x="681355" y="1113536"/>
+            <a:ext cx="8695689" cy="469359"/>
+          </a:xfrm>
+        </p:spPr>
+        <p:txBody>
+          <a:bodyPr/>
+          <a:lstStyle/>
+          <a:p>
+            <a:pPr algn="ctr"/>
+            <a:r>
+              <a:rPr lang="en-US"/>
+              <a:t>HKN and Services</a:t>
+            </a:r>
+          </a:p>
+        </p:txBody>
+      </p:sp>
+      <p:sp>
+        <p:nvSpPr>
+          <p:cNvPr id="3" name="Text Placeholder 2">
+            <a:extLst>
+              <a:ext uri="{FF2B5EF4-FFF2-40B4-BE49-F238E27FC236}">
+                <a16:creationId xmlns:a16="http://schemas.microsoft.com/office/drawing/2014/main" id="{F4BA2F14-CC53-4501-AF33-EBD2DD93B48F}"/>
+              </a:ext>
+            </a:extLst>
+          </p:cNvPr>
+          <p:cNvSpPr>
+            <a:spLocks noGrp="1"/>
+          </p:cNvSpPr>
+          <p:nvPr>
+            <p:ph type="body" idx="1"/>
+          </p:nvPr>
+        </p:nvSpPr>
+        <p:spPr>
+          <a:xfrm>
+            <a:off x="744537" y="2005647"/>
+            <a:ext cx="8569325" cy="4154984"/>
+          </a:xfrm>
+        </p:spPr>
+        <p:txBody>
+          <a:bodyPr/>
+          <a:lstStyle/>
+          <a:p>
+            <a:pPr algn="ctr"/>
+            <a:r>
+              <a:rPr lang="en-US"/>
+              <a:t>We offer 1-1 Tutoring!</a:t>
+            </a:r>
+          </a:p>
+          <a:p>
+            <a:pPr algn="ctr"/>
+            <a:endParaRPr lang="en-US"/>
+          </a:p>
+          <a:p>
+            <a:pPr algn="ctr"/>
+            <a:r>
+              <a:rPr lang="en-US"/>
+              <a:t>Visit hkn.illinois.edu and go to “services” page to find tutors</a:t>
+            </a:r>
+          </a:p>
+          <a:p>
+            <a:pPr algn="ctr"/>
+            <a:endParaRPr lang="en-US"/>
+          </a:p>
+          <a:p>
+            <a:pPr algn="ctr"/>
+            <a:r>
+              <a:rPr lang="en-US"/>
+              <a:t>Slides posted after review session</a:t>
+            </a:r>
+          </a:p>
+          <a:p>
+            <a:pPr algn="ctr"/>
+            <a:endParaRPr lang="en-US"/>
+          </a:p>
+          <a:p>
+            <a:pPr algn="ctr"/>
+            <a:r>
+              <a:rPr lang="en-US"/>
+              <a:t>Generous amount of time for questions included at end, so if you have practice exam questions or general questions stick around</a:t>
+            </a:r>
+          </a:p>
+          <a:p>
+            <a:pPr algn="ctr"/>
+            <a:endParaRPr lang="en-US"/>
+          </a:p>
+        </p:txBody>
+      </p:sp>
+    </p:spTree>
+    <p:extLst>
+      <p:ext uri="{BB962C8B-B14F-4D97-AF65-F5344CB8AC3E}">
+        <p14:creationId xmlns:p14="http://schemas.microsoft.com/office/powerpoint/2010/main" val="748993451"/>
+      </p:ext>
+    </p:extLst>
+  </p:cSld>
+  <p:clrMapOvr>
+    <a:masterClrMapping/>
+  </p:clrMapOvr>
+</p:sld>
+</file>
+
+<file path=ppt/slides/slide20.xml><?xml version="1.0" encoding="utf-8"?>
 <p:sld xmlns:a="http://schemas.openxmlformats.org/drawingml/2006/main" xmlns:r="http://schemas.openxmlformats.org/officeDocument/2006/relationships" xmlns:p="http://schemas.openxmlformats.org/presentationml/2006/main">
   <p:cSld>
     <p:spTree>
@@ -12377,142 +13822,7 @@
 </p:sld>
 </file>
 
-<file path=ppt/slides/slide2.xml><?xml version="1.0" encoding="utf-8"?>
-<p:sld xmlns:a="http://schemas.openxmlformats.org/drawingml/2006/main" xmlns:r="http://schemas.openxmlformats.org/officeDocument/2006/relationships" xmlns:p="http://schemas.openxmlformats.org/presentationml/2006/main">
-  <p:cSld>
-    <p:spTree>
-      <p:nvGrpSpPr>
-        <p:cNvPr id="1" name=""/>
-        <p:cNvGrpSpPr/>
-        <p:nvPr/>
-      </p:nvGrpSpPr>
-      <p:grpSpPr>
-        <a:xfrm>
-          <a:off x="0" y="0"/>
-          <a:ext cx="0" cy="0"/>
-          <a:chOff x="0" y="0"/>
-          <a:chExt cx="0" cy="0"/>
-        </a:xfrm>
-      </p:grpSpPr>
-      <p:sp>
-        <p:nvSpPr>
-          <p:cNvPr id="2" name="Title 1">
-            <a:extLst>
-              <a:ext uri="{FF2B5EF4-FFF2-40B4-BE49-F238E27FC236}">
-                <a16:creationId xmlns:a16="http://schemas.microsoft.com/office/drawing/2014/main" id="{AA8AC475-B82F-4AC7-9DDF-4EDF38650996}"/>
-              </a:ext>
-            </a:extLst>
-          </p:cNvPr>
-          <p:cNvSpPr>
-            <a:spLocks noGrp="1"/>
-          </p:cNvSpPr>
-          <p:nvPr>
-            <p:ph type="title"/>
-          </p:nvPr>
-        </p:nvSpPr>
-        <p:spPr>
-          <a:xfrm>
-            <a:off x="681355" y="1113536"/>
-            <a:ext cx="8695689" cy="469359"/>
-          </a:xfrm>
-        </p:spPr>
-        <p:txBody>
-          <a:bodyPr/>
-          <a:lstStyle/>
-          <a:p>
-            <a:pPr algn="ctr"/>
-            <a:r>
-              <a:rPr lang="en-US"/>
-              <a:t>HKN and Services</a:t>
-            </a:r>
-          </a:p>
-        </p:txBody>
-      </p:sp>
-      <p:sp>
-        <p:nvSpPr>
-          <p:cNvPr id="3" name="Text Placeholder 2">
-            <a:extLst>
-              <a:ext uri="{FF2B5EF4-FFF2-40B4-BE49-F238E27FC236}">
-                <a16:creationId xmlns:a16="http://schemas.microsoft.com/office/drawing/2014/main" id="{F4BA2F14-CC53-4501-AF33-EBD2DD93B48F}"/>
-              </a:ext>
-            </a:extLst>
-          </p:cNvPr>
-          <p:cNvSpPr>
-            <a:spLocks noGrp="1"/>
-          </p:cNvSpPr>
-          <p:nvPr>
-            <p:ph type="body" idx="1"/>
-          </p:nvPr>
-        </p:nvSpPr>
-        <p:spPr>
-          <a:xfrm>
-            <a:off x="744537" y="2005647"/>
-            <a:ext cx="8569325" cy="4154984"/>
-          </a:xfrm>
-        </p:spPr>
-        <p:txBody>
-          <a:bodyPr/>
-          <a:lstStyle/>
-          <a:p>
-            <a:pPr algn="ctr"/>
-            <a:r>
-              <a:rPr lang="en-US"/>
-              <a:t>We offer 1-1 Tutoring!</a:t>
-            </a:r>
-          </a:p>
-          <a:p>
-            <a:pPr algn="ctr"/>
-            <a:endParaRPr lang="en-US"/>
-          </a:p>
-          <a:p>
-            <a:pPr algn="ctr"/>
-            <a:r>
-              <a:rPr lang="en-US"/>
-              <a:t>Visit hkn.illinois.edu and go to “services” page to find tutors</a:t>
-            </a:r>
-          </a:p>
-          <a:p>
-            <a:pPr algn="ctr"/>
-            <a:endParaRPr lang="en-US"/>
-          </a:p>
-          <a:p>
-            <a:pPr algn="ctr"/>
-            <a:r>
-              <a:rPr lang="en-US"/>
-              <a:t>Slides posted after review session</a:t>
-            </a:r>
-          </a:p>
-          <a:p>
-            <a:pPr algn="ctr"/>
-            <a:endParaRPr lang="en-US"/>
-          </a:p>
-          <a:p>
-            <a:pPr algn="ctr"/>
-            <a:r>
-              <a:rPr lang="en-US"/>
-              <a:t>Generous amount of time for questions included at end, so if you have practice exam questions or general questions stick around</a:t>
-            </a:r>
-          </a:p>
-          <a:p>
-            <a:pPr algn="ctr"/>
-            <a:endParaRPr lang="en-US"/>
-          </a:p>
-        </p:txBody>
-      </p:sp>
-    </p:spTree>
-    <p:extLst>
-      <p:ext uri="{BB962C8B-B14F-4D97-AF65-F5344CB8AC3E}">
-        <p14:creationId xmlns:p14="http://schemas.microsoft.com/office/powerpoint/2010/main" val="748993451"/>
-      </p:ext>
-    </p:extLst>
-  </p:cSld>
-  <p:clrMapOvr>
-    <a:masterClrMapping/>
-  </p:clrMapOvr>
-</p:sld>
-</file>
-
-<file path=ppt/slides/slide20.xml><?xml version="1.0" encoding="utf-8"?>
+<file path=ppt/slides/slide21.xml><?xml version="1.0" encoding="utf-8"?>
 <p:sld xmlns:a="http://schemas.openxmlformats.org/drawingml/2006/main" xmlns:r="http://schemas.openxmlformats.org/officeDocument/2006/relationships" xmlns:p="http://schemas.openxmlformats.org/presentationml/2006/main">
   <p:cSld>
     <p:spTree>
@@ -12581,31 +13891,33 @@
         <p:spPr>
           <a:xfrm>
             <a:off x="362414" y="990392"/>
-            <a:ext cx="5733585" cy="5339923"/>
+            <a:ext cx="5733585" cy="6324808"/>
           </a:xfrm>
         </p:spPr>
         <p:txBody>
-          <a:bodyPr/>
+          <a:bodyPr wrap="square" lIns="0" tIns="0" rIns="0" bIns="0" anchor="t">
+            <a:spAutoFit/>
+          </a:bodyPr>
           <a:lstStyle/>
           <a:p>
             <a:r>
-              <a:rPr lang="en-US" sz="2000"/>
+              <a:rPr lang="en-US" sz="2400" dirty="0"/>
               <a:t>ST R3, PUSH_SAVER3</a:t>
             </a:r>
           </a:p>
           <a:p>
             <a:r>
-              <a:rPr lang="en-US" sz="2000"/>
+              <a:rPr lang="en-US" sz="2400" dirty="0"/>
               <a:t>ST R4, PUSH_SAVER4</a:t>
             </a:r>
           </a:p>
           <a:p>
             <a:r>
-              <a:rPr lang="en-US" sz="2000"/>
+              <a:rPr lang="en-US" sz="2400" dirty="0"/>
               <a:t>AND R5, R5, #0 </a:t>
             </a:r>
             <a:r>
-              <a:rPr lang="en-US" sz="2000">
+              <a:rPr lang="en-US" sz="2400" dirty="0">
                 <a:solidFill>
                   <a:schemeClr val="accent2"/>
                 </a:solidFill>
@@ -12615,7 +13927,7 @@
           </a:p>
           <a:p>
             <a:r>
-              <a:rPr lang="en-US" sz="2000">
+              <a:rPr lang="en-US" sz="2400" dirty="0">
                 <a:solidFill>
                   <a:schemeClr val="accent2"/>
                 </a:solidFill>
@@ -12625,39 +13937,39 @@
           </a:p>
           <a:p>
             <a:r>
-              <a:rPr lang="en-US" sz="2000">
+              <a:rPr lang="en-US" sz="2400">
                 <a:solidFill>
                   <a:schemeClr val="accent2"/>
                 </a:solidFill>
               </a:rPr>
-              <a:t>//TOP = END - 1</a:t>
-            </a:r>
-          </a:p>
-          <a:p>
-            <a:r>
-              <a:rPr lang="en-US" sz="2000"/>
-              <a:t>LD R3, STACK_END </a:t>
-            </a:r>
-          </a:p>
-          <a:p>
-            <a:r>
-              <a:rPr lang="en-US" sz="2000"/>
+              <a:t>//TOP = END</a:t>
+            </a:r>
+          </a:p>
+          <a:p>
+            <a:r>
+              <a:rPr lang="en-US" sz="2400" dirty="0"/>
+              <a:t>LD R3, STACK_END </a:t>
+            </a:r>
+          </a:p>
+          <a:p>
+            <a:r>
+              <a:rPr lang="en-US" sz="2400" dirty="0"/>
               <a:t>LD R4, STACK_TOP</a:t>
             </a:r>
           </a:p>
           <a:p>
             <a:r>
-              <a:rPr lang="en-US" sz="2000"/>
+              <a:rPr lang="en-US" sz="2400" dirty="0"/>
               <a:t>ADD R3, R3, #-1</a:t>
             </a:r>
           </a:p>
           <a:p>
             <a:r>
-              <a:rPr lang="en-US" sz="2000"/>
+              <a:rPr lang="en-US" sz="2400" dirty="0"/>
               <a:t>NOT R3 </a:t>
             </a:r>
             <a:r>
-              <a:rPr lang="en-US" sz="2000">
+              <a:rPr lang="en-US" sz="2400" dirty="0">
                 <a:solidFill>
                   <a:schemeClr val="accent2"/>
                 </a:solidFill>
@@ -12667,29 +13979,29 @@
           </a:p>
           <a:p>
             <a:r>
-              <a:rPr lang="en-US" sz="2000"/>
+              <a:rPr lang="en-US" sz="2400" dirty="0"/>
               <a:t>ADD R3, R3, #1</a:t>
             </a:r>
           </a:p>
           <a:p>
             <a:r>
-              <a:rPr lang="en-US" sz="2000"/>
+              <a:rPr lang="en-US" sz="2400" dirty="0"/>
               <a:t>ADD R3, R4, R3</a:t>
             </a:r>
           </a:p>
           <a:p>
             <a:r>
-              <a:rPr lang="en-US" sz="2000" err="1"/>
+              <a:rPr lang="en-US" sz="2400" dirty="0" err="1"/>
               <a:t>BRz</a:t>
             </a:r>
             <a:r>
-              <a:rPr lang="en-US" sz="2000"/>
+              <a:rPr lang="en-US" sz="2400" dirty="0"/>
               <a:t> OVERFLOW</a:t>
             </a:r>
           </a:p>
           <a:p>
             <a:r>
-              <a:rPr lang="en-US" sz="2000">
+              <a:rPr lang="en-US" sz="2400" dirty="0">
                 <a:solidFill>
                   <a:schemeClr val="accent3">
                     <a:lumMod val="75000"/>
@@ -12699,7 +14011,7 @@
               <a:t>STR R0, R4, #0 </a:t>
             </a:r>
             <a:r>
-              <a:rPr lang="en-US" sz="2000">
+              <a:rPr lang="en-US" sz="2400" dirty="0">
                 <a:solidFill>
                   <a:schemeClr val="accent2"/>
                 </a:solidFill>
@@ -12709,7 +14021,7 @@
           </a:p>
           <a:p>
             <a:r>
-              <a:rPr lang="en-US" sz="2000">
+              <a:rPr lang="en-US" sz="2400" dirty="0">
                 <a:solidFill>
                   <a:schemeClr val="accent3">
                     <a:lumMod val="75000"/>
@@ -12719,7 +14031,7 @@
               <a:t>ADD R4, R4, #-1 </a:t>
             </a:r>
             <a:r>
-              <a:rPr lang="en-US" sz="2000">
+              <a:rPr lang="en-US" sz="2400" dirty="0">
                 <a:solidFill>
                   <a:schemeClr val="accent2"/>
                 </a:solidFill>
@@ -12729,22 +14041,22 @@
           </a:p>
           <a:p>
             <a:r>
-              <a:rPr lang="en-US" sz="2000"/>
+              <a:rPr lang="en-US" sz="2400" dirty="0"/>
               <a:t>ST R4, STACK_TOP</a:t>
             </a:r>
           </a:p>
           <a:p>
             <a:r>
-              <a:rPr lang="en-US" sz="2000" err="1"/>
+              <a:rPr lang="en-US" sz="2400" dirty="0" err="1"/>
               <a:t>BRnzp</a:t>
             </a:r>
             <a:r>
-              <a:rPr lang="en-US" sz="2000"/>
+              <a:rPr lang="en-US" sz="2400" dirty="0"/>
               <a:t> DONE_PUSH</a:t>
             </a:r>
           </a:p>
           <a:p>
-            <a:endParaRPr lang="en-US"/>
+            <a:endParaRPr lang="en-US" dirty="0"/>
           </a:p>
         </p:txBody>
       </p:sp>
@@ -12765,14 +14077,14 @@
         <p:spPr>
           <a:xfrm>
             <a:off x="5562601" y="1219200"/>
-            <a:ext cx="4122234" cy="3493264"/>
+            <a:ext cx="4122234" cy="4062651"/>
           </a:xfrm>
           <a:prstGeom prst="rect">
             <a:avLst/>
           </a:prstGeom>
         </p:spPr>
         <p:txBody>
-          <a:bodyPr wrap="square" lIns="0" tIns="0" rIns="0" bIns="0">
+          <a:bodyPr wrap="square" lIns="0" tIns="0" rIns="0" bIns="0" anchor="t">
             <a:spAutoFit/>
           </a:bodyPr>
           <a:lstStyle>
@@ -12845,19 +14157,19 @@
           </a:lstStyle>
           <a:p>
             <a:r>
-              <a:rPr lang="en-US" sz="2000" kern="0"/>
+              <a:rPr lang="en-US" sz="2400" kern="0"/>
               <a:t>OVERFLOW 	</a:t>
             </a:r>
           </a:p>
           <a:p>
             <a:r>
-              <a:rPr lang="en-US" sz="2000" kern="0"/>
+              <a:rPr lang="en-US" sz="2400" kern="0"/>
               <a:t>	ADD R5, R5, #1</a:t>
             </a:r>
           </a:p>
           <a:p>
             <a:r>
-              <a:rPr lang="en-US" sz="2000" kern="0">
+              <a:rPr lang="en-US" sz="2400" kern="0">
                 <a:solidFill>
                   <a:schemeClr val="accent2"/>
                 </a:solidFill>
@@ -12866,39 +14178,39 @@
             </a:r>
           </a:p>
           <a:p>
-            <a:endParaRPr lang="en-US" sz="2000" kern="0"/>
-          </a:p>
-          <a:p>
-            <a:r>
-              <a:rPr lang="en-US" sz="2000" kern="0"/>
+            <a:endParaRPr lang="en-US" sz="2400" kern="0"/>
+          </a:p>
+          <a:p>
+            <a:r>
+              <a:rPr lang="en-US" sz="2400" kern="0"/>
               <a:t>DONE_PUSH	</a:t>
             </a:r>
           </a:p>
           <a:p>
             <a:r>
-              <a:rPr lang="en-US" sz="2000" kern="0"/>
+              <a:rPr lang="en-US" sz="2400" kern="0"/>
               <a:t>	LD R3, PUSH_SAVER3</a:t>
             </a:r>
           </a:p>
           <a:p>
             <a:r>
-              <a:rPr lang="en-US" sz="2000" kern="0"/>
+              <a:rPr lang="en-US" sz="2400" kern="0"/>
               <a:t>	LD R4, PUSH_SAVER4</a:t>
             </a:r>
           </a:p>
           <a:p>
             <a:r>
-              <a:rPr lang="en-US" sz="2000" kern="0"/>
-              <a:t>	RET </a:t>
-            </a:r>
-          </a:p>
-          <a:p>
-            <a:r>
-              <a:rPr lang="en-US" sz="2000" kern="0"/>
+              <a:rPr lang="en-US" sz="2400" kern="0"/>
+              <a:t>	RET </a:t>
+            </a:r>
+          </a:p>
+          <a:p>
+            <a:r>
+              <a:rPr lang="en-US" sz="2400" kern="0"/>
               <a:t>/</a:t>
             </a:r>
             <a:r>
-              <a:rPr lang="en-US" sz="2000" kern="0">
+              <a:rPr lang="en-US" sz="2400" kern="0">
                 <a:solidFill>
                   <a:schemeClr val="accent2"/>
                 </a:solidFill>
@@ -12908,7 +14220,7 @@
           </a:p>
           <a:p>
             <a:r>
-              <a:rPr lang="en-US" sz="2000" kern="0">
+              <a:rPr lang="en-US" sz="2400" kern="0">
                 <a:solidFill>
                   <a:schemeClr val="accent2"/>
                 </a:solidFill>
@@ -12917,7 +14229,7 @@
             </a:r>
           </a:p>
           <a:p>
-            <a:endParaRPr lang="en-US" kern="0"/>
+            <a:endParaRPr lang="en-US" sz="2400" kern="0"/>
           </a:p>
         </p:txBody>
       </p:sp>
@@ -12934,7 +14246,7 @@
 </p:sld>
 </file>
 
-<file path=ppt/slides/slide21.xml><?xml version="1.0" encoding="utf-8"?>
+<file path=ppt/slides/slide22.xml><?xml version="1.0" encoding="utf-8"?>
 <p:sld xmlns:a="http://schemas.openxmlformats.org/drawingml/2006/main" xmlns:r="http://schemas.openxmlformats.org/officeDocument/2006/relationships" xmlns:p="http://schemas.openxmlformats.org/presentationml/2006/main">
   <p:cSld>
     <p:spTree>
@@ -13007,18 +14319,20 @@
           </a:xfrm>
         </p:spPr>
         <p:txBody>
-          <a:bodyPr/>
+          <a:bodyPr wrap="square" lIns="0" tIns="0" rIns="0" bIns="0" anchor="t">
+            <a:spAutoFit/>
+          </a:bodyPr>
           <a:lstStyle/>
           <a:p>
             <a:r>
               <a:rPr lang="en-US" sz="2400"/>
-              <a:t>ST R3, PUSH_SAVER3</a:t>
+              <a:t>ST R3, POP_SAVER3</a:t>
             </a:r>
           </a:p>
           <a:p>
             <a:r>
               <a:rPr lang="en-US" sz="2400"/>
-              <a:t>ST R4, PUSH_SAVER4</a:t>
+              <a:t>ST R4, POP_SAVER4</a:t>
             </a:r>
           </a:p>
           <a:p>
@@ -13042,7 +14356,7 @@
                   <a:schemeClr val="accent2"/>
                 </a:solidFill>
               </a:rPr>
-              <a:t>//Calculating Overflow:</a:t>
+              <a:t>//Calculating Underflow:</a:t>
             </a:r>
           </a:p>
           <a:p>
@@ -13052,13 +14366,13 @@
                   <a:schemeClr val="accent2"/>
                 </a:solidFill>
               </a:rPr>
-              <a:t>//TOP = END - 1</a:t>
+              <a:t>//TOP = START</a:t>
             </a:r>
           </a:p>
           <a:p>
             <a:r>
               <a:rPr lang="en-US" sz="2400"/>
-              <a:t>LD R3, STACK_END </a:t>
+              <a:t>LD R3, STACK_START </a:t>
             </a:r>
           </a:p>
           <a:p>
@@ -13106,7 +14420,7 @@
             </a:r>
             <a:r>
               <a:rPr lang="en-US" sz="2400"/>
-              <a:t> OVERFLOW</a:t>
+              <a:t> UNDERFLOW</a:t>
             </a:r>
           </a:p>
           <a:p>
@@ -13118,7 +14432,7 @@
                   </a:schemeClr>
                 </a:solidFill>
               </a:rPr>
-              <a:t>STR R0, R4, #0 </a:t>
+              <a:t>LDR R0, R4, #0 </a:t>
             </a:r>
             <a:r>
               <a:rPr lang="en-US" sz="2400">
@@ -13126,8 +14440,13 @@
                   <a:schemeClr val="accent2"/>
                 </a:solidFill>
               </a:rPr>
-              <a:t>//Store value pushed in R0</a:t>
-            </a:r>
+              <a:t>// Load value pushed in R0</a:t>
+            </a:r>
+            <a:endParaRPr lang="en-US">
+              <a:solidFill>
+                <a:schemeClr val="accent2"/>
+              </a:solidFill>
+            </a:endParaRPr>
           </a:p>
           <a:p>
             <a:r>
@@ -13138,7 +14457,7 @@
                   </a:schemeClr>
                 </a:solidFill>
               </a:rPr>
-              <a:t>ADD R4, R4, #-1 </a:t>
+              <a:t>ADD R4, R4, #1 </a:t>
             </a:r>
             <a:r>
               <a:rPr lang="en-US" sz="2400">
@@ -13146,7 +14465,7 @@
                   <a:schemeClr val="accent2"/>
                 </a:solidFill>
               </a:rPr>
-              <a:t>//Update top</a:t>
+              <a:t>//Update top of stack</a:t>
             </a:r>
           </a:p>
           <a:p>
@@ -13162,7 +14481,7 @@
             </a:r>
             <a:r>
               <a:rPr lang="en-US" sz="2400"/>
-              <a:t> DONE_PUSH</a:t>
+              <a:t> DONE_POP</a:t>
             </a:r>
           </a:p>
           <a:p>
@@ -13194,7 +14513,7 @@
           </a:prstGeom>
         </p:spPr>
         <p:txBody>
-          <a:bodyPr wrap="square" lIns="0" tIns="0" rIns="0" bIns="0">
+          <a:bodyPr wrap="square" lIns="0" tIns="0" rIns="0" bIns="0" anchor="t">
             <a:spAutoFit/>
           </a:bodyPr>
           <a:lstStyle>
@@ -13268,7 +14587,7 @@
           <a:p>
             <a:r>
               <a:rPr lang="en-US" sz="2400" kern="0"/>
-              <a:t>OVERFLOW 	</a:t>
+              <a:t>UNDERFLOW </a:t>
             </a:r>
           </a:p>
           <a:p>
@@ -13284,7 +14603,7 @@
                   <a:schemeClr val="accent2"/>
                 </a:solidFill>
               </a:rPr>
-              <a:t>//Return 1 in R5 if overflow</a:t>
+              <a:t>//Return 1 in R5 if underflow</a:t>
             </a:r>
           </a:p>
           <a:p>
@@ -13293,25 +14612,25 @@
           <a:p>
             <a:r>
               <a:rPr lang="en-US" sz="2400" kern="0"/>
-              <a:t>DONE_PUSH	</a:t>
+              <a:t>DONE_POP</a:t>
             </a:r>
           </a:p>
           <a:p>
             <a:r>
               <a:rPr lang="en-US" sz="2400" kern="0"/>
-              <a:t>	LD R3, PUSH_SAVER3</a:t>
+              <a:t>	LD R3, POP_SAVER3</a:t>
             </a:r>
           </a:p>
           <a:p>
             <a:r>
               <a:rPr lang="en-US" sz="2400" kern="0"/>
-              <a:t>	LD R4, PUSH_SAVER4</a:t>
+              <a:t>	LD R4, POP_SAVER4</a:t>
             </a:r>
           </a:p>
           <a:p>
             <a:r>
               <a:rPr lang="en-US" sz="2400" kern="0"/>
-              <a:t>	RET </a:t>
+              <a:t>	RET </a:t>
             </a:r>
           </a:p>
           <a:p>
@@ -13356,7 +14675,7 @@
 </p:sld>
 </file>
 
-<file path=ppt/slides/slide22.xml><?xml version="1.0" encoding="utf-8"?>
+<file path=ppt/slides/slide23.xml><?xml version="1.0" encoding="utf-8"?>
 <p:sld xmlns:a="http://schemas.openxmlformats.org/drawingml/2006/main" xmlns:r="http://schemas.openxmlformats.org/officeDocument/2006/relationships" xmlns:p="http://schemas.openxmlformats.org/presentationml/2006/main">
   <p:cSld>
     <p:spTree>
@@ -13668,7 +14987,7 @@
 </p:sld>
 </file>
 
-<file path=ppt/slides/slide23.xml><?xml version="1.0" encoding="utf-8"?>
+<file path=ppt/slides/slide24.xml><?xml version="1.0" encoding="utf-8"?>
 <p:sld xmlns:a="http://schemas.openxmlformats.org/drawingml/2006/main" xmlns:r="http://schemas.openxmlformats.org/officeDocument/2006/relationships" xmlns:p="http://schemas.openxmlformats.org/presentationml/2006/main">
   <p:cSld>
     <p:spTree>
@@ -13856,7 +15175,7 @@
 </p:sld>
 </file>
 
-<file path=ppt/slides/slide24.xml><?xml version="1.0" encoding="utf-8"?>
+<file path=ppt/slides/slide25.xml><?xml version="1.0" encoding="utf-8"?>
 <p:sld xmlns:a="http://schemas.openxmlformats.org/drawingml/2006/main" xmlns:r="http://schemas.openxmlformats.org/officeDocument/2006/relationships" xmlns:p="http://schemas.openxmlformats.org/presentationml/2006/main">
   <p:cSld>
     <p:spTree>
@@ -13971,7 +15290,7 @@
 </p:sld>
 </file>
 
-<file path=ppt/slides/slide25.xml><?xml version="1.0" encoding="utf-8"?>
+<file path=ppt/slides/slide26.xml><?xml version="1.0" encoding="utf-8"?>
 <p:sld xmlns:a="http://schemas.openxmlformats.org/drawingml/2006/main" xmlns:r="http://schemas.openxmlformats.org/officeDocument/2006/relationships" xmlns:p="http://schemas.openxmlformats.org/presentationml/2006/main">
   <p:cSld>
     <p:spTree>
@@ -14382,7 +15701,7 @@
 </p:sld>
 </file>
 
-<file path=ppt/slides/slide26.xml><?xml version="1.0" encoding="utf-8"?>
+<file path=ppt/slides/slide27.xml><?xml version="1.0" encoding="utf-8"?>
 <p:sld xmlns:a="http://schemas.openxmlformats.org/drawingml/2006/main" xmlns:r="http://schemas.openxmlformats.org/officeDocument/2006/relationships" xmlns:p="http://schemas.openxmlformats.org/presentationml/2006/main">
   <p:cSld>
     <p:spTree>
@@ -14973,7 +16292,7 @@
 </p:sld>
 </file>
 
-<file path=ppt/slides/slide27.xml><?xml version="1.0" encoding="utf-8"?>
+<file path=ppt/slides/slide28.xml><?xml version="1.0" encoding="utf-8"?>
 <p:sld xmlns:a="http://schemas.openxmlformats.org/drawingml/2006/main" xmlns:r="http://schemas.openxmlformats.org/officeDocument/2006/relationships" xmlns:p="http://schemas.openxmlformats.org/presentationml/2006/main">
   <p:cSld>
     <p:spTree>
@@ -15066,7 +16385,7 @@
 </p:sld>
 </file>
 
-<file path=ppt/slides/slide28.xml><?xml version="1.0" encoding="utf-8"?>
+<file path=ppt/slides/slide29.xml><?xml version="1.0" encoding="utf-8"?>
 <p:sld xmlns:a="http://schemas.openxmlformats.org/drawingml/2006/main" xmlns:r="http://schemas.openxmlformats.org/officeDocument/2006/relationships" xmlns:p="http://schemas.openxmlformats.org/presentationml/2006/main">
   <p:cSld>
     <p:spTree>
@@ -15126,7 +16445,754 @@
 </p:sld>
 </file>
 
-<file path=ppt/slides/slide29.xml><?xml version="1.0" encoding="utf-8"?>
+<file path=ppt/slides/slide3.xml><?xml version="1.0" encoding="utf-8"?>
+<p:sld xmlns:a="http://schemas.openxmlformats.org/drawingml/2006/main" xmlns:r="http://schemas.openxmlformats.org/officeDocument/2006/relationships" xmlns:p="http://schemas.openxmlformats.org/presentationml/2006/main">
+  <p:cSld>
+    <p:spTree>
+      <p:nvGrpSpPr>
+        <p:cNvPr id="1" name=""/>
+        <p:cNvGrpSpPr/>
+        <p:nvPr/>
+      </p:nvGrpSpPr>
+      <p:grpSpPr>
+        <a:xfrm>
+          <a:off x="0" y="0"/>
+          <a:ext cx="0" cy="0"/>
+          <a:chOff x="0" y="0"/>
+          <a:chExt cx="0" cy="0"/>
+        </a:xfrm>
+      </p:grpSpPr>
+      <p:sp>
+        <p:nvSpPr>
+          <p:cNvPr id="2" name="object 2"/>
+          <p:cNvSpPr txBox="1">
+            <a:spLocks noGrp="1"/>
+          </p:cNvSpPr>
+          <p:nvPr>
+            <p:ph type="title"/>
+          </p:nvPr>
+        </p:nvSpPr>
+        <p:spPr>
+          <a:xfrm>
+            <a:off x="681355" y="1113536"/>
+            <a:ext cx="3420110" cy="495300"/>
+          </a:xfrm>
+          <a:prstGeom prst="rect">
+            <a:avLst/>
+          </a:prstGeom>
+        </p:spPr>
+        <p:txBody>
+          <a:bodyPr vert="horz" wrap="square" lIns="0" tIns="16510" rIns="0" bIns="0" rtlCol="0">
+            <a:spAutoFit/>
+          </a:bodyPr>
+          <a:lstStyle/>
+          <a:p>
+            <a:pPr marL="12700">
+              <a:lnSpc>
+                <a:spcPct val="100000"/>
+              </a:lnSpc>
+              <a:spcBef>
+                <a:spcPts val="130"/>
+              </a:spcBef>
+            </a:pPr>
+            <a:r>
+              <a:rPr spc="15"/>
+              <a:t>LC3: A </a:t>
+            </a:r>
+            <a:r>
+              <a:t>Brief</a:t>
+            </a:r>
+            <a:r>
+              <a:rPr spc="95"/>
+              <a:t> </a:t>
+            </a:r>
+            <a:r>
+              <a:rPr spc="15"/>
+              <a:t>Overview</a:t>
+            </a:r>
+          </a:p>
+        </p:txBody>
+      </p:sp>
+      <p:sp>
+        <p:nvSpPr>
+          <p:cNvPr id="3" name="object 3"/>
+          <p:cNvSpPr txBox="1"/>
+          <p:nvPr/>
+        </p:nvSpPr>
+        <p:spPr>
+          <a:xfrm>
+            <a:off x="490855" y="1755838"/>
+            <a:ext cx="4640580" cy="4147185"/>
+          </a:xfrm>
+          <a:prstGeom prst="rect">
+            <a:avLst/>
+          </a:prstGeom>
+        </p:spPr>
+        <p:txBody>
+          <a:bodyPr vert="horz" wrap="square" lIns="0" tIns="12700" rIns="0" bIns="0" rtlCol="0">
+            <a:spAutoFit/>
+          </a:bodyPr>
+          <a:lstStyle/>
+          <a:p>
+            <a:pPr marL="469900" indent="-457200">
+              <a:lnSpc>
+                <a:spcPts val="3235"/>
+              </a:lnSpc>
+              <a:spcBef>
+                <a:spcPts val="100"/>
+              </a:spcBef>
+              <a:buFont typeface="Arial"/>
+              <a:buChar char="•"/>
+              <a:tabLst>
+                <a:tab pos="469900" algn="l"/>
+                <a:tab pos="470534" algn="l"/>
+              </a:tabLst>
+            </a:pPr>
+            <a:r>
+              <a:rPr sz="2700">
+                <a:solidFill>
+                  <a:srgbClr val="001F5F"/>
+                </a:solidFill>
+                <a:latin typeface="Times New Roman"/>
+                <a:cs typeface="Times New Roman"/>
+              </a:rPr>
+              <a:t>16 </a:t>
+            </a:r>
+            <a:r>
+              <a:rPr sz="2700" spc="-30">
+                <a:solidFill>
+                  <a:srgbClr val="001F5F"/>
+                </a:solidFill>
+                <a:latin typeface="Times New Roman"/>
+                <a:cs typeface="Times New Roman"/>
+              </a:rPr>
+              <a:t>Bit</a:t>
+            </a:r>
+            <a:r>
+              <a:rPr sz="2700" spc="60">
+                <a:solidFill>
+                  <a:srgbClr val="001F5F"/>
+                </a:solidFill>
+                <a:latin typeface="Times New Roman"/>
+                <a:cs typeface="Times New Roman"/>
+              </a:rPr>
+              <a:t> </a:t>
+            </a:r>
+            <a:r>
+              <a:rPr sz="2700">
+                <a:solidFill>
+                  <a:srgbClr val="001F5F"/>
+                </a:solidFill>
+                <a:latin typeface="Times New Roman"/>
+                <a:cs typeface="Times New Roman"/>
+              </a:rPr>
+              <a:t>Data</a:t>
+            </a:r>
+            <a:endParaRPr sz="2700">
+              <a:latin typeface="Times New Roman"/>
+              <a:cs typeface="Times New Roman"/>
+            </a:endParaRPr>
+          </a:p>
+          <a:p>
+            <a:pPr marL="469900" indent="-457200">
+              <a:lnSpc>
+                <a:spcPts val="3229"/>
+              </a:lnSpc>
+              <a:buFont typeface="Arial"/>
+              <a:buChar char="•"/>
+              <a:tabLst>
+                <a:tab pos="469900" algn="l"/>
+                <a:tab pos="470534" algn="l"/>
+              </a:tabLst>
+            </a:pPr>
+            <a:r>
+              <a:rPr sz="2700">
+                <a:solidFill>
+                  <a:srgbClr val="001F5F"/>
+                </a:solidFill>
+                <a:latin typeface="Times New Roman"/>
+                <a:cs typeface="Times New Roman"/>
+              </a:rPr>
+              <a:t>16 </a:t>
+            </a:r>
+            <a:r>
+              <a:rPr sz="2700" spc="-30">
+                <a:solidFill>
+                  <a:srgbClr val="001F5F"/>
+                </a:solidFill>
+                <a:latin typeface="Times New Roman"/>
+                <a:cs typeface="Times New Roman"/>
+              </a:rPr>
+              <a:t>Bit </a:t>
+            </a:r>
+            <a:r>
+              <a:rPr sz="2700" spc="-10">
+                <a:solidFill>
+                  <a:srgbClr val="001F5F"/>
+                </a:solidFill>
+                <a:latin typeface="Times New Roman"/>
+                <a:cs typeface="Times New Roman"/>
+              </a:rPr>
+              <a:t>Address</a:t>
+            </a:r>
+            <a:r>
+              <a:rPr sz="2700" spc="120">
+                <a:solidFill>
+                  <a:srgbClr val="001F5F"/>
+                </a:solidFill>
+                <a:latin typeface="Times New Roman"/>
+                <a:cs typeface="Times New Roman"/>
+              </a:rPr>
+              <a:t> </a:t>
+            </a:r>
+            <a:r>
+              <a:rPr sz="2700" spc="-30">
+                <a:solidFill>
+                  <a:srgbClr val="001F5F"/>
+                </a:solidFill>
+                <a:latin typeface="Times New Roman"/>
+                <a:cs typeface="Times New Roman"/>
+              </a:rPr>
+              <a:t>(coincidence)</a:t>
+            </a:r>
+            <a:endParaRPr sz="2700">
+              <a:latin typeface="Times New Roman"/>
+              <a:cs typeface="Times New Roman"/>
+            </a:endParaRPr>
+          </a:p>
+          <a:p>
+            <a:pPr marL="469900" indent="-457200">
+              <a:lnSpc>
+                <a:spcPts val="3235"/>
+              </a:lnSpc>
+              <a:buFont typeface="Arial"/>
+              <a:buChar char="•"/>
+              <a:tabLst>
+                <a:tab pos="469900" algn="l"/>
+                <a:tab pos="470534" algn="l"/>
+              </a:tabLst>
+            </a:pPr>
+            <a:r>
+              <a:rPr sz="2700">
+                <a:solidFill>
+                  <a:srgbClr val="001F5F"/>
+                </a:solidFill>
+                <a:latin typeface="Times New Roman"/>
+                <a:cs typeface="Times New Roman"/>
+              </a:rPr>
+              <a:t>8 </a:t>
+            </a:r>
+            <a:r>
+              <a:rPr sz="2700" spc="-10">
+                <a:solidFill>
+                  <a:srgbClr val="001F5F"/>
+                </a:solidFill>
+                <a:latin typeface="Times New Roman"/>
+                <a:cs typeface="Times New Roman"/>
+              </a:rPr>
+              <a:t>Registers</a:t>
+            </a:r>
+            <a:r>
+              <a:rPr sz="2700" spc="50">
+                <a:solidFill>
+                  <a:srgbClr val="001F5F"/>
+                </a:solidFill>
+                <a:latin typeface="Times New Roman"/>
+                <a:cs typeface="Times New Roman"/>
+              </a:rPr>
+              <a:t> </a:t>
+            </a:r>
+            <a:r>
+              <a:rPr sz="2700" spc="-10">
+                <a:solidFill>
+                  <a:srgbClr val="001F5F"/>
+                </a:solidFill>
+                <a:latin typeface="Times New Roman"/>
+                <a:cs typeface="Times New Roman"/>
+              </a:rPr>
+              <a:t>(R0-R7)</a:t>
+            </a:r>
+            <a:endParaRPr sz="2700">
+              <a:latin typeface="Times New Roman"/>
+              <a:cs typeface="Times New Roman"/>
+            </a:endParaRPr>
+          </a:p>
+          <a:p>
+            <a:pPr marL="469900" indent="-457200">
+              <a:lnSpc>
+                <a:spcPts val="3235"/>
+              </a:lnSpc>
+              <a:spcBef>
+                <a:spcPts val="65"/>
+              </a:spcBef>
+              <a:buFont typeface="Arial"/>
+              <a:buChar char="•"/>
+              <a:tabLst>
+                <a:tab pos="469900" algn="l"/>
+                <a:tab pos="470534" algn="l"/>
+              </a:tabLst>
+            </a:pPr>
+            <a:r>
+              <a:rPr sz="2700" spc="-15">
+                <a:solidFill>
+                  <a:srgbClr val="001F5F"/>
+                </a:solidFill>
+                <a:latin typeface="Times New Roman"/>
+                <a:cs typeface="Times New Roman"/>
+              </a:rPr>
+              <a:t>Memory </a:t>
+            </a:r>
+            <a:r>
+              <a:rPr sz="2700" spc="-55">
+                <a:solidFill>
+                  <a:srgbClr val="001F5F"/>
+                </a:solidFill>
+                <a:latin typeface="Times New Roman"/>
+                <a:cs typeface="Times New Roman"/>
+              </a:rPr>
+              <a:t>and </a:t>
+            </a:r>
+            <a:r>
+              <a:rPr sz="2700" spc="-20">
+                <a:solidFill>
+                  <a:srgbClr val="001F5F"/>
+                </a:solidFill>
+                <a:latin typeface="Times New Roman"/>
+                <a:cs typeface="Times New Roman"/>
+              </a:rPr>
+              <a:t>Mem.</a:t>
+            </a:r>
+            <a:r>
+              <a:rPr sz="2700" spc="-285">
+                <a:solidFill>
+                  <a:srgbClr val="001F5F"/>
+                </a:solidFill>
+                <a:latin typeface="Times New Roman"/>
+                <a:cs typeface="Times New Roman"/>
+              </a:rPr>
+              <a:t> </a:t>
+            </a:r>
+            <a:r>
+              <a:rPr sz="2700" spc="-30">
+                <a:solidFill>
+                  <a:srgbClr val="001F5F"/>
+                </a:solidFill>
+                <a:latin typeface="Times New Roman"/>
+                <a:cs typeface="Times New Roman"/>
+              </a:rPr>
+              <a:t>Interface</a:t>
+            </a:r>
+            <a:endParaRPr sz="2700">
+              <a:latin typeface="Times New Roman"/>
+              <a:cs typeface="Times New Roman"/>
+            </a:endParaRPr>
+          </a:p>
+          <a:p>
+            <a:pPr marL="469900" indent="-457200">
+              <a:lnSpc>
+                <a:spcPts val="3229"/>
+              </a:lnSpc>
+              <a:buFont typeface="Arial"/>
+              <a:buChar char="•"/>
+              <a:tabLst>
+                <a:tab pos="469900" algn="l"/>
+                <a:tab pos="470534" algn="l"/>
+              </a:tabLst>
+            </a:pPr>
+            <a:r>
+              <a:rPr sz="2700" spc="-25">
+                <a:solidFill>
+                  <a:srgbClr val="001F5F"/>
+                </a:solidFill>
+                <a:latin typeface="Times New Roman"/>
+                <a:cs typeface="Times New Roman"/>
+              </a:rPr>
+              <a:t>MAR </a:t>
+            </a:r>
+            <a:r>
+              <a:rPr sz="2700" spc="-30">
+                <a:solidFill>
+                  <a:srgbClr val="001F5F"/>
+                </a:solidFill>
+                <a:latin typeface="Times New Roman"/>
+                <a:cs typeface="Times New Roman"/>
+              </a:rPr>
+              <a:t>(Accessing</a:t>
+            </a:r>
+            <a:r>
+              <a:rPr sz="2700" spc="345">
+                <a:solidFill>
+                  <a:srgbClr val="001F5F"/>
+                </a:solidFill>
+                <a:latin typeface="Times New Roman"/>
+                <a:cs typeface="Times New Roman"/>
+              </a:rPr>
+              <a:t> </a:t>
+            </a:r>
+            <a:r>
+              <a:rPr sz="2700">
+                <a:solidFill>
+                  <a:srgbClr val="001F5F"/>
+                </a:solidFill>
+                <a:latin typeface="Times New Roman"/>
+                <a:cs typeface="Times New Roman"/>
+              </a:rPr>
+              <a:t>addresses)</a:t>
+            </a:r>
+            <a:endParaRPr sz="2700">
+              <a:latin typeface="Times New Roman"/>
+              <a:cs typeface="Times New Roman"/>
+            </a:endParaRPr>
+          </a:p>
+          <a:p>
+            <a:pPr marL="469900" indent="-457200">
+              <a:lnSpc>
+                <a:spcPts val="3229"/>
+              </a:lnSpc>
+              <a:buFont typeface="Arial"/>
+              <a:buChar char="•"/>
+              <a:tabLst>
+                <a:tab pos="469900" algn="l"/>
+                <a:tab pos="470534" algn="l"/>
+                <a:tab pos="3034030" algn="l"/>
+              </a:tabLst>
+            </a:pPr>
+            <a:r>
+              <a:rPr sz="2700">
+                <a:solidFill>
+                  <a:srgbClr val="001F5F"/>
+                </a:solidFill>
+                <a:latin typeface="Times New Roman"/>
+                <a:cs typeface="Times New Roman"/>
+              </a:rPr>
+              <a:t>MDR </a:t>
+            </a:r>
+            <a:r>
+              <a:rPr sz="2700" spc="-30">
+                <a:solidFill>
+                  <a:srgbClr val="001F5F"/>
+                </a:solidFill>
+                <a:latin typeface="Times New Roman"/>
+                <a:cs typeface="Times New Roman"/>
+              </a:rPr>
+              <a:t>(Accessing	</a:t>
+            </a:r>
+            <a:r>
+              <a:rPr sz="2700" spc="-15">
+                <a:solidFill>
+                  <a:srgbClr val="001F5F"/>
+                </a:solidFill>
+                <a:latin typeface="Times New Roman"/>
+                <a:cs typeface="Times New Roman"/>
+              </a:rPr>
+              <a:t>actual</a:t>
+            </a:r>
+            <a:r>
+              <a:rPr sz="2700" spc="15">
+                <a:solidFill>
+                  <a:srgbClr val="001F5F"/>
+                </a:solidFill>
+                <a:latin typeface="Times New Roman"/>
+                <a:cs typeface="Times New Roman"/>
+              </a:rPr>
+              <a:t> </a:t>
+            </a:r>
+            <a:r>
+              <a:rPr sz="2700">
+                <a:solidFill>
+                  <a:srgbClr val="001F5F"/>
+                </a:solidFill>
+                <a:latin typeface="Times New Roman"/>
+                <a:cs typeface="Times New Roman"/>
+              </a:rPr>
+              <a:t>data)</a:t>
+            </a:r>
+            <a:endParaRPr sz="2700">
+              <a:latin typeface="Times New Roman"/>
+              <a:cs typeface="Times New Roman"/>
+            </a:endParaRPr>
+          </a:p>
+          <a:p>
+            <a:pPr marL="469900" indent="-457200">
+              <a:lnSpc>
+                <a:spcPts val="3229"/>
+              </a:lnSpc>
+              <a:buFont typeface="Arial"/>
+              <a:buChar char="•"/>
+              <a:tabLst>
+                <a:tab pos="469900" algn="l"/>
+                <a:tab pos="470534" algn="l"/>
+              </a:tabLst>
+            </a:pPr>
+            <a:r>
+              <a:rPr sz="2700" spc="-65">
+                <a:solidFill>
+                  <a:srgbClr val="001F5F"/>
+                </a:solidFill>
+                <a:latin typeface="Times New Roman"/>
+                <a:cs typeface="Times New Roman"/>
+              </a:rPr>
+              <a:t>Input </a:t>
+            </a:r>
+            <a:r>
+              <a:rPr sz="2700" spc="-15">
+                <a:solidFill>
+                  <a:srgbClr val="001F5F"/>
+                </a:solidFill>
+                <a:latin typeface="Times New Roman"/>
+                <a:cs typeface="Times New Roman"/>
+              </a:rPr>
+              <a:t>(KBSR,</a:t>
+            </a:r>
+            <a:r>
+              <a:rPr sz="2700" spc="-195">
+                <a:solidFill>
+                  <a:srgbClr val="001F5F"/>
+                </a:solidFill>
+                <a:latin typeface="Times New Roman"/>
+                <a:cs typeface="Times New Roman"/>
+              </a:rPr>
+              <a:t> </a:t>
+            </a:r>
+            <a:r>
+              <a:rPr sz="2700" spc="-15">
+                <a:solidFill>
+                  <a:srgbClr val="001F5F"/>
+                </a:solidFill>
+                <a:latin typeface="Times New Roman"/>
+                <a:cs typeface="Times New Roman"/>
+              </a:rPr>
+              <a:t>KBDR)</a:t>
+            </a:r>
+            <a:endParaRPr sz="2700">
+              <a:latin typeface="Times New Roman"/>
+              <a:cs typeface="Times New Roman"/>
+            </a:endParaRPr>
+          </a:p>
+          <a:p>
+            <a:pPr marL="469900" indent="-457200">
+              <a:lnSpc>
+                <a:spcPts val="3235"/>
+              </a:lnSpc>
+              <a:buFont typeface="Arial"/>
+              <a:buChar char="•"/>
+              <a:tabLst>
+                <a:tab pos="469900" algn="l"/>
+                <a:tab pos="470534" algn="l"/>
+              </a:tabLst>
+            </a:pPr>
+            <a:r>
+              <a:rPr sz="2700" spc="-30">
+                <a:solidFill>
+                  <a:srgbClr val="001F5F"/>
+                </a:solidFill>
+                <a:latin typeface="Times New Roman"/>
+                <a:cs typeface="Times New Roman"/>
+              </a:rPr>
+              <a:t>Output </a:t>
+            </a:r>
+            <a:r>
+              <a:rPr sz="2700">
+                <a:solidFill>
+                  <a:srgbClr val="001F5F"/>
+                </a:solidFill>
+                <a:latin typeface="Times New Roman"/>
+                <a:cs typeface="Times New Roman"/>
+              </a:rPr>
+              <a:t>(DSR,</a:t>
+            </a:r>
+            <a:r>
+              <a:rPr sz="2700" spc="165">
+                <a:solidFill>
+                  <a:srgbClr val="001F5F"/>
+                </a:solidFill>
+                <a:latin typeface="Times New Roman"/>
+                <a:cs typeface="Times New Roman"/>
+              </a:rPr>
+              <a:t> </a:t>
+            </a:r>
+            <a:r>
+              <a:rPr sz="2700">
+                <a:solidFill>
+                  <a:srgbClr val="001F5F"/>
+                </a:solidFill>
+                <a:latin typeface="Times New Roman"/>
+                <a:cs typeface="Times New Roman"/>
+              </a:rPr>
+              <a:t>DDR)</a:t>
+            </a:r>
+            <a:endParaRPr sz="2700">
+              <a:latin typeface="Times New Roman"/>
+              <a:cs typeface="Times New Roman"/>
+            </a:endParaRPr>
+          </a:p>
+          <a:p>
+            <a:pPr marL="469900" indent="-457200">
+              <a:lnSpc>
+                <a:spcPts val="3235"/>
+              </a:lnSpc>
+              <a:spcBef>
+                <a:spcPts val="65"/>
+              </a:spcBef>
+              <a:buFont typeface="Arial"/>
+              <a:buChar char="•"/>
+              <a:tabLst>
+                <a:tab pos="469900" algn="l"/>
+                <a:tab pos="470534" algn="l"/>
+              </a:tabLst>
+            </a:pPr>
+            <a:r>
+              <a:rPr sz="2700">
+                <a:solidFill>
+                  <a:srgbClr val="001F5F"/>
+                </a:solidFill>
+                <a:latin typeface="Times New Roman"/>
+                <a:cs typeface="Times New Roman"/>
+              </a:rPr>
+              <a:t>PC </a:t>
+            </a:r>
+            <a:r>
+              <a:rPr sz="2700" spc="-55">
+                <a:solidFill>
+                  <a:srgbClr val="001F5F"/>
+                </a:solidFill>
+                <a:latin typeface="Times New Roman"/>
+                <a:cs typeface="Times New Roman"/>
+              </a:rPr>
+              <a:t>and</a:t>
+            </a:r>
+            <a:r>
+              <a:rPr sz="2700" spc="135">
+                <a:solidFill>
+                  <a:srgbClr val="001F5F"/>
+                </a:solidFill>
+                <a:latin typeface="Times New Roman"/>
+                <a:cs typeface="Times New Roman"/>
+              </a:rPr>
+              <a:t> </a:t>
+            </a:r>
+            <a:r>
+              <a:rPr sz="2700" spc="-40">
+                <a:solidFill>
+                  <a:srgbClr val="001F5F"/>
+                </a:solidFill>
+                <a:latin typeface="Times New Roman"/>
+                <a:cs typeface="Times New Roman"/>
+              </a:rPr>
+              <a:t>IR</a:t>
+            </a:r>
+            <a:endParaRPr sz="2700">
+              <a:latin typeface="Times New Roman"/>
+              <a:cs typeface="Times New Roman"/>
+            </a:endParaRPr>
+          </a:p>
+          <a:p>
+            <a:pPr marL="469900" indent="-457200">
+              <a:lnSpc>
+                <a:spcPts val="3235"/>
+              </a:lnSpc>
+              <a:buFont typeface="Arial"/>
+              <a:buChar char="•"/>
+              <a:tabLst>
+                <a:tab pos="469900" algn="l"/>
+                <a:tab pos="470534" algn="l"/>
+              </a:tabLst>
+            </a:pPr>
+            <a:r>
+              <a:rPr sz="2700">
+                <a:solidFill>
+                  <a:srgbClr val="001F5F"/>
+                </a:solidFill>
+                <a:latin typeface="Times New Roman"/>
+                <a:cs typeface="Times New Roman"/>
+              </a:rPr>
+              <a:t>R7 </a:t>
+            </a:r>
+            <a:r>
+              <a:rPr sz="2700" spc="-20">
+                <a:solidFill>
+                  <a:srgbClr val="001F5F"/>
+                </a:solidFill>
+                <a:latin typeface="Times New Roman"/>
+                <a:cs typeface="Times New Roman"/>
+              </a:rPr>
+              <a:t>used </a:t>
+            </a:r>
+            <a:r>
+              <a:rPr sz="2700">
+                <a:solidFill>
+                  <a:srgbClr val="001F5F"/>
+                </a:solidFill>
+                <a:latin typeface="Times New Roman"/>
+                <a:cs typeface="Times New Roman"/>
+              </a:rPr>
+              <a:t>for</a:t>
+            </a:r>
+            <a:r>
+              <a:rPr sz="2700" spc="65">
+                <a:solidFill>
+                  <a:srgbClr val="001F5F"/>
+                </a:solidFill>
+                <a:latin typeface="Times New Roman"/>
+                <a:cs typeface="Times New Roman"/>
+              </a:rPr>
+              <a:t> </a:t>
+            </a:r>
+            <a:r>
+              <a:rPr sz="2700" spc="-30">
+                <a:solidFill>
+                  <a:srgbClr val="001F5F"/>
+                </a:solidFill>
+                <a:latin typeface="Times New Roman"/>
+                <a:cs typeface="Times New Roman"/>
+              </a:rPr>
+              <a:t>bookkeeping</a:t>
+            </a:r>
+            <a:endParaRPr sz="2700">
+              <a:latin typeface="Times New Roman"/>
+              <a:cs typeface="Times New Roman"/>
+            </a:endParaRPr>
+          </a:p>
+        </p:txBody>
+      </p:sp>
+      <p:sp>
+        <p:nvSpPr>
+          <p:cNvPr id="4" name="object 4"/>
+          <p:cNvSpPr/>
+          <p:nvPr/>
+        </p:nvSpPr>
+        <p:spPr>
+          <a:xfrm>
+            <a:off x="5133975" y="1427656"/>
+            <a:ext cx="4867275" cy="4334968"/>
+          </a:xfrm>
+          <a:prstGeom prst="rect">
+            <a:avLst/>
+          </a:prstGeom>
+          <a:blipFill>
+            <a:blip r:embed="rId2" cstate="print"/>
+            <a:stretch>
+              <a:fillRect/>
+            </a:stretch>
+          </a:blipFill>
+        </p:spPr>
+        <p:txBody>
+          <a:bodyPr wrap="square" lIns="0" tIns="0" rIns="0" bIns="0" rtlCol="0"/>
+          <a:lstStyle/>
+          <a:p>
+            <a:endParaRPr/>
+          </a:p>
+        </p:txBody>
+      </p:sp>
+    </p:spTree>
+  </p:cSld>
+  <p:clrMapOvr>
+    <a:masterClrMapping/>
+  </p:clrMapOvr>
+</p:sld>
+</file>
+
+<file path=ppt/slides/slide30.xml><?xml version="1.0" encoding="utf-8"?>
 <p:sld xmlns:a="http://schemas.openxmlformats.org/drawingml/2006/main" xmlns:r="http://schemas.openxmlformats.org/officeDocument/2006/relationships" xmlns:p="http://schemas.openxmlformats.org/presentationml/2006/main">
   <p:cSld>
     <p:spTree>
@@ -16802,754 +18868,7 @@
 </p:sld>
 </file>
 
-<file path=ppt/slides/slide3.xml><?xml version="1.0" encoding="utf-8"?>
-<p:sld xmlns:a="http://schemas.openxmlformats.org/drawingml/2006/main" xmlns:r="http://schemas.openxmlformats.org/officeDocument/2006/relationships" xmlns:p="http://schemas.openxmlformats.org/presentationml/2006/main">
-  <p:cSld>
-    <p:spTree>
-      <p:nvGrpSpPr>
-        <p:cNvPr id="1" name=""/>
-        <p:cNvGrpSpPr/>
-        <p:nvPr/>
-      </p:nvGrpSpPr>
-      <p:grpSpPr>
-        <a:xfrm>
-          <a:off x="0" y="0"/>
-          <a:ext cx="0" cy="0"/>
-          <a:chOff x="0" y="0"/>
-          <a:chExt cx="0" cy="0"/>
-        </a:xfrm>
-      </p:grpSpPr>
-      <p:sp>
-        <p:nvSpPr>
-          <p:cNvPr id="2" name="object 2"/>
-          <p:cNvSpPr txBox="1">
-            <a:spLocks noGrp="1"/>
-          </p:cNvSpPr>
-          <p:nvPr>
-            <p:ph type="title"/>
-          </p:nvPr>
-        </p:nvSpPr>
-        <p:spPr>
-          <a:xfrm>
-            <a:off x="681355" y="1113536"/>
-            <a:ext cx="3420110" cy="495300"/>
-          </a:xfrm>
-          <a:prstGeom prst="rect">
-            <a:avLst/>
-          </a:prstGeom>
-        </p:spPr>
-        <p:txBody>
-          <a:bodyPr vert="horz" wrap="square" lIns="0" tIns="16510" rIns="0" bIns="0" rtlCol="0">
-            <a:spAutoFit/>
-          </a:bodyPr>
-          <a:lstStyle/>
-          <a:p>
-            <a:pPr marL="12700">
-              <a:lnSpc>
-                <a:spcPct val="100000"/>
-              </a:lnSpc>
-              <a:spcBef>
-                <a:spcPts val="130"/>
-              </a:spcBef>
-            </a:pPr>
-            <a:r>
-              <a:rPr spc="15"/>
-              <a:t>LC3: A </a:t>
-            </a:r>
-            <a:r>
-              <a:t>Brief</a:t>
-            </a:r>
-            <a:r>
-              <a:rPr spc="95"/>
-              <a:t> </a:t>
-            </a:r>
-            <a:r>
-              <a:rPr spc="15"/>
-              <a:t>Overview</a:t>
-            </a:r>
-          </a:p>
-        </p:txBody>
-      </p:sp>
-      <p:sp>
-        <p:nvSpPr>
-          <p:cNvPr id="3" name="object 3"/>
-          <p:cNvSpPr txBox="1"/>
-          <p:nvPr/>
-        </p:nvSpPr>
-        <p:spPr>
-          <a:xfrm>
-            <a:off x="490855" y="1755838"/>
-            <a:ext cx="4640580" cy="4147185"/>
-          </a:xfrm>
-          <a:prstGeom prst="rect">
-            <a:avLst/>
-          </a:prstGeom>
-        </p:spPr>
-        <p:txBody>
-          <a:bodyPr vert="horz" wrap="square" lIns="0" tIns="12700" rIns="0" bIns="0" rtlCol="0">
-            <a:spAutoFit/>
-          </a:bodyPr>
-          <a:lstStyle/>
-          <a:p>
-            <a:pPr marL="469900" indent="-457200">
-              <a:lnSpc>
-                <a:spcPts val="3235"/>
-              </a:lnSpc>
-              <a:spcBef>
-                <a:spcPts val="100"/>
-              </a:spcBef>
-              <a:buFont typeface="Arial"/>
-              <a:buChar char="•"/>
-              <a:tabLst>
-                <a:tab pos="469900" algn="l"/>
-                <a:tab pos="470534" algn="l"/>
-              </a:tabLst>
-            </a:pPr>
-            <a:r>
-              <a:rPr sz="2700">
-                <a:solidFill>
-                  <a:srgbClr val="001F5F"/>
-                </a:solidFill>
-                <a:latin typeface="Times New Roman"/>
-                <a:cs typeface="Times New Roman"/>
-              </a:rPr>
-              <a:t>16 </a:t>
-            </a:r>
-            <a:r>
-              <a:rPr sz="2700" spc="-30">
-                <a:solidFill>
-                  <a:srgbClr val="001F5F"/>
-                </a:solidFill>
-                <a:latin typeface="Times New Roman"/>
-                <a:cs typeface="Times New Roman"/>
-              </a:rPr>
-              <a:t>Bit</a:t>
-            </a:r>
-            <a:r>
-              <a:rPr sz="2700" spc="60">
-                <a:solidFill>
-                  <a:srgbClr val="001F5F"/>
-                </a:solidFill>
-                <a:latin typeface="Times New Roman"/>
-                <a:cs typeface="Times New Roman"/>
-              </a:rPr>
-              <a:t> </a:t>
-            </a:r>
-            <a:r>
-              <a:rPr sz="2700">
-                <a:solidFill>
-                  <a:srgbClr val="001F5F"/>
-                </a:solidFill>
-                <a:latin typeface="Times New Roman"/>
-                <a:cs typeface="Times New Roman"/>
-              </a:rPr>
-              <a:t>Data</a:t>
-            </a:r>
-            <a:endParaRPr sz="2700">
-              <a:latin typeface="Times New Roman"/>
-              <a:cs typeface="Times New Roman"/>
-            </a:endParaRPr>
-          </a:p>
-          <a:p>
-            <a:pPr marL="469900" indent="-457200">
-              <a:lnSpc>
-                <a:spcPts val="3229"/>
-              </a:lnSpc>
-              <a:buFont typeface="Arial"/>
-              <a:buChar char="•"/>
-              <a:tabLst>
-                <a:tab pos="469900" algn="l"/>
-                <a:tab pos="470534" algn="l"/>
-              </a:tabLst>
-            </a:pPr>
-            <a:r>
-              <a:rPr sz="2700">
-                <a:solidFill>
-                  <a:srgbClr val="001F5F"/>
-                </a:solidFill>
-                <a:latin typeface="Times New Roman"/>
-                <a:cs typeface="Times New Roman"/>
-              </a:rPr>
-              <a:t>16 </a:t>
-            </a:r>
-            <a:r>
-              <a:rPr sz="2700" spc="-30">
-                <a:solidFill>
-                  <a:srgbClr val="001F5F"/>
-                </a:solidFill>
-                <a:latin typeface="Times New Roman"/>
-                <a:cs typeface="Times New Roman"/>
-              </a:rPr>
-              <a:t>Bit </a:t>
-            </a:r>
-            <a:r>
-              <a:rPr sz="2700" spc="-10">
-                <a:solidFill>
-                  <a:srgbClr val="001F5F"/>
-                </a:solidFill>
-                <a:latin typeface="Times New Roman"/>
-                <a:cs typeface="Times New Roman"/>
-              </a:rPr>
-              <a:t>Address</a:t>
-            </a:r>
-            <a:r>
-              <a:rPr sz="2700" spc="120">
-                <a:solidFill>
-                  <a:srgbClr val="001F5F"/>
-                </a:solidFill>
-                <a:latin typeface="Times New Roman"/>
-                <a:cs typeface="Times New Roman"/>
-              </a:rPr>
-              <a:t> </a:t>
-            </a:r>
-            <a:r>
-              <a:rPr sz="2700" spc="-30">
-                <a:solidFill>
-                  <a:srgbClr val="001F5F"/>
-                </a:solidFill>
-                <a:latin typeface="Times New Roman"/>
-                <a:cs typeface="Times New Roman"/>
-              </a:rPr>
-              <a:t>(coincidence)</a:t>
-            </a:r>
-            <a:endParaRPr sz="2700">
-              <a:latin typeface="Times New Roman"/>
-              <a:cs typeface="Times New Roman"/>
-            </a:endParaRPr>
-          </a:p>
-          <a:p>
-            <a:pPr marL="469900" indent="-457200">
-              <a:lnSpc>
-                <a:spcPts val="3235"/>
-              </a:lnSpc>
-              <a:buFont typeface="Arial"/>
-              <a:buChar char="•"/>
-              <a:tabLst>
-                <a:tab pos="469900" algn="l"/>
-                <a:tab pos="470534" algn="l"/>
-              </a:tabLst>
-            </a:pPr>
-            <a:r>
-              <a:rPr sz="2700">
-                <a:solidFill>
-                  <a:srgbClr val="001F5F"/>
-                </a:solidFill>
-                <a:latin typeface="Times New Roman"/>
-                <a:cs typeface="Times New Roman"/>
-              </a:rPr>
-              <a:t>8 </a:t>
-            </a:r>
-            <a:r>
-              <a:rPr sz="2700" spc="-10">
-                <a:solidFill>
-                  <a:srgbClr val="001F5F"/>
-                </a:solidFill>
-                <a:latin typeface="Times New Roman"/>
-                <a:cs typeface="Times New Roman"/>
-              </a:rPr>
-              <a:t>Registers</a:t>
-            </a:r>
-            <a:r>
-              <a:rPr sz="2700" spc="50">
-                <a:solidFill>
-                  <a:srgbClr val="001F5F"/>
-                </a:solidFill>
-                <a:latin typeface="Times New Roman"/>
-                <a:cs typeface="Times New Roman"/>
-              </a:rPr>
-              <a:t> </a:t>
-            </a:r>
-            <a:r>
-              <a:rPr sz="2700" spc="-10">
-                <a:solidFill>
-                  <a:srgbClr val="001F5F"/>
-                </a:solidFill>
-                <a:latin typeface="Times New Roman"/>
-                <a:cs typeface="Times New Roman"/>
-              </a:rPr>
-              <a:t>(R0-R7)</a:t>
-            </a:r>
-            <a:endParaRPr sz="2700">
-              <a:latin typeface="Times New Roman"/>
-              <a:cs typeface="Times New Roman"/>
-            </a:endParaRPr>
-          </a:p>
-          <a:p>
-            <a:pPr marL="469900" indent="-457200">
-              <a:lnSpc>
-                <a:spcPts val="3235"/>
-              </a:lnSpc>
-              <a:spcBef>
-                <a:spcPts val="65"/>
-              </a:spcBef>
-              <a:buFont typeface="Arial"/>
-              <a:buChar char="•"/>
-              <a:tabLst>
-                <a:tab pos="469900" algn="l"/>
-                <a:tab pos="470534" algn="l"/>
-              </a:tabLst>
-            </a:pPr>
-            <a:r>
-              <a:rPr sz="2700" spc="-15">
-                <a:solidFill>
-                  <a:srgbClr val="001F5F"/>
-                </a:solidFill>
-                <a:latin typeface="Times New Roman"/>
-                <a:cs typeface="Times New Roman"/>
-              </a:rPr>
-              <a:t>Memory </a:t>
-            </a:r>
-            <a:r>
-              <a:rPr sz="2700" spc="-55">
-                <a:solidFill>
-                  <a:srgbClr val="001F5F"/>
-                </a:solidFill>
-                <a:latin typeface="Times New Roman"/>
-                <a:cs typeface="Times New Roman"/>
-              </a:rPr>
-              <a:t>and </a:t>
-            </a:r>
-            <a:r>
-              <a:rPr sz="2700" spc="-20">
-                <a:solidFill>
-                  <a:srgbClr val="001F5F"/>
-                </a:solidFill>
-                <a:latin typeface="Times New Roman"/>
-                <a:cs typeface="Times New Roman"/>
-              </a:rPr>
-              <a:t>Mem.</a:t>
-            </a:r>
-            <a:r>
-              <a:rPr sz="2700" spc="-285">
-                <a:solidFill>
-                  <a:srgbClr val="001F5F"/>
-                </a:solidFill>
-                <a:latin typeface="Times New Roman"/>
-                <a:cs typeface="Times New Roman"/>
-              </a:rPr>
-              <a:t> </a:t>
-            </a:r>
-            <a:r>
-              <a:rPr sz="2700" spc="-30">
-                <a:solidFill>
-                  <a:srgbClr val="001F5F"/>
-                </a:solidFill>
-                <a:latin typeface="Times New Roman"/>
-                <a:cs typeface="Times New Roman"/>
-              </a:rPr>
-              <a:t>Interface</a:t>
-            </a:r>
-            <a:endParaRPr sz="2700">
-              <a:latin typeface="Times New Roman"/>
-              <a:cs typeface="Times New Roman"/>
-            </a:endParaRPr>
-          </a:p>
-          <a:p>
-            <a:pPr marL="469900" indent="-457200">
-              <a:lnSpc>
-                <a:spcPts val="3229"/>
-              </a:lnSpc>
-              <a:buFont typeface="Arial"/>
-              <a:buChar char="•"/>
-              <a:tabLst>
-                <a:tab pos="469900" algn="l"/>
-                <a:tab pos="470534" algn="l"/>
-              </a:tabLst>
-            </a:pPr>
-            <a:r>
-              <a:rPr sz="2700" spc="-25">
-                <a:solidFill>
-                  <a:srgbClr val="001F5F"/>
-                </a:solidFill>
-                <a:latin typeface="Times New Roman"/>
-                <a:cs typeface="Times New Roman"/>
-              </a:rPr>
-              <a:t>MAR </a:t>
-            </a:r>
-            <a:r>
-              <a:rPr sz="2700" spc="-30">
-                <a:solidFill>
-                  <a:srgbClr val="001F5F"/>
-                </a:solidFill>
-                <a:latin typeface="Times New Roman"/>
-                <a:cs typeface="Times New Roman"/>
-              </a:rPr>
-              <a:t>(Accessing</a:t>
-            </a:r>
-            <a:r>
-              <a:rPr sz="2700" spc="345">
-                <a:solidFill>
-                  <a:srgbClr val="001F5F"/>
-                </a:solidFill>
-                <a:latin typeface="Times New Roman"/>
-                <a:cs typeface="Times New Roman"/>
-              </a:rPr>
-              <a:t> </a:t>
-            </a:r>
-            <a:r>
-              <a:rPr sz="2700">
-                <a:solidFill>
-                  <a:srgbClr val="001F5F"/>
-                </a:solidFill>
-                <a:latin typeface="Times New Roman"/>
-                <a:cs typeface="Times New Roman"/>
-              </a:rPr>
-              <a:t>addresses)</a:t>
-            </a:r>
-            <a:endParaRPr sz="2700">
-              <a:latin typeface="Times New Roman"/>
-              <a:cs typeface="Times New Roman"/>
-            </a:endParaRPr>
-          </a:p>
-          <a:p>
-            <a:pPr marL="469900" indent="-457200">
-              <a:lnSpc>
-                <a:spcPts val="3229"/>
-              </a:lnSpc>
-              <a:buFont typeface="Arial"/>
-              <a:buChar char="•"/>
-              <a:tabLst>
-                <a:tab pos="469900" algn="l"/>
-                <a:tab pos="470534" algn="l"/>
-                <a:tab pos="3034030" algn="l"/>
-              </a:tabLst>
-            </a:pPr>
-            <a:r>
-              <a:rPr sz="2700">
-                <a:solidFill>
-                  <a:srgbClr val="001F5F"/>
-                </a:solidFill>
-                <a:latin typeface="Times New Roman"/>
-                <a:cs typeface="Times New Roman"/>
-              </a:rPr>
-              <a:t>MDR </a:t>
-            </a:r>
-            <a:r>
-              <a:rPr sz="2700" spc="-30">
-                <a:solidFill>
-                  <a:srgbClr val="001F5F"/>
-                </a:solidFill>
-                <a:latin typeface="Times New Roman"/>
-                <a:cs typeface="Times New Roman"/>
-              </a:rPr>
-              <a:t>(Accessing	</a:t>
-            </a:r>
-            <a:r>
-              <a:rPr sz="2700" spc="-15">
-                <a:solidFill>
-                  <a:srgbClr val="001F5F"/>
-                </a:solidFill>
-                <a:latin typeface="Times New Roman"/>
-                <a:cs typeface="Times New Roman"/>
-              </a:rPr>
-              <a:t>actual</a:t>
-            </a:r>
-            <a:r>
-              <a:rPr sz="2700" spc="15">
-                <a:solidFill>
-                  <a:srgbClr val="001F5F"/>
-                </a:solidFill>
-                <a:latin typeface="Times New Roman"/>
-                <a:cs typeface="Times New Roman"/>
-              </a:rPr>
-              <a:t> </a:t>
-            </a:r>
-            <a:r>
-              <a:rPr sz="2700">
-                <a:solidFill>
-                  <a:srgbClr val="001F5F"/>
-                </a:solidFill>
-                <a:latin typeface="Times New Roman"/>
-                <a:cs typeface="Times New Roman"/>
-              </a:rPr>
-              <a:t>data)</a:t>
-            </a:r>
-            <a:endParaRPr sz="2700">
-              <a:latin typeface="Times New Roman"/>
-              <a:cs typeface="Times New Roman"/>
-            </a:endParaRPr>
-          </a:p>
-          <a:p>
-            <a:pPr marL="469900" indent="-457200">
-              <a:lnSpc>
-                <a:spcPts val="3229"/>
-              </a:lnSpc>
-              <a:buFont typeface="Arial"/>
-              <a:buChar char="•"/>
-              <a:tabLst>
-                <a:tab pos="469900" algn="l"/>
-                <a:tab pos="470534" algn="l"/>
-              </a:tabLst>
-            </a:pPr>
-            <a:r>
-              <a:rPr sz="2700" spc="-65">
-                <a:solidFill>
-                  <a:srgbClr val="001F5F"/>
-                </a:solidFill>
-                <a:latin typeface="Times New Roman"/>
-                <a:cs typeface="Times New Roman"/>
-              </a:rPr>
-              <a:t>Input </a:t>
-            </a:r>
-            <a:r>
-              <a:rPr sz="2700" spc="-15">
-                <a:solidFill>
-                  <a:srgbClr val="001F5F"/>
-                </a:solidFill>
-                <a:latin typeface="Times New Roman"/>
-                <a:cs typeface="Times New Roman"/>
-              </a:rPr>
-              <a:t>(KBSR,</a:t>
-            </a:r>
-            <a:r>
-              <a:rPr sz="2700" spc="-195">
-                <a:solidFill>
-                  <a:srgbClr val="001F5F"/>
-                </a:solidFill>
-                <a:latin typeface="Times New Roman"/>
-                <a:cs typeface="Times New Roman"/>
-              </a:rPr>
-              <a:t> </a:t>
-            </a:r>
-            <a:r>
-              <a:rPr sz="2700" spc="-15">
-                <a:solidFill>
-                  <a:srgbClr val="001F5F"/>
-                </a:solidFill>
-                <a:latin typeface="Times New Roman"/>
-                <a:cs typeface="Times New Roman"/>
-              </a:rPr>
-              <a:t>KBDR)</a:t>
-            </a:r>
-            <a:endParaRPr sz="2700">
-              <a:latin typeface="Times New Roman"/>
-              <a:cs typeface="Times New Roman"/>
-            </a:endParaRPr>
-          </a:p>
-          <a:p>
-            <a:pPr marL="469900" indent="-457200">
-              <a:lnSpc>
-                <a:spcPts val="3235"/>
-              </a:lnSpc>
-              <a:buFont typeface="Arial"/>
-              <a:buChar char="•"/>
-              <a:tabLst>
-                <a:tab pos="469900" algn="l"/>
-                <a:tab pos="470534" algn="l"/>
-              </a:tabLst>
-            </a:pPr>
-            <a:r>
-              <a:rPr sz="2700" spc="-30">
-                <a:solidFill>
-                  <a:srgbClr val="001F5F"/>
-                </a:solidFill>
-                <a:latin typeface="Times New Roman"/>
-                <a:cs typeface="Times New Roman"/>
-              </a:rPr>
-              <a:t>Output </a:t>
-            </a:r>
-            <a:r>
-              <a:rPr sz="2700">
-                <a:solidFill>
-                  <a:srgbClr val="001F5F"/>
-                </a:solidFill>
-                <a:latin typeface="Times New Roman"/>
-                <a:cs typeface="Times New Roman"/>
-              </a:rPr>
-              <a:t>(DSR,</a:t>
-            </a:r>
-            <a:r>
-              <a:rPr sz="2700" spc="165">
-                <a:solidFill>
-                  <a:srgbClr val="001F5F"/>
-                </a:solidFill>
-                <a:latin typeface="Times New Roman"/>
-                <a:cs typeface="Times New Roman"/>
-              </a:rPr>
-              <a:t> </a:t>
-            </a:r>
-            <a:r>
-              <a:rPr sz="2700">
-                <a:solidFill>
-                  <a:srgbClr val="001F5F"/>
-                </a:solidFill>
-                <a:latin typeface="Times New Roman"/>
-                <a:cs typeface="Times New Roman"/>
-              </a:rPr>
-              <a:t>DDR)</a:t>
-            </a:r>
-            <a:endParaRPr sz="2700">
-              <a:latin typeface="Times New Roman"/>
-              <a:cs typeface="Times New Roman"/>
-            </a:endParaRPr>
-          </a:p>
-          <a:p>
-            <a:pPr marL="469900" indent="-457200">
-              <a:lnSpc>
-                <a:spcPts val="3235"/>
-              </a:lnSpc>
-              <a:spcBef>
-                <a:spcPts val="65"/>
-              </a:spcBef>
-              <a:buFont typeface="Arial"/>
-              <a:buChar char="•"/>
-              <a:tabLst>
-                <a:tab pos="469900" algn="l"/>
-                <a:tab pos="470534" algn="l"/>
-              </a:tabLst>
-            </a:pPr>
-            <a:r>
-              <a:rPr sz="2700">
-                <a:solidFill>
-                  <a:srgbClr val="001F5F"/>
-                </a:solidFill>
-                <a:latin typeface="Times New Roman"/>
-                <a:cs typeface="Times New Roman"/>
-              </a:rPr>
-              <a:t>PC </a:t>
-            </a:r>
-            <a:r>
-              <a:rPr sz="2700" spc="-55">
-                <a:solidFill>
-                  <a:srgbClr val="001F5F"/>
-                </a:solidFill>
-                <a:latin typeface="Times New Roman"/>
-                <a:cs typeface="Times New Roman"/>
-              </a:rPr>
-              <a:t>and</a:t>
-            </a:r>
-            <a:r>
-              <a:rPr sz="2700" spc="135">
-                <a:solidFill>
-                  <a:srgbClr val="001F5F"/>
-                </a:solidFill>
-                <a:latin typeface="Times New Roman"/>
-                <a:cs typeface="Times New Roman"/>
-              </a:rPr>
-              <a:t> </a:t>
-            </a:r>
-            <a:r>
-              <a:rPr sz="2700" spc="-40">
-                <a:solidFill>
-                  <a:srgbClr val="001F5F"/>
-                </a:solidFill>
-                <a:latin typeface="Times New Roman"/>
-                <a:cs typeface="Times New Roman"/>
-              </a:rPr>
-              <a:t>IR</a:t>
-            </a:r>
-            <a:endParaRPr sz="2700">
-              <a:latin typeface="Times New Roman"/>
-              <a:cs typeface="Times New Roman"/>
-            </a:endParaRPr>
-          </a:p>
-          <a:p>
-            <a:pPr marL="469900" indent="-457200">
-              <a:lnSpc>
-                <a:spcPts val="3235"/>
-              </a:lnSpc>
-              <a:buFont typeface="Arial"/>
-              <a:buChar char="•"/>
-              <a:tabLst>
-                <a:tab pos="469900" algn="l"/>
-                <a:tab pos="470534" algn="l"/>
-              </a:tabLst>
-            </a:pPr>
-            <a:r>
-              <a:rPr sz="2700">
-                <a:solidFill>
-                  <a:srgbClr val="001F5F"/>
-                </a:solidFill>
-                <a:latin typeface="Times New Roman"/>
-                <a:cs typeface="Times New Roman"/>
-              </a:rPr>
-              <a:t>R7 </a:t>
-            </a:r>
-            <a:r>
-              <a:rPr sz="2700" spc="-20">
-                <a:solidFill>
-                  <a:srgbClr val="001F5F"/>
-                </a:solidFill>
-                <a:latin typeface="Times New Roman"/>
-                <a:cs typeface="Times New Roman"/>
-              </a:rPr>
-              <a:t>used </a:t>
-            </a:r>
-            <a:r>
-              <a:rPr sz="2700">
-                <a:solidFill>
-                  <a:srgbClr val="001F5F"/>
-                </a:solidFill>
-                <a:latin typeface="Times New Roman"/>
-                <a:cs typeface="Times New Roman"/>
-              </a:rPr>
-              <a:t>for</a:t>
-            </a:r>
-            <a:r>
-              <a:rPr sz="2700" spc="65">
-                <a:solidFill>
-                  <a:srgbClr val="001F5F"/>
-                </a:solidFill>
-                <a:latin typeface="Times New Roman"/>
-                <a:cs typeface="Times New Roman"/>
-              </a:rPr>
-              <a:t> </a:t>
-            </a:r>
-            <a:r>
-              <a:rPr sz="2700" spc="-30">
-                <a:solidFill>
-                  <a:srgbClr val="001F5F"/>
-                </a:solidFill>
-                <a:latin typeface="Times New Roman"/>
-                <a:cs typeface="Times New Roman"/>
-              </a:rPr>
-              <a:t>bookkeeping</a:t>
-            </a:r>
-            <a:endParaRPr sz="2700">
-              <a:latin typeface="Times New Roman"/>
-              <a:cs typeface="Times New Roman"/>
-            </a:endParaRPr>
-          </a:p>
-        </p:txBody>
-      </p:sp>
-      <p:sp>
-        <p:nvSpPr>
-          <p:cNvPr id="4" name="object 4"/>
-          <p:cNvSpPr/>
-          <p:nvPr/>
-        </p:nvSpPr>
-        <p:spPr>
-          <a:xfrm>
-            <a:off x="5133975" y="1427656"/>
-            <a:ext cx="4867275" cy="4334968"/>
-          </a:xfrm>
-          <a:prstGeom prst="rect">
-            <a:avLst/>
-          </a:prstGeom>
-          <a:blipFill>
-            <a:blip r:embed="rId2" cstate="print"/>
-            <a:stretch>
-              <a:fillRect/>
-            </a:stretch>
-          </a:blipFill>
-        </p:spPr>
-        <p:txBody>
-          <a:bodyPr wrap="square" lIns="0" tIns="0" rIns="0" bIns="0" rtlCol="0"/>
-          <a:lstStyle/>
-          <a:p>
-            <a:endParaRPr/>
-          </a:p>
-        </p:txBody>
-      </p:sp>
-    </p:spTree>
-  </p:cSld>
-  <p:clrMapOvr>
-    <a:masterClrMapping/>
-  </p:clrMapOvr>
-</p:sld>
-</file>
-
-<file path=ppt/slides/slide30.xml><?xml version="1.0" encoding="utf-8"?>
+<file path=ppt/slides/slide31.xml><?xml version="1.0" encoding="utf-8"?>
 <p:sld xmlns:a="http://schemas.openxmlformats.org/drawingml/2006/main" xmlns:r="http://schemas.openxmlformats.org/officeDocument/2006/relationships" xmlns:p="http://schemas.openxmlformats.org/presentationml/2006/main">
   <p:cSld>
     <p:spTree>
@@ -18647,7 +19966,7 @@
 </p:sld>
 </file>
 
-<file path=ppt/slides/slide31.xml><?xml version="1.0" encoding="utf-8"?>
+<file path=ppt/slides/slide32.xml><?xml version="1.0" encoding="utf-8"?>
 <p:sld xmlns:a="http://schemas.openxmlformats.org/drawingml/2006/main" xmlns:r="http://schemas.openxmlformats.org/officeDocument/2006/relationships" xmlns:p="http://schemas.openxmlformats.org/presentationml/2006/main">
   <p:cSld>
     <p:spTree>
@@ -22176,957 +23495,42 @@
           <a:chExt cx="0" cy="0"/>
         </a:xfrm>
       </p:grpSpPr>
-      <p:sp>
-        <p:nvSpPr>
-          <p:cNvPr id="2" name="object 2"/>
-          <p:cNvSpPr txBox="1">
-            <a:spLocks noGrp="1"/>
-          </p:cNvSpPr>
-          <p:nvPr>
-            <p:ph type="title"/>
-          </p:nvPr>
-        </p:nvSpPr>
+      <p:pic>
+        <p:nvPicPr>
+          <p:cNvPr id="5" name="Picture 4">
+            <a:extLst>
+              <a:ext uri="{FF2B5EF4-FFF2-40B4-BE49-F238E27FC236}">
+                <a16:creationId xmlns:a16="http://schemas.microsoft.com/office/drawing/2014/main" id="{42D866D5-3B5D-43C3-9D79-75245BB2BBCE}"/>
+              </a:ext>
+            </a:extLst>
+          </p:cNvPr>
+          <p:cNvPicPr>
+            <a:picLocks noChangeAspect="1"/>
+          </p:cNvPicPr>
+          <p:nvPr/>
+        </p:nvPicPr>
+        <p:blipFill>
+          <a:blip r:embed="rId2"/>
+          <a:stretch>
+            <a:fillRect/>
+          </a:stretch>
+        </p:blipFill>
         <p:spPr>
           <a:xfrm>
-            <a:off x="690880" y="864234"/>
-            <a:ext cx="2531745" cy="495300"/>
+            <a:off x="0" y="268343"/>
+            <a:ext cx="10058400" cy="6246016"/>
           </a:xfrm>
           <a:prstGeom prst="rect">
             <a:avLst/>
           </a:prstGeom>
         </p:spPr>
-        <p:txBody>
-          <a:bodyPr vert="horz" wrap="square" lIns="0" tIns="16510" rIns="0" bIns="0" rtlCol="0">
-            <a:spAutoFit/>
-          </a:bodyPr>
-          <a:lstStyle/>
-          <a:p>
-            <a:pPr marL="12700">
-              <a:lnSpc>
-                <a:spcPct val="100000"/>
-              </a:lnSpc>
-              <a:spcBef>
-                <a:spcPts val="130"/>
-              </a:spcBef>
-            </a:pPr>
-            <a:r>
-              <a:rPr spc="5"/>
-              <a:t>LC-3 Review:</a:t>
-            </a:r>
-            <a:r>
-              <a:rPr spc="-145"/>
-              <a:t> </a:t>
-            </a:r>
-            <a:r>
-              <a:rPr spc="-20"/>
-              <a:t>I/O</a:t>
-            </a:r>
-          </a:p>
-        </p:txBody>
-      </p:sp>
-      <p:sp>
-        <p:nvSpPr>
-          <p:cNvPr id="3" name="object 3"/>
-          <p:cNvSpPr txBox="1"/>
-          <p:nvPr/>
-        </p:nvSpPr>
-        <p:spPr>
-          <a:xfrm>
-            <a:off x="690880" y="1684464"/>
-            <a:ext cx="8387080" cy="3973829"/>
-          </a:xfrm>
-          <a:prstGeom prst="rect">
-            <a:avLst/>
-          </a:prstGeom>
-        </p:spPr>
-        <p:txBody>
-          <a:bodyPr vert="horz" wrap="square" lIns="0" tIns="71755" rIns="0" bIns="0" rtlCol="0">
-            <a:spAutoFit/>
-          </a:bodyPr>
-          <a:lstStyle/>
-          <a:p>
-            <a:pPr marL="12700">
-              <a:lnSpc>
-                <a:spcPct val="100000"/>
-              </a:lnSpc>
-              <a:spcBef>
-                <a:spcPts val="565"/>
-              </a:spcBef>
-            </a:pPr>
-            <a:r>
-              <a:rPr sz="2300" b="1" spc="-5">
-                <a:solidFill>
-                  <a:srgbClr val="001F5F"/>
-                </a:solidFill>
-                <a:latin typeface="Arial"/>
-                <a:cs typeface="Arial"/>
-              </a:rPr>
-              <a:t>Memory </a:t>
-            </a:r>
-            <a:r>
-              <a:rPr sz="2300" b="1">
-                <a:solidFill>
-                  <a:srgbClr val="001F5F"/>
-                </a:solidFill>
-                <a:latin typeface="Arial"/>
-                <a:cs typeface="Arial"/>
-              </a:rPr>
-              <a:t>Mapped</a:t>
-            </a:r>
-            <a:r>
-              <a:rPr sz="2300" b="1" spc="270">
-                <a:solidFill>
-                  <a:srgbClr val="001F5F"/>
-                </a:solidFill>
-                <a:latin typeface="Arial"/>
-                <a:cs typeface="Arial"/>
-              </a:rPr>
-              <a:t> </a:t>
-            </a:r>
-            <a:r>
-              <a:rPr sz="2300" b="1" spc="50">
-                <a:solidFill>
-                  <a:srgbClr val="001F5F"/>
-                </a:solidFill>
-                <a:latin typeface="Arial"/>
-                <a:cs typeface="Arial"/>
-              </a:rPr>
-              <a:t>I/O</a:t>
-            </a:r>
-            <a:endParaRPr sz="2300">
-              <a:latin typeface="Arial"/>
-              <a:cs typeface="Arial"/>
-            </a:endParaRPr>
-          </a:p>
-          <a:p>
-            <a:pPr marL="346075" indent="-333375">
-              <a:lnSpc>
-                <a:spcPct val="100000"/>
-              </a:lnSpc>
-              <a:spcBef>
-                <a:spcPts val="470"/>
-              </a:spcBef>
-              <a:buChar char="•"/>
-              <a:tabLst>
-                <a:tab pos="346075" algn="l"/>
-                <a:tab pos="346710" algn="l"/>
-              </a:tabLst>
-            </a:pPr>
-            <a:r>
-              <a:rPr sz="2300" spc="-40">
-                <a:solidFill>
-                  <a:srgbClr val="001F5F"/>
-                </a:solidFill>
-                <a:latin typeface="Arial"/>
-                <a:cs typeface="Arial"/>
-              </a:rPr>
-              <a:t>Map </a:t>
-            </a:r>
-            <a:r>
-              <a:rPr sz="2300" spc="25">
-                <a:solidFill>
-                  <a:srgbClr val="001F5F"/>
-                </a:solidFill>
-                <a:latin typeface="Arial"/>
-                <a:cs typeface="Arial"/>
-              </a:rPr>
-              <a:t>I/O </a:t>
-            </a:r>
-            <a:r>
-              <a:rPr sz="2300" spc="60">
-                <a:solidFill>
-                  <a:srgbClr val="001F5F"/>
-                </a:solidFill>
-                <a:latin typeface="Arial"/>
-                <a:cs typeface="Arial"/>
-              </a:rPr>
-              <a:t>to </a:t>
-            </a:r>
-            <a:r>
-              <a:rPr sz="2300" spc="-10">
-                <a:solidFill>
-                  <a:srgbClr val="001F5F"/>
-                </a:solidFill>
-                <a:latin typeface="Arial"/>
-                <a:cs typeface="Arial"/>
-              </a:rPr>
-              <a:t>specific </a:t>
-            </a:r>
-            <a:r>
-              <a:rPr sz="2300" spc="5">
-                <a:solidFill>
-                  <a:srgbClr val="001F5F"/>
-                </a:solidFill>
-                <a:latin typeface="Arial"/>
-                <a:cs typeface="Arial"/>
-              </a:rPr>
-              <a:t>memory</a:t>
-            </a:r>
-            <a:r>
-              <a:rPr sz="2300" spc="-305">
-                <a:solidFill>
-                  <a:srgbClr val="001F5F"/>
-                </a:solidFill>
-                <a:latin typeface="Arial"/>
-                <a:cs typeface="Arial"/>
-              </a:rPr>
-              <a:t> </a:t>
-            </a:r>
-            <a:r>
-              <a:rPr sz="2300" spc="-35">
-                <a:solidFill>
-                  <a:srgbClr val="001F5F"/>
-                </a:solidFill>
-                <a:latin typeface="Arial"/>
-                <a:cs typeface="Arial"/>
-              </a:rPr>
-              <a:t>addresses</a:t>
-            </a:r>
-            <a:endParaRPr sz="2300">
-              <a:latin typeface="Arial"/>
-              <a:cs typeface="Arial"/>
-            </a:endParaRPr>
-          </a:p>
-          <a:p>
-            <a:pPr marL="1137920" lvl="1" indent="-334010">
-              <a:lnSpc>
-                <a:spcPct val="100000"/>
-              </a:lnSpc>
-              <a:spcBef>
-                <a:spcPts val="540"/>
-              </a:spcBef>
-              <a:buChar char="•"/>
-              <a:tabLst>
-                <a:tab pos="1137285" algn="l"/>
-                <a:tab pos="1137920" algn="l"/>
-              </a:tabLst>
-            </a:pPr>
-            <a:r>
-              <a:rPr sz="2300" spc="-25">
-                <a:solidFill>
-                  <a:srgbClr val="001F5F"/>
-                </a:solidFill>
-                <a:latin typeface="Arial"/>
-                <a:cs typeface="Arial"/>
-              </a:rPr>
-              <a:t>Removes </a:t>
-            </a:r>
-            <a:r>
-              <a:rPr sz="2300" spc="10">
-                <a:solidFill>
-                  <a:srgbClr val="001F5F"/>
-                </a:solidFill>
-                <a:latin typeface="Arial"/>
-                <a:cs typeface="Arial"/>
-              </a:rPr>
-              <a:t>the </a:t>
-            </a:r>
-            <a:r>
-              <a:rPr sz="2300" spc="-40">
-                <a:solidFill>
-                  <a:srgbClr val="001F5F"/>
-                </a:solidFill>
-                <a:latin typeface="Arial"/>
-                <a:cs typeface="Arial"/>
-              </a:rPr>
-              <a:t>need for </a:t>
-            </a:r>
-            <a:r>
-              <a:rPr sz="2300" spc="-20">
-                <a:solidFill>
-                  <a:srgbClr val="001F5F"/>
-                </a:solidFill>
-                <a:latin typeface="Arial"/>
-                <a:cs typeface="Arial"/>
-              </a:rPr>
-              <a:t>dedicated </a:t>
-            </a:r>
-            <a:r>
-              <a:rPr sz="2300" spc="25">
-                <a:solidFill>
-                  <a:srgbClr val="001F5F"/>
-                </a:solidFill>
-                <a:latin typeface="Arial"/>
-                <a:cs typeface="Arial"/>
-              </a:rPr>
-              <a:t>I/O</a:t>
-            </a:r>
-            <a:r>
-              <a:rPr sz="2300" spc="-50">
-                <a:solidFill>
-                  <a:srgbClr val="001F5F"/>
-                </a:solidFill>
-                <a:latin typeface="Arial"/>
-                <a:cs typeface="Arial"/>
-              </a:rPr>
-              <a:t> </a:t>
-            </a:r>
-            <a:r>
-              <a:rPr sz="2300" spc="-15">
-                <a:solidFill>
-                  <a:srgbClr val="001F5F"/>
-                </a:solidFill>
-                <a:latin typeface="Arial"/>
-                <a:cs typeface="Arial"/>
-              </a:rPr>
-              <a:t>channels</a:t>
-            </a:r>
-            <a:endParaRPr sz="2300">
-              <a:latin typeface="Arial"/>
-              <a:cs typeface="Arial"/>
-            </a:endParaRPr>
-          </a:p>
-          <a:p>
-            <a:pPr marL="346075" marR="202565" indent="-333375">
-              <a:lnSpc>
-                <a:spcPct val="100600"/>
-              </a:lnSpc>
-              <a:spcBef>
-                <a:spcPts val="305"/>
-              </a:spcBef>
-              <a:buChar char="•"/>
-              <a:tabLst>
-                <a:tab pos="346075" algn="l"/>
-                <a:tab pos="346710" algn="l"/>
-                <a:tab pos="5723255" algn="l"/>
-              </a:tabLst>
-            </a:pPr>
-            <a:r>
-              <a:rPr sz="2300">
-                <a:solidFill>
-                  <a:srgbClr val="001F5F"/>
-                </a:solidFill>
-                <a:latin typeface="Arial"/>
-                <a:cs typeface="Arial"/>
-              </a:rPr>
-              <a:t>Accessing </a:t>
-            </a:r>
-            <a:r>
-              <a:rPr sz="2300" spc="10">
-                <a:solidFill>
-                  <a:srgbClr val="001F5F"/>
-                </a:solidFill>
-                <a:latin typeface="Arial"/>
-                <a:cs typeface="Arial"/>
-              </a:rPr>
-              <a:t>the </a:t>
-            </a:r>
-            <a:r>
-              <a:rPr sz="2300" spc="-10">
-                <a:solidFill>
-                  <a:srgbClr val="001F5F"/>
-                </a:solidFill>
-                <a:latin typeface="Arial"/>
-                <a:cs typeface="Arial"/>
-              </a:rPr>
-              <a:t>mapped</a:t>
-            </a:r>
-            <a:r>
-              <a:rPr sz="2300" spc="285">
-                <a:solidFill>
-                  <a:srgbClr val="001F5F"/>
-                </a:solidFill>
-                <a:latin typeface="Arial"/>
-                <a:cs typeface="Arial"/>
-              </a:rPr>
-              <a:t> </a:t>
-            </a:r>
-            <a:r>
-              <a:rPr sz="2300" spc="5">
-                <a:solidFill>
-                  <a:srgbClr val="001F5F"/>
-                </a:solidFill>
-                <a:latin typeface="Arial"/>
-                <a:cs typeface="Arial"/>
-              </a:rPr>
-              <a:t>memory</a:t>
-            </a:r>
-            <a:r>
-              <a:rPr sz="2300" spc="75">
-                <a:solidFill>
-                  <a:srgbClr val="001F5F"/>
-                </a:solidFill>
-                <a:latin typeface="Arial"/>
-                <a:cs typeface="Arial"/>
-              </a:rPr>
-              <a:t> </a:t>
-            </a:r>
-            <a:r>
-              <a:rPr sz="2300" spc="-30">
-                <a:solidFill>
-                  <a:srgbClr val="001F5F"/>
-                </a:solidFill>
-                <a:latin typeface="Arial"/>
-                <a:cs typeface="Arial"/>
-              </a:rPr>
-              <a:t>address	</a:t>
-            </a:r>
-            <a:r>
-              <a:rPr sz="2300" spc="-20">
-                <a:solidFill>
-                  <a:srgbClr val="001F5F"/>
-                </a:solidFill>
-                <a:latin typeface="Arial"/>
-                <a:cs typeface="Arial"/>
-              </a:rPr>
-              <a:t>gives </a:t>
-            </a:r>
-            <a:r>
-              <a:rPr sz="2300" spc="-15">
-                <a:solidFill>
-                  <a:srgbClr val="001F5F"/>
-                </a:solidFill>
-                <a:latin typeface="Arial"/>
-                <a:cs typeface="Arial"/>
-              </a:rPr>
-              <a:t>access </a:t>
-            </a:r>
-            <a:r>
-              <a:rPr sz="2300" spc="60">
-                <a:solidFill>
-                  <a:srgbClr val="001F5F"/>
-                </a:solidFill>
-                <a:latin typeface="Arial"/>
-                <a:cs typeface="Arial"/>
-              </a:rPr>
-              <a:t>to</a:t>
-            </a:r>
-            <a:r>
-              <a:rPr sz="2300" spc="-315">
-                <a:solidFill>
-                  <a:srgbClr val="001F5F"/>
-                </a:solidFill>
-                <a:latin typeface="Arial"/>
-                <a:cs typeface="Arial"/>
-              </a:rPr>
-              <a:t> </a:t>
-            </a:r>
-            <a:r>
-              <a:rPr sz="2300" spc="10">
-                <a:solidFill>
-                  <a:srgbClr val="001F5F"/>
-                </a:solidFill>
-                <a:latin typeface="Arial"/>
-                <a:cs typeface="Arial"/>
-              </a:rPr>
-              <a:t>the  </a:t>
-            </a:r>
-            <a:r>
-              <a:rPr sz="2300" spc="60">
-                <a:solidFill>
-                  <a:srgbClr val="001F5F"/>
-                </a:solidFill>
-                <a:latin typeface="Arial"/>
-                <a:cs typeface="Arial"/>
-              </a:rPr>
-              <a:t>input </a:t>
-            </a:r>
-            <a:r>
-              <a:rPr sz="2300" spc="-40">
-                <a:solidFill>
-                  <a:srgbClr val="001F5F"/>
-                </a:solidFill>
-                <a:latin typeface="Arial"/>
-                <a:cs typeface="Arial"/>
-              </a:rPr>
-              <a:t>or </a:t>
-            </a:r>
-            <a:r>
-              <a:rPr sz="2300" spc="50">
-                <a:solidFill>
-                  <a:srgbClr val="001F5F"/>
-                </a:solidFill>
-                <a:latin typeface="Arial"/>
-                <a:cs typeface="Arial"/>
-              </a:rPr>
-              <a:t>output</a:t>
-            </a:r>
-            <a:r>
-              <a:rPr sz="2300" spc="-245">
-                <a:solidFill>
-                  <a:srgbClr val="001F5F"/>
-                </a:solidFill>
-                <a:latin typeface="Arial"/>
-                <a:cs typeface="Arial"/>
-              </a:rPr>
-              <a:t> </a:t>
-            </a:r>
-            <a:r>
-              <a:rPr sz="2300" spc="-10">
-                <a:solidFill>
-                  <a:srgbClr val="001F5F"/>
-                </a:solidFill>
-                <a:latin typeface="Arial"/>
-                <a:cs typeface="Arial"/>
-              </a:rPr>
-              <a:t>device</a:t>
-            </a:r>
-            <a:endParaRPr sz="2300">
-              <a:latin typeface="Arial"/>
-              <a:cs typeface="Arial"/>
-            </a:endParaRPr>
-          </a:p>
-          <a:p>
-            <a:pPr marL="1137920" marR="123825" lvl="1" indent="-334010">
-              <a:lnSpc>
-                <a:spcPts val="2700"/>
-              </a:lnSpc>
-              <a:spcBef>
-                <a:spcPts val="985"/>
-              </a:spcBef>
-              <a:buChar char="•"/>
-              <a:tabLst>
-                <a:tab pos="1137285" algn="l"/>
-                <a:tab pos="1137920" algn="l"/>
-                <a:tab pos="2872740" algn="l"/>
-              </a:tabLst>
-            </a:pPr>
-            <a:r>
-              <a:rPr sz="2300" spc="-25">
-                <a:solidFill>
-                  <a:srgbClr val="001F5F"/>
-                </a:solidFill>
-                <a:latin typeface="Arial"/>
-                <a:cs typeface="Arial"/>
-              </a:rPr>
-              <a:t>Reading </a:t>
-            </a:r>
-            <a:r>
-              <a:rPr sz="2300" spc="-30">
-                <a:solidFill>
-                  <a:srgbClr val="001F5F"/>
-                </a:solidFill>
-                <a:latin typeface="Arial"/>
-                <a:cs typeface="Arial"/>
-              </a:rPr>
-              <a:t>from </a:t>
-            </a:r>
-            <a:r>
-              <a:rPr sz="2300" spc="-70">
-                <a:solidFill>
-                  <a:srgbClr val="001F5F"/>
-                </a:solidFill>
-                <a:latin typeface="Arial"/>
-                <a:cs typeface="Arial"/>
-              </a:rPr>
-              <a:t>xFE02 </a:t>
-            </a:r>
-            <a:r>
-              <a:rPr sz="2300" spc="-60">
-                <a:solidFill>
-                  <a:srgbClr val="001F5F"/>
-                </a:solidFill>
-                <a:latin typeface="Arial"/>
-                <a:cs typeface="Arial"/>
-              </a:rPr>
-              <a:t>(KBDR) </a:t>
-            </a:r>
-            <a:r>
-              <a:rPr sz="2300" spc="-15">
-                <a:solidFill>
-                  <a:srgbClr val="001F5F"/>
-                </a:solidFill>
-                <a:latin typeface="Arial"/>
-                <a:cs typeface="Arial"/>
-              </a:rPr>
-              <a:t>returns </a:t>
-            </a:r>
-            <a:r>
-              <a:rPr sz="2300" spc="10">
-                <a:solidFill>
-                  <a:srgbClr val="001F5F"/>
-                </a:solidFill>
-                <a:latin typeface="Arial"/>
-                <a:cs typeface="Arial"/>
-              </a:rPr>
-              <a:t>a </a:t>
-            </a:r>
-            <a:r>
-              <a:rPr sz="2300" spc="-10">
-                <a:solidFill>
-                  <a:srgbClr val="001F5F"/>
-                </a:solidFill>
-                <a:latin typeface="Arial"/>
-                <a:cs typeface="Arial"/>
-              </a:rPr>
-              <a:t>char </a:t>
-            </a:r>
-            <a:r>
-              <a:rPr sz="2300" spc="-40">
-                <a:solidFill>
-                  <a:srgbClr val="001F5F"/>
-                </a:solidFill>
-                <a:latin typeface="Arial"/>
-                <a:cs typeface="Arial"/>
-              </a:rPr>
-              <a:t>of </a:t>
-            </a:r>
-            <a:r>
-              <a:rPr sz="2300" spc="-5">
-                <a:solidFill>
-                  <a:srgbClr val="001F5F"/>
-                </a:solidFill>
-                <a:latin typeface="Arial"/>
-                <a:cs typeface="Arial"/>
-              </a:rPr>
-              <a:t>what </a:t>
-            </a:r>
-            <a:r>
-              <a:rPr sz="2300" spc="-35">
-                <a:solidFill>
-                  <a:srgbClr val="001F5F"/>
-                </a:solidFill>
-                <a:latin typeface="Arial"/>
-                <a:cs typeface="Arial"/>
-              </a:rPr>
-              <a:t>key  </a:t>
-            </a:r>
-            <a:r>
-              <a:rPr sz="2300" spc="-5">
-                <a:solidFill>
-                  <a:srgbClr val="001F5F"/>
-                </a:solidFill>
-                <a:latin typeface="Arial"/>
-                <a:cs typeface="Arial"/>
-              </a:rPr>
-              <a:t>was</a:t>
-            </a:r>
-            <a:r>
-              <a:rPr sz="2300" spc="-65">
-                <a:solidFill>
-                  <a:srgbClr val="001F5F"/>
-                </a:solidFill>
-                <a:latin typeface="Arial"/>
-                <a:cs typeface="Arial"/>
-              </a:rPr>
-              <a:t> </a:t>
-            </a:r>
-            <a:r>
-              <a:rPr sz="2300" spc="-35">
-                <a:solidFill>
-                  <a:srgbClr val="001F5F"/>
-                </a:solidFill>
-                <a:latin typeface="Arial"/>
-                <a:cs typeface="Arial"/>
-              </a:rPr>
-              <a:t>pressed	on </a:t>
-            </a:r>
-            <a:r>
-              <a:rPr sz="2300" spc="10">
-                <a:solidFill>
-                  <a:srgbClr val="001F5F"/>
-                </a:solidFill>
-                <a:latin typeface="Arial"/>
-                <a:cs typeface="Arial"/>
-              </a:rPr>
-              <a:t>the</a:t>
-            </a:r>
-            <a:r>
-              <a:rPr sz="2300" spc="-90">
-                <a:solidFill>
-                  <a:srgbClr val="001F5F"/>
-                </a:solidFill>
-                <a:latin typeface="Arial"/>
-                <a:cs typeface="Arial"/>
-              </a:rPr>
-              <a:t> </a:t>
-            </a:r>
-            <a:r>
-              <a:rPr sz="2300" spc="-30">
-                <a:solidFill>
-                  <a:srgbClr val="001F5F"/>
-                </a:solidFill>
-                <a:latin typeface="Arial"/>
-                <a:cs typeface="Arial"/>
-              </a:rPr>
-              <a:t>keyboard</a:t>
-            </a:r>
-            <a:endParaRPr sz="2300">
-              <a:latin typeface="Arial"/>
-              <a:cs typeface="Arial"/>
-            </a:endParaRPr>
-          </a:p>
-          <a:p>
-            <a:pPr marL="1137920" lvl="1" indent="-334010">
-              <a:lnSpc>
-                <a:spcPct val="100000"/>
-              </a:lnSpc>
-              <a:spcBef>
-                <a:spcPts val="465"/>
-              </a:spcBef>
-              <a:buChar char="•"/>
-              <a:tabLst>
-                <a:tab pos="1137285" algn="l"/>
-                <a:tab pos="1137920" algn="l"/>
-              </a:tabLst>
-            </a:pPr>
-            <a:r>
-              <a:rPr sz="2300" spc="25">
-                <a:solidFill>
-                  <a:srgbClr val="001F5F"/>
-                </a:solidFill>
-                <a:latin typeface="Arial"/>
-                <a:cs typeface="Arial"/>
-              </a:rPr>
-              <a:t>Writing ‘a’ </a:t>
-            </a:r>
-            <a:r>
-              <a:rPr sz="2300" spc="60">
-                <a:solidFill>
-                  <a:srgbClr val="001F5F"/>
-                </a:solidFill>
-                <a:latin typeface="Arial"/>
-                <a:cs typeface="Arial"/>
-              </a:rPr>
-              <a:t>to </a:t>
-            </a:r>
-            <a:r>
-              <a:rPr sz="2300" spc="-70">
-                <a:solidFill>
-                  <a:srgbClr val="001F5F"/>
-                </a:solidFill>
-                <a:latin typeface="Arial"/>
-                <a:cs typeface="Arial"/>
-              </a:rPr>
-              <a:t>xFE06 (DDR) </a:t>
-            </a:r>
-            <a:r>
-              <a:rPr sz="2300" spc="20">
-                <a:solidFill>
-                  <a:srgbClr val="001F5F"/>
-                </a:solidFill>
-                <a:latin typeface="Arial"/>
-                <a:cs typeface="Arial"/>
-              </a:rPr>
-              <a:t>will </a:t>
-            </a:r>
-            <a:r>
-              <a:rPr sz="2300" spc="-15">
-                <a:solidFill>
-                  <a:srgbClr val="001F5F"/>
-                </a:solidFill>
-                <a:latin typeface="Arial"/>
-                <a:cs typeface="Arial"/>
-              </a:rPr>
-              <a:t>display </a:t>
-            </a:r>
-            <a:r>
-              <a:rPr sz="2300" spc="25">
-                <a:solidFill>
-                  <a:srgbClr val="001F5F"/>
-                </a:solidFill>
-                <a:latin typeface="Arial"/>
-                <a:cs typeface="Arial"/>
-              </a:rPr>
-              <a:t>‘a’ </a:t>
-            </a:r>
-            <a:r>
-              <a:rPr sz="2300" spc="-35">
-                <a:solidFill>
-                  <a:srgbClr val="001F5F"/>
-                </a:solidFill>
-                <a:latin typeface="Arial"/>
-                <a:cs typeface="Arial"/>
-              </a:rPr>
-              <a:t>on </a:t>
-            </a:r>
-            <a:r>
-              <a:rPr sz="2300" spc="10">
-                <a:solidFill>
-                  <a:srgbClr val="001F5F"/>
-                </a:solidFill>
-                <a:latin typeface="Arial"/>
-                <a:cs typeface="Arial"/>
-              </a:rPr>
-              <a:t>the</a:t>
-            </a:r>
-            <a:r>
-              <a:rPr sz="2300" spc="-75">
-                <a:solidFill>
-                  <a:srgbClr val="001F5F"/>
-                </a:solidFill>
-                <a:latin typeface="Arial"/>
-                <a:cs typeface="Arial"/>
-              </a:rPr>
-              <a:t> </a:t>
-            </a:r>
-            <a:r>
-              <a:rPr sz="2300" spc="-15">
-                <a:solidFill>
-                  <a:srgbClr val="001F5F"/>
-                </a:solidFill>
-                <a:latin typeface="Arial"/>
-                <a:cs typeface="Arial"/>
-              </a:rPr>
-              <a:t>display</a:t>
-            </a:r>
-            <a:endParaRPr sz="2300">
-              <a:latin typeface="Arial"/>
-              <a:cs typeface="Arial"/>
-            </a:endParaRPr>
-          </a:p>
-          <a:p>
-            <a:pPr marL="1137920" marR="5080" lvl="1" indent="-334010">
-              <a:lnSpc>
-                <a:spcPct val="100699"/>
-              </a:lnSpc>
-              <a:spcBef>
-                <a:spcPts val="300"/>
-              </a:spcBef>
-              <a:buChar char="•"/>
-              <a:tabLst>
-                <a:tab pos="1137285" algn="l"/>
-                <a:tab pos="1137920" algn="l"/>
-              </a:tabLst>
-            </a:pPr>
-            <a:r>
-              <a:rPr sz="2300" spc="-10">
-                <a:solidFill>
-                  <a:srgbClr val="001F5F"/>
-                </a:solidFill>
-                <a:latin typeface="Arial"/>
-                <a:cs typeface="Arial"/>
-              </a:rPr>
-              <a:t>Check </a:t>
-            </a:r>
-            <a:r>
-              <a:rPr sz="2300" spc="10">
-                <a:solidFill>
-                  <a:srgbClr val="001F5F"/>
-                </a:solidFill>
-                <a:latin typeface="Arial"/>
-                <a:cs typeface="Arial"/>
-              </a:rPr>
-              <a:t>the </a:t>
-            </a:r>
-            <a:r>
-              <a:rPr sz="2300" spc="-10">
-                <a:solidFill>
-                  <a:srgbClr val="001F5F"/>
-                </a:solidFill>
-                <a:latin typeface="Arial"/>
-                <a:cs typeface="Arial"/>
-              </a:rPr>
-              <a:t>status </a:t>
-            </a:r>
-            <a:r>
-              <a:rPr sz="2300" spc="-20">
-                <a:solidFill>
-                  <a:srgbClr val="001F5F"/>
-                </a:solidFill>
-                <a:latin typeface="Arial"/>
-                <a:cs typeface="Arial"/>
-              </a:rPr>
-              <a:t>register </a:t>
-            </a:r>
-            <a:r>
-              <a:rPr sz="2300" spc="-50">
-                <a:solidFill>
-                  <a:srgbClr val="001F5F"/>
-                </a:solidFill>
-                <a:latin typeface="Arial"/>
-                <a:cs typeface="Arial"/>
-              </a:rPr>
-              <a:t>(KBSR, DSR) </a:t>
-            </a:r>
-            <a:r>
-              <a:rPr sz="2300" spc="-40">
-                <a:solidFill>
-                  <a:srgbClr val="001F5F"/>
-                </a:solidFill>
-                <a:latin typeface="Arial"/>
-                <a:cs typeface="Arial"/>
-              </a:rPr>
-              <a:t>of </a:t>
-            </a:r>
-            <a:r>
-              <a:rPr sz="2300" spc="10">
-                <a:solidFill>
-                  <a:srgbClr val="001F5F"/>
-                </a:solidFill>
-                <a:latin typeface="Arial"/>
-                <a:cs typeface="Arial"/>
-              </a:rPr>
-              <a:t>the </a:t>
-            </a:r>
-            <a:r>
-              <a:rPr sz="2300" spc="-15">
-                <a:solidFill>
-                  <a:srgbClr val="001F5F"/>
-                </a:solidFill>
-                <a:latin typeface="Arial"/>
-                <a:cs typeface="Arial"/>
-              </a:rPr>
-              <a:t>respective  </a:t>
-            </a:r>
-            <a:r>
-              <a:rPr sz="2300" spc="60">
-                <a:solidFill>
-                  <a:srgbClr val="001F5F"/>
-                </a:solidFill>
-                <a:latin typeface="Arial"/>
-                <a:cs typeface="Arial"/>
-              </a:rPr>
-              <a:t>input/output </a:t>
-            </a:r>
-            <a:r>
-              <a:rPr sz="2300" spc="-40">
-                <a:solidFill>
-                  <a:srgbClr val="001F5F"/>
-                </a:solidFill>
-                <a:latin typeface="Arial"/>
-                <a:cs typeface="Arial"/>
-              </a:rPr>
-              <a:t>before </a:t>
-            </a:r>
-            <a:r>
-              <a:rPr sz="2300" spc="-25">
-                <a:solidFill>
-                  <a:srgbClr val="001F5F"/>
-                </a:solidFill>
-                <a:latin typeface="Arial"/>
-                <a:cs typeface="Arial"/>
-              </a:rPr>
-              <a:t>reading </a:t>
-            </a:r>
-            <a:r>
-              <a:rPr sz="2300" spc="-40">
-                <a:solidFill>
-                  <a:srgbClr val="001F5F"/>
-                </a:solidFill>
-                <a:latin typeface="Arial"/>
-                <a:cs typeface="Arial"/>
-              </a:rPr>
-              <a:t>or</a:t>
-            </a:r>
-            <a:r>
-              <a:rPr sz="2300" spc="-465">
-                <a:solidFill>
-                  <a:srgbClr val="001F5F"/>
-                </a:solidFill>
-                <a:latin typeface="Arial"/>
-                <a:cs typeface="Arial"/>
-              </a:rPr>
-              <a:t> </a:t>
-            </a:r>
-            <a:r>
-              <a:rPr sz="2300" spc="10">
-                <a:solidFill>
-                  <a:srgbClr val="001F5F"/>
-                </a:solidFill>
-                <a:latin typeface="Arial"/>
-                <a:cs typeface="Arial"/>
-              </a:rPr>
-              <a:t>writing</a:t>
-            </a:r>
-            <a:endParaRPr sz="2300">
-              <a:latin typeface="Arial"/>
-              <a:cs typeface="Arial"/>
-            </a:endParaRPr>
-          </a:p>
-        </p:txBody>
-      </p:sp>
+      </p:pic>
     </p:spTree>
+    <p:extLst>
+      <p:ext uri="{BB962C8B-B14F-4D97-AF65-F5344CB8AC3E}">
+        <p14:creationId xmlns:p14="http://schemas.microsoft.com/office/powerpoint/2010/main" val="1445097552"/>
+      </p:ext>
+    </p:extLst>
   </p:cSld>
   <p:clrMapOvr>
     <a:masterClrMapping/>
@@ -23164,7 +23568,7 @@
         <p:spPr>
           <a:xfrm>
             <a:off x="690880" y="864234"/>
-            <a:ext cx="4459605" cy="495300"/>
+            <a:ext cx="2531745" cy="495300"/>
           </a:xfrm>
           <a:prstGeom prst="rect">
             <a:avLst/>
@@ -23186,19 +23590,15 @@
             </a:pPr>
             <a:r>
               <a:rPr spc="5"/>
-              <a:t>LC-3 Review: </a:t>
-            </a:r>
-            <a:r>
-              <a:rPr spc="20"/>
-              <a:t>Keyboard</a:t>
-            </a:r>
-            <a:r>
-              <a:rPr spc="-315"/>
+              <a:t>LC-3 Review:</a:t>
+            </a:r>
+            <a:r>
+              <a:rPr spc="-145"/>
               <a:t> </a:t>
             </a:r>
             <a:r>
-              <a:rPr spc="20"/>
-              <a:t>Input</a:t>
+              <a:rPr spc="-20"/>
+              <a:t>I/O</a:t>
             </a:r>
           </a:p>
         </p:txBody>
@@ -23211,15 +23611,15 @@
         </p:nvSpPr>
         <p:spPr>
           <a:xfrm>
-            <a:off x="690880" y="1665414"/>
-            <a:ext cx="8561070" cy="1227455"/>
+            <a:off x="690880" y="1684464"/>
+            <a:ext cx="8387080" cy="3973829"/>
           </a:xfrm>
           <a:prstGeom prst="rect">
             <a:avLst/>
           </a:prstGeom>
         </p:spPr>
         <p:txBody>
-          <a:bodyPr vert="horz" wrap="square" lIns="0" tIns="90805" rIns="0" bIns="0" rtlCol="0">
+          <a:bodyPr vert="horz" wrap="square" lIns="0" tIns="71755" rIns="0" bIns="0" rtlCol="0">
             <a:spAutoFit/>
           </a:bodyPr>
           <a:lstStyle/>
@@ -23229,7 +23629,7 @@
                 <a:spcPct val="100000"/>
               </a:lnSpc>
               <a:spcBef>
-                <a:spcPts val="715"/>
+                <a:spcPts val="565"/>
               </a:spcBef>
             </a:pPr>
             <a:r>
@@ -23240,47 +23640,37 @@
                 <a:latin typeface="Arial"/>
                 <a:cs typeface="Arial"/>
               </a:rPr>
-              <a:t>Reading </a:t>
-            </a:r>
-            <a:r>
-              <a:rPr sz="2300" b="1" spc="-15">
+              <a:t>Memory </a:t>
+            </a:r>
+            <a:r>
+              <a:rPr sz="2300" b="1">
                 <a:solidFill>
                   <a:srgbClr val="001F5F"/>
                 </a:solidFill>
                 <a:latin typeface="Arial"/>
                 <a:cs typeface="Arial"/>
               </a:rPr>
-              <a:t>from </a:t>
-            </a:r>
-            <a:r>
-              <a:rPr sz="2300" b="1" spc="5">
+              <a:t>Mapped</a:t>
+            </a:r>
+            <a:r>
+              <a:rPr sz="2300" b="1" spc="270">
                 <a:solidFill>
                   <a:srgbClr val="001F5F"/>
                 </a:solidFill>
                 <a:latin typeface="Arial"/>
                 <a:cs typeface="Arial"/>
               </a:rPr>
-              <a:t>the</a:t>
-            </a:r>
-            <a:r>
-              <a:rPr sz="2300" b="1" spc="-15">
+              <a:t> </a:t>
+            </a:r>
+            <a:r>
+              <a:rPr sz="2300" b="1" spc="50">
                 <a:solidFill>
                   <a:srgbClr val="001F5F"/>
                 </a:solidFill>
                 <a:latin typeface="Arial"/>
                 <a:cs typeface="Arial"/>
               </a:rPr>
-              <a:t> </a:t>
-            </a:r>
-            <a:r>
-              <a:rPr sz="2300" b="1" spc="-5">
-                <a:solidFill>
-                  <a:srgbClr val="001F5F"/>
-                </a:solidFill>
-                <a:latin typeface="Arial"/>
-                <a:cs typeface="Arial"/>
-              </a:rPr>
-              <a:t>keyboard</a:t>
+              <a:t>I/O</a:t>
             </a:r>
             <a:endParaRPr sz="2300">
               <a:latin typeface="Arial"/>
@@ -23288,12 +23678,12 @@
             </a:endParaRPr>
           </a:p>
           <a:p>
-            <a:pPr marL="346075" marR="5080" indent="-333375">
+            <a:pPr marL="346075" indent="-333375">
               <a:lnSpc>
-                <a:spcPts val="2700"/>
+                <a:spcPct val="100000"/>
               </a:lnSpc>
               <a:spcBef>
-                <a:spcPts val="760"/>
+                <a:spcPts val="470"/>
               </a:spcBef>
               <a:buChar char="•"/>
               <a:tabLst>
@@ -23302,64 +23692,64 @@
               </a:tabLst>
             </a:pPr>
             <a:r>
-              <a:rPr sz="2300" spc="-10">
+              <a:rPr sz="2300" spc="-40">
                 <a:solidFill>
                   <a:srgbClr val="001F5F"/>
                 </a:solidFill>
                 <a:latin typeface="Arial"/>
                 <a:cs typeface="Arial"/>
               </a:rPr>
-              <a:t>Poll </a:t>
-            </a:r>
-            <a:r>
-              <a:rPr sz="2300" spc="30">
+              <a:t>Map </a:t>
+            </a:r>
+            <a:r>
+              <a:rPr sz="2300" spc="25">
                 <a:solidFill>
                   <a:srgbClr val="001F5F"/>
                 </a:solidFill>
                 <a:latin typeface="Arial"/>
                 <a:cs typeface="Arial"/>
               </a:rPr>
-              <a:t>KBSR </a:t>
-            </a:r>
-            <a:r>
-              <a:rPr sz="2300" spc="5">
+              <a:t>I/O </a:t>
+            </a:r>
+            <a:r>
+              <a:rPr sz="2300" spc="60">
                 <a:solidFill>
                   <a:srgbClr val="001F5F"/>
                 </a:solidFill>
                 <a:latin typeface="Arial"/>
                 <a:cs typeface="Arial"/>
               </a:rPr>
-              <a:t>until </a:t>
-            </a:r>
-            <a:r>
-              <a:rPr sz="2300" spc="-35">
+              <a:t>to </a:t>
+            </a:r>
+            <a:r>
+              <a:rPr sz="2300" spc="-10">
                 <a:solidFill>
                   <a:srgbClr val="001F5F"/>
                 </a:solidFill>
                 <a:latin typeface="Arial"/>
                 <a:cs typeface="Arial"/>
               </a:rPr>
-              <a:t>ready </a:t>
-            </a:r>
-            <a:r>
-              <a:rPr sz="2300" spc="50">
+              <a:t>specific </a:t>
+            </a:r>
+            <a:r>
+              <a:rPr sz="2300" spc="5">
                 <a:solidFill>
                   <a:srgbClr val="001F5F"/>
                 </a:solidFill>
                 <a:latin typeface="Arial"/>
                 <a:cs typeface="Arial"/>
               </a:rPr>
-              <a:t>bit </a:t>
-            </a:r>
-            <a:r>
-              <a:rPr sz="2300" spc="10">
+              <a:t>memory</a:t>
+            </a:r>
+            <a:r>
+              <a:rPr sz="2300" spc="-305">
                 <a:solidFill>
                   <a:srgbClr val="001F5F"/>
                 </a:solidFill>
                 <a:latin typeface="Arial"/>
                 <a:cs typeface="Arial"/>
               </a:rPr>
-              <a:t>is </a:t>
+              <a:t> </a:t>
             </a:r>
             <a:r>
               <a:rPr sz="2300" spc="-35">
@@ -23369,921 +23759,752 @@
                 <a:latin typeface="Arial"/>
                 <a:cs typeface="Arial"/>
               </a:rPr>
-              <a:t>set </a:t>
-            </a:r>
-            <a:r>
-              <a:rPr sz="2300" spc="-10">
-                <a:solidFill>
-                  <a:srgbClr val="001F5F"/>
-                </a:solidFill>
-                <a:latin typeface="Arial"/>
-                <a:cs typeface="Arial"/>
-              </a:rPr>
-              <a:t>then </a:t>
-            </a:r>
-            <a:r>
-              <a:rPr sz="2300" spc="-15">
-                <a:solidFill>
-                  <a:srgbClr val="001F5F"/>
-                </a:solidFill>
-                <a:latin typeface="Arial"/>
-                <a:cs typeface="Arial"/>
-              </a:rPr>
-              <a:t>access </a:t>
-            </a:r>
-            <a:r>
-              <a:rPr sz="2300" spc="60">
-                <a:solidFill>
-                  <a:srgbClr val="001F5F"/>
-                </a:solidFill>
-                <a:latin typeface="Arial"/>
-                <a:cs typeface="Arial"/>
-              </a:rPr>
-              <a:t>input </a:t>
-            </a:r>
-            <a:r>
-              <a:rPr sz="2300" spc="-10">
-                <a:solidFill>
-                  <a:srgbClr val="001F5F"/>
-                </a:solidFill>
-                <a:latin typeface="Arial"/>
-                <a:cs typeface="Arial"/>
-              </a:rPr>
-              <a:t>data </a:t>
-            </a:r>
-            <a:r>
-              <a:rPr sz="2300" spc="-30">
-                <a:solidFill>
-                  <a:srgbClr val="001F5F"/>
-                </a:solidFill>
-                <a:latin typeface="Arial"/>
-                <a:cs typeface="Arial"/>
-              </a:rPr>
-              <a:t>stored </a:t>
-            </a:r>
-            <a:r>
-              <a:rPr sz="2300" spc="10">
-                <a:solidFill>
-                  <a:srgbClr val="001F5F"/>
-                </a:solidFill>
-                <a:latin typeface="Arial"/>
-                <a:cs typeface="Arial"/>
-              </a:rPr>
-              <a:t>in  </a:t>
-            </a:r>
-            <a:r>
-              <a:rPr sz="2300" spc="-20">
-                <a:solidFill>
-                  <a:srgbClr val="001F5F"/>
-                </a:solidFill>
-                <a:latin typeface="Arial"/>
-                <a:cs typeface="Arial"/>
-              </a:rPr>
-              <a:t>lower </a:t>
-            </a:r>
-            <a:r>
-              <a:rPr sz="2300" spc="10">
-                <a:solidFill>
-                  <a:srgbClr val="001F5F"/>
-                </a:solidFill>
-                <a:latin typeface="Arial"/>
-                <a:cs typeface="Arial"/>
-              </a:rPr>
-              <a:t>8 </a:t>
-            </a:r>
-            <a:r>
-              <a:rPr sz="2300" spc="65">
-                <a:solidFill>
-                  <a:srgbClr val="001F5F"/>
-                </a:solidFill>
-                <a:latin typeface="Arial"/>
-                <a:cs typeface="Arial"/>
-              </a:rPr>
-              <a:t>bits </a:t>
-            </a:r>
-            <a:r>
-              <a:rPr sz="2300" spc="-40">
-                <a:solidFill>
-                  <a:srgbClr val="001F5F"/>
-                </a:solidFill>
-                <a:latin typeface="Arial"/>
-                <a:cs typeface="Arial"/>
-              </a:rPr>
-              <a:t>of</a:t>
-            </a:r>
-            <a:r>
-              <a:rPr sz="2300" spc="25">
-                <a:solidFill>
-                  <a:srgbClr val="001F5F"/>
-                </a:solidFill>
-                <a:latin typeface="Arial"/>
-                <a:cs typeface="Arial"/>
-              </a:rPr>
-              <a:t> </a:t>
-            </a:r>
-            <a:r>
-              <a:rPr sz="2300" spc="20">
-                <a:solidFill>
-                  <a:srgbClr val="001F5F"/>
-                </a:solidFill>
-                <a:latin typeface="Arial"/>
-                <a:cs typeface="Arial"/>
-              </a:rPr>
-              <a:t>KBDR</a:t>
+              <a:t>addresses</a:t>
             </a:r>
             <a:endParaRPr sz="2300">
               <a:latin typeface="Arial"/>
               <a:cs typeface="Arial"/>
             </a:endParaRPr>
           </a:p>
+          <a:p>
+            <a:pPr marL="1137920" lvl="1" indent="-334010">
+              <a:lnSpc>
+                <a:spcPct val="100000"/>
+              </a:lnSpc>
+              <a:spcBef>
+                <a:spcPts val="540"/>
+              </a:spcBef>
+              <a:buChar char="•"/>
+              <a:tabLst>
+                <a:tab pos="1137285" algn="l"/>
+                <a:tab pos="1137920" algn="l"/>
+              </a:tabLst>
+            </a:pPr>
+            <a:r>
+              <a:rPr sz="2300" spc="-25">
+                <a:solidFill>
+                  <a:srgbClr val="001F5F"/>
+                </a:solidFill>
+                <a:latin typeface="Arial"/>
+                <a:cs typeface="Arial"/>
+              </a:rPr>
+              <a:t>Removes </a:t>
+            </a:r>
+            <a:r>
+              <a:rPr sz="2300" spc="10">
+                <a:solidFill>
+                  <a:srgbClr val="001F5F"/>
+                </a:solidFill>
+                <a:latin typeface="Arial"/>
+                <a:cs typeface="Arial"/>
+              </a:rPr>
+              <a:t>the </a:t>
+            </a:r>
+            <a:r>
+              <a:rPr sz="2300" spc="-40">
+                <a:solidFill>
+                  <a:srgbClr val="001F5F"/>
+                </a:solidFill>
+                <a:latin typeface="Arial"/>
+                <a:cs typeface="Arial"/>
+              </a:rPr>
+              <a:t>need for </a:t>
+            </a:r>
+            <a:r>
+              <a:rPr sz="2300" spc="-20">
+                <a:solidFill>
+                  <a:srgbClr val="001F5F"/>
+                </a:solidFill>
+                <a:latin typeface="Arial"/>
+                <a:cs typeface="Arial"/>
+              </a:rPr>
+              <a:t>dedicated </a:t>
+            </a:r>
+            <a:r>
+              <a:rPr sz="2300" spc="25">
+                <a:solidFill>
+                  <a:srgbClr val="001F5F"/>
+                </a:solidFill>
+                <a:latin typeface="Arial"/>
+                <a:cs typeface="Arial"/>
+              </a:rPr>
+              <a:t>I/O</a:t>
+            </a:r>
+            <a:r>
+              <a:rPr sz="2300" spc="-50">
+                <a:solidFill>
+                  <a:srgbClr val="001F5F"/>
+                </a:solidFill>
+                <a:latin typeface="Arial"/>
+                <a:cs typeface="Arial"/>
+              </a:rPr>
+              <a:t> </a:t>
+            </a:r>
+            <a:r>
+              <a:rPr sz="2300" spc="-15">
+                <a:solidFill>
+                  <a:srgbClr val="001F5F"/>
+                </a:solidFill>
+                <a:latin typeface="Arial"/>
+                <a:cs typeface="Arial"/>
+              </a:rPr>
+              <a:t>channels</a:t>
+            </a:r>
+            <a:endParaRPr sz="2300">
+              <a:latin typeface="Arial"/>
+              <a:cs typeface="Arial"/>
+            </a:endParaRPr>
+          </a:p>
+          <a:p>
+            <a:pPr marL="346075" marR="202565" indent="-333375">
+              <a:lnSpc>
+                <a:spcPct val="100600"/>
+              </a:lnSpc>
+              <a:spcBef>
+                <a:spcPts val="305"/>
+              </a:spcBef>
+              <a:buChar char="•"/>
+              <a:tabLst>
+                <a:tab pos="346075" algn="l"/>
+                <a:tab pos="346710" algn="l"/>
+                <a:tab pos="5723255" algn="l"/>
+              </a:tabLst>
+            </a:pPr>
+            <a:r>
+              <a:rPr sz="2300">
+                <a:solidFill>
+                  <a:srgbClr val="001F5F"/>
+                </a:solidFill>
+                <a:latin typeface="Arial"/>
+                <a:cs typeface="Arial"/>
+              </a:rPr>
+              <a:t>Accessing </a:t>
+            </a:r>
+            <a:r>
+              <a:rPr sz="2300" spc="10">
+                <a:solidFill>
+                  <a:srgbClr val="001F5F"/>
+                </a:solidFill>
+                <a:latin typeface="Arial"/>
+                <a:cs typeface="Arial"/>
+              </a:rPr>
+              <a:t>the </a:t>
+            </a:r>
+            <a:r>
+              <a:rPr sz="2300" spc="-10">
+                <a:solidFill>
+                  <a:srgbClr val="001F5F"/>
+                </a:solidFill>
+                <a:latin typeface="Arial"/>
+                <a:cs typeface="Arial"/>
+              </a:rPr>
+              <a:t>mapped</a:t>
+            </a:r>
+            <a:r>
+              <a:rPr sz="2300" spc="285">
+                <a:solidFill>
+                  <a:srgbClr val="001F5F"/>
+                </a:solidFill>
+                <a:latin typeface="Arial"/>
+                <a:cs typeface="Arial"/>
+              </a:rPr>
+              <a:t> </a:t>
+            </a:r>
+            <a:r>
+              <a:rPr sz="2300" spc="5">
+                <a:solidFill>
+                  <a:srgbClr val="001F5F"/>
+                </a:solidFill>
+                <a:latin typeface="Arial"/>
+                <a:cs typeface="Arial"/>
+              </a:rPr>
+              <a:t>memory</a:t>
+            </a:r>
+            <a:r>
+              <a:rPr sz="2300" spc="75">
+                <a:solidFill>
+                  <a:srgbClr val="001F5F"/>
+                </a:solidFill>
+                <a:latin typeface="Arial"/>
+                <a:cs typeface="Arial"/>
+              </a:rPr>
+              <a:t> </a:t>
+            </a:r>
+            <a:r>
+              <a:rPr sz="2300" spc="-30">
+                <a:solidFill>
+                  <a:srgbClr val="001F5F"/>
+                </a:solidFill>
+                <a:latin typeface="Arial"/>
+                <a:cs typeface="Arial"/>
+              </a:rPr>
+              <a:t>address	</a:t>
+            </a:r>
+            <a:r>
+              <a:rPr sz="2300" spc="-20">
+                <a:solidFill>
+                  <a:srgbClr val="001F5F"/>
+                </a:solidFill>
+                <a:latin typeface="Arial"/>
+                <a:cs typeface="Arial"/>
+              </a:rPr>
+              <a:t>gives </a:t>
+            </a:r>
+            <a:r>
+              <a:rPr sz="2300" spc="-15">
+                <a:solidFill>
+                  <a:srgbClr val="001F5F"/>
+                </a:solidFill>
+                <a:latin typeface="Arial"/>
+                <a:cs typeface="Arial"/>
+              </a:rPr>
+              <a:t>access </a:t>
+            </a:r>
+            <a:r>
+              <a:rPr sz="2300" spc="60">
+                <a:solidFill>
+                  <a:srgbClr val="001F5F"/>
+                </a:solidFill>
+                <a:latin typeface="Arial"/>
+                <a:cs typeface="Arial"/>
+              </a:rPr>
+              <a:t>to</a:t>
+            </a:r>
+            <a:r>
+              <a:rPr sz="2300" spc="-315">
+                <a:solidFill>
+                  <a:srgbClr val="001F5F"/>
+                </a:solidFill>
+                <a:latin typeface="Arial"/>
+                <a:cs typeface="Arial"/>
+              </a:rPr>
+              <a:t> </a:t>
+            </a:r>
+            <a:r>
+              <a:rPr sz="2300" spc="10">
+                <a:solidFill>
+                  <a:srgbClr val="001F5F"/>
+                </a:solidFill>
+                <a:latin typeface="Arial"/>
+                <a:cs typeface="Arial"/>
+              </a:rPr>
+              <a:t>the  </a:t>
+            </a:r>
+            <a:r>
+              <a:rPr sz="2300" spc="60">
+                <a:solidFill>
+                  <a:srgbClr val="001F5F"/>
+                </a:solidFill>
+                <a:latin typeface="Arial"/>
+                <a:cs typeface="Arial"/>
+              </a:rPr>
+              <a:t>input </a:t>
+            </a:r>
+            <a:r>
+              <a:rPr sz="2300" spc="-40">
+                <a:solidFill>
+                  <a:srgbClr val="001F5F"/>
+                </a:solidFill>
+                <a:latin typeface="Arial"/>
+                <a:cs typeface="Arial"/>
+              </a:rPr>
+              <a:t>or </a:t>
+            </a:r>
+            <a:r>
+              <a:rPr sz="2300" spc="50">
+                <a:solidFill>
+                  <a:srgbClr val="001F5F"/>
+                </a:solidFill>
+                <a:latin typeface="Arial"/>
+                <a:cs typeface="Arial"/>
+              </a:rPr>
+              <a:t>output</a:t>
+            </a:r>
+            <a:r>
+              <a:rPr sz="2300" spc="-245">
+                <a:solidFill>
+                  <a:srgbClr val="001F5F"/>
+                </a:solidFill>
+                <a:latin typeface="Arial"/>
+                <a:cs typeface="Arial"/>
+              </a:rPr>
+              <a:t> </a:t>
+            </a:r>
+            <a:r>
+              <a:rPr sz="2300" spc="-10">
+                <a:solidFill>
+                  <a:srgbClr val="001F5F"/>
+                </a:solidFill>
+                <a:latin typeface="Arial"/>
+                <a:cs typeface="Arial"/>
+              </a:rPr>
+              <a:t>device</a:t>
+            </a:r>
+            <a:endParaRPr sz="2300">
+              <a:latin typeface="Arial"/>
+              <a:cs typeface="Arial"/>
+            </a:endParaRPr>
+          </a:p>
+          <a:p>
+            <a:pPr marL="1137920" marR="123825" lvl="1" indent="-334010">
+              <a:lnSpc>
+                <a:spcPts val="2700"/>
+              </a:lnSpc>
+              <a:spcBef>
+                <a:spcPts val="985"/>
+              </a:spcBef>
+              <a:buChar char="•"/>
+              <a:tabLst>
+                <a:tab pos="1137285" algn="l"/>
+                <a:tab pos="1137920" algn="l"/>
+                <a:tab pos="2872740" algn="l"/>
+              </a:tabLst>
+            </a:pPr>
+            <a:r>
+              <a:rPr sz="2300" spc="-25">
+                <a:solidFill>
+                  <a:srgbClr val="001F5F"/>
+                </a:solidFill>
+                <a:latin typeface="Arial"/>
+                <a:cs typeface="Arial"/>
+              </a:rPr>
+              <a:t>Reading </a:t>
+            </a:r>
+            <a:r>
+              <a:rPr sz="2300" spc="-30">
+                <a:solidFill>
+                  <a:srgbClr val="001F5F"/>
+                </a:solidFill>
+                <a:latin typeface="Arial"/>
+                <a:cs typeface="Arial"/>
+              </a:rPr>
+              <a:t>from </a:t>
+            </a:r>
+            <a:r>
+              <a:rPr sz="2300" spc="-70">
+                <a:solidFill>
+                  <a:srgbClr val="001F5F"/>
+                </a:solidFill>
+                <a:latin typeface="Arial"/>
+                <a:cs typeface="Arial"/>
+              </a:rPr>
+              <a:t>xFE02 </a:t>
+            </a:r>
+            <a:r>
+              <a:rPr sz="2300" spc="-60">
+                <a:solidFill>
+                  <a:srgbClr val="001F5F"/>
+                </a:solidFill>
+                <a:latin typeface="Arial"/>
+                <a:cs typeface="Arial"/>
+              </a:rPr>
+              <a:t>(KBDR) </a:t>
+            </a:r>
+            <a:r>
+              <a:rPr sz="2300" spc="-15">
+                <a:solidFill>
+                  <a:srgbClr val="001F5F"/>
+                </a:solidFill>
+                <a:latin typeface="Arial"/>
+                <a:cs typeface="Arial"/>
+              </a:rPr>
+              <a:t>returns </a:t>
+            </a:r>
+            <a:r>
+              <a:rPr sz="2300" spc="10">
+                <a:solidFill>
+                  <a:srgbClr val="001F5F"/>
+                </a:solidFill>
+                <a:latin typeface="Arial"/>
+                <a:cs typeface="Arial"/>
+              </a:rPr>
+              <a:t>a </a:t>
+            </a:r>
+            <a:r>
+              <a:rPr sz="2300" spc="-10">
+                <a:solidFill>
+                  <a:srgbClr val="001F5F"/>
+                </a:solidFill>
+                <a:latin typeface="Arial"/>
+                <a:cs typeface="Arial"/>
+              </a:rPr>
+              <a:t>char </a:t>
+            </a:r>
+            <a:r>
+              <a:rPr sz="2300" spc="-40">
+                <a:solidFill>
+                  <a:srgbClr val="001F5F"/>
+                </a:solidFill>
+                <a:latin typeface="Arial"/>
+                <a:cs typeface="Arial"/>
+              </a:rPr>
+              <a:t>of </a:t>
+            </a:r>
+            <a:r>
+              <a:rPr sz="2300" spc="-5">
+                <a:solidFill>
+                  <a:srgbClr val="001F5F"/>
+                </a:solidFill>
+                <a:latin typeface="Arial"/>
+                <a:cs typeface="Arial"/>
+              </a:rPr>
+              <a:t>what </a:t>
+            </a:r>
+            <a:r>
+              <a:rPr sz="2300" spc="-35">
+                <a:solidFill>
+                  <a:srgbClr val="001F5F"/>
+                </a:solidFill>
+                <a:latin typeface="Arial"/>
+                <a:cs typeface="Arial"/>
+              </a:rPr>
+              <a:t>key  </a:t>
+            </a:r>
+            <a:r>
+              <a:rPr sz="2300" spc="-5">
+                <a:solidFill>
+                  <a:srgbClr val="001F5F"/>
+                </a:solidFill>
+                <a:latin typeface="Arial"/>
+                <a:cs typeface="Arial"/>
+              </a:rPr>
+              <a:t>was</a:t>
+            </a:r>
+            <a:r>
+              <a:rPr sz="2300" spc="-65">
+                <a:solidFill>
+                  <a:srgbClr val="001F5F"/>
+                </a:solidFill>
+                <a:latin typeface="Arial"/>
+                <a:cs typeface="Arial"/>
+              </a:rPr>
+              <a:t> </a:t>
+            </a:r>
+            <a:r>
+              <a:rPr sz="2300" spc="-35">
+                <a:solidFill>
+                  <a:srgbClr val="001F5F"/>
+                </a:solidFill>
+                <a:latin typeface="Arial"/>
+                <a:cs typeface="Arial"/>
+              </a:rPr>
+              <a:t>pressed	on </a:t>
+            </a:r>
+            <a:r>
+              <a:rPr sz="2300" spc="10">
+                <a:solidFill>
+                  <a:srgbClr val="001F5F"/>
+                </a:solidFill>
+                <a:latin typeface="Arial"/>
+                <a:cs typeface="Arial"/>
+              </a:rPr>
+              <a:t>the</a:t>
+            </a:r>
+            <a:r>
+              <a:rPr sz="2300" spc="-90">
+                <a:solidFill>
+                  <a:srgbClr val="001F5F"/>
+                </a:solidFill>
+                <a:latin typeface="Arial"/>
+                <a:cs typeface="Arial"/>
+              </a:rPr>
+              <a:t> </a:t>
+            </a:r>
+            <a:r>
+              <a:rPr sz="2300" spc="-30">
+                <a:solidFill>
+                  <a:srgbClr val="001F5F"/>
+                </a:solidFill>
+                <a:latin typeface="Arial"/>
+                <a:cs typeface="Arial"/>
+              </a:rPr>
+              <a:t>keyboard</a:t>
+            </a:r>
+            <a:endParaRPr sz="2300">
+              <a:latin typeface="Arial"/>
+              <a:cs typeface="Arial"/>
+            </a:endParaRPr>
+          </a:p>
+          <a:p>
+            <a:pPr marL="1137920" lvl="1" indent="-334010">
+              <a:lnSpc>
+                <a:spcPct val="100000"/>
+              </a:lnSpc>
+              <a:spcBef>
+                <a:spcPts val="465"/>
+              </a:spcBef>
+              <a:buChar char="•"/>
+              <a:tabLst>
+                <a:tab pos="1137285" algn="l"/>
+                <a:tab pos="1137920" algn="l"/>
+              </a:tabLst>
+            </a:pPr>
+            <a:r>
+              <a:rPr sz="2300" spc="25">
+                <a:solidFill>
+                  <a:srgbClr val="001F5F"/>
+                </a:solidFill>
+                <a:latin typeface="Arial"/>
+                <a:cs typeface="Arial"/>
+              </a:rPr>
+              <a:t>Writing ‘a’ </a:t>
+            </a:r>
+            <a:r>
+              <a:rPr sz="2300" spc="60">
+                <a:solidFill>
+                  <a:srgbClr val="001F5F"/>
+                </a:solidFill>
+                <a:latin typeface="Arial"/>
+                <a:cs typeface="Arial"/>
+              </a:rPr>
+              <a:t>to </a:t>
+            </a:r>
+            <a:r>
+              <a:rPr sz="2300" spc="-70">
+                <a:solidFill>
+                  <a:srgbClr val="001F5F"/>
+                </a:solidFill>
+                <a:latin typeface="Arial"/>
+                <a:cs typeface="Arial"/>
+              </a:rPr>
+              <a:t>xFE06 (DDR) </a:t>
+            </a:r>
+            <a:r>
+              <a:rPr sz="2300" spc="20">
+                <a:solidFill>
+                  <a:srgbClr val="001F5F"/>
+                </a:solidFill>
+                <a:latin typeface="Arial"/>
+                <a:cs typeface="Arial"/>
+              </a:rPr>
+              <a:t>will </a:t>
+            </a:r>
+            <a:r>
+              <a:rPr sz="2300" spc="-15">
+                <a:solidFill>
+                  <a:srgbClr val="001F5F"/>
+                </a:solidFill>
+                <a:latin typeface="Arial"/>
+                <a:cs typeface="Arial"/>
+              </a:rPr>
+              <a:t>display </a:t>
+            </a:r>
+            <a:r>
+              <a:rPr sz="2300" spc="25">
+                <a:solidFill>
+                  <a:srgbClr val="001F5F"/>
+                </a:solidFill>
+                <a:latin typeface="Arial"/>
+                <a:cs typeface="Arial"/>
+              </a:rPr>
+              <a:t>‘a’ </a:t>
+            </a:r>
+            <a:r>
+              <a:rPr sz="2300" spc="-35">
+                <a:solidFill>
+                  <a:srgbClr val="001F5F"/>
+                </a:solidFill>
+                <a:latin typeface="Arial"/>
+                <a:cs typeface="Arial"/>
+              </a:rPr>
+              <a:t>on </a:t>
+            </a:r>
+            <a:r>
+              <a:rPr sz="2300" spc="10">
+                <a:solidFill>
+                  <a:srgbClr val="001F5F"/>
+                </a:solidFill>
+                <a:latin typeface="Arial"/>
+                <a:cs typeface="Arial"/>
+              </a:rPr>
+              <a:t>the</a:t>
+            </a:r>
+            <a:r>
+              <a:rPr sz="2300" spc="-75">
+                <a:solidFill>
+                  <a:srgbClr val="001F5F"/>
+                </a:solidFill>
+                <a:latin typeface="Arial"/>
+                <a:cs typeface="Arial"/>
+              </a:rPr>
+              <a:t> </a:t>
+            </a:r>
+            <a:r>
+              <a:rPr sz="2300" spc="-15">
+                <a:solidFill>
+                  <a:srgbClr val="001F5F"/>
+                </a:solidFill>
+                <a:latin typeface="Arial"/>
+                <a:cs typeface="Arial"/>
+              </a:rPr>
+              <a:t>display</a:t>
+            </a:r>
+            <a:endParaRPr sz="2300">
+              <a:latin typeface="Arial"/>
+              <a:cs typeface="Arial"/>
+            </a:endParaRPr>
+          </a:p>
+          <a:p>
+            <a:pPr marL="1137920" marR="5080" lvl="1" indent="-334010">
+              <a:lnSpc>
+                <a:spcPct val="100699"/>
+              </a:lnSpc>
+              <a:spcBef>
+                <a:spcPts val="300"/>
+              </a:spcBef>
+              <a:buChar char="•"/>
+              <a:tabLst>
+                <a:tab pos="1137285" algn="l"/>
+                <a:tab pos="1137920" algn="l"/>
+              </a:tabLst>
+            </a:pPr>
+            <a:r>
+              <a:rPr sz="2300" spc="-10">
+                <a:solidFill>
+                  <a:srgbClr val="001F5F"/>
+                </a:solidFill>
+                <a:latin typeface="Arial"/>
+                <a:cs typeface="Arial"/>
+              </a:rPr>
+              <a:t>Check </a:t>
+            </a:r>
+            <a:r>
+              <a:rPr sz="2300" spc="10">
+                <a:solidFill>
+                  <a:srgbClr val="001F5F"/>
+                </a:solidFill>
+                <a:latin typeface="Arial"/>
+                <a:cs typeface="Arial"/>
+              </a:rPr>
+              <a:t>the </a:t>
+            </a:r>
+            <a:r>
+              <a:rPr sz="2300" spc="-10">
+                <a:solidFill>
+                  <a:srgbClr val="001F5F"/>
+                </a:solidFill>
+                <a:latin typeface="Arial"/>
+                <a:cs typeface="Arial"/>
+              </a:rPr>
+              <a:t>status </a:t>
+            </a:r>
+            <a:r>
+              <a:rPr sz="2300" spc="-20">
+                <a:solidFill>
+                  <a:srgbClr val="001F5F"/>
+                </a:solidFill>
+                <a:latin typeface="Arial"/>
+                <a:cs typeface="Arial"/>
+              </a:rPr>
+              <a:t>register </a:t>
+            </a:r>
+            <a:r>
+              <a:rPr sz="2300" spc="-50">
+                <a:solidFill>
+                  <a:srgbClr val="001F5F"/>
+                </a:solidFill>
+                <a:latin typeface="Arial"/>
+                <a:cs typeface="Arial"/>
+              </a:rPr>
+              <a:t>(KBSR, DSR) </a:t>
+            </a:r>
+            <a:r>
+              <a:rPr sz="2300" spc="-40">
+                <a:solidFill>
+                  <a:srgbClr val="001F5F"/>
+                </a:solidFill>
+                <a:latin typeface="Arial"/>
+                <a:cs typeface="Arial"/>
+              </a:rPr>
+              <a:t>of </a:t>
+            </a:r>
+            <a:r>
+              <a:rPr sz="2300" spc="10">
+                <a:solidFill>
+                  <a:srgbClr val="001F5F"/>
+                </a:solidFill>
+                <a:latin typeface="Arial"/>
+                <a:cs typeface="Arial"/>
+              </a:rPr>
+              <a:t>the </a:t>
+            </a:r>
+            <a:r>
+              <a:rPr sz="2300" spc="-15">
+                <a:solidFill>
+                  <a:srgbClr val="001F5F"/>
+                </a:solidFill>
+                <a:latin typeface="Arial"/>
+                <a:cs typeface="Arial"/>
+              </a:rPr>
+              <a:t>respective  </a:t>
+            </a:r>
+            <a:r>
+              <a:rPr sz="2300" spc="60">
+                <a:solidFill>
+                  <a:srgbClr val="001F5F"/>
+                </a:solidFill>
+                <a:latin typeface="Arial"/>
+                <a:cs typeface="Arial"/>
+              </a:rPr>
+              <a:t>input/output </a:t>
+            </a:r>
+            <a:r>
+              <a:rPr sz="2300" spc="-40">
+                <a:solidFill>
+                  <a:srgbClr val="001F5F"/>
+                </a:solidFill>
+                <a:latin typeface="Arial"/>
+                <a:cs typeface="Arial"/>
+              </a:rPr>
+              <a:t>before </a:t>
+            </a:r>
+            <a:r>
+              <a:rPr sz="2300" spc="-25">
+                <a:solidFill>
+                  <a:srgbClr val="001F5F"/>
+                </a:solidFill>
+                <a:latin typeface="Arial"/>
+                <a:cs typeface="Arial"/>
+              </a:rPr>
+              <a:t>reading </a:t>
+            </a:r>
+            <a:r>
+              <a:rPr sz="2300" spc="-40">
+                <a:solidFill>
+                  <a:srgbClr val="001F5F"/>
+                </a:solidFill>
+                <a:latin typeface="Arial"/>
+                <a:cs typeface="Arial"/>
+              </a:rPr>
+              <a:t>or</a:t>
+            </a:r>
+            <a:r>
+              <a:rPr sz="2300" spc="-465">
+                <a:solidFill>
+                  <a:srgbClr val="001F5F"/>
+                </a:solidFill>
+                <a:latin typeface="Arial"/>
+                <a:cs typeface="Arial"/>
+              </a:rPr>
+              <a:t> </a:t>
+            </a:r>
+            <a:r>
+              <a:rPr sz="2300" spc="10">
+                <a:solidFill>
+                  <a:srgbClr val="001F5F"/>
+                </a:solidFill>
+                <a:latin typeface="Arial"/>
+                <a:cs typeface="Arial"/>
+              </a:rPr>
+              <a:t>writing</a:t>
+            </a:r>
+            <a:endParaRPr sz="2300">
+              <a:latin typeface="Arial"/>
+              <a:cs typeface="Arial"/>
+            </a:endParaRPr>
+          </a:p>
         </p:txBody>
       </p:sp>
-      <p:sp>
-        <p:nvSpPr>
-          <p:cNvPr id="4" name="object 4"/>
-          <p:cNvSpPr/>
-          <p:nvPr/>
-        </p:nvSpPr>
-        <p:spPr>
-          <a:xfrm>
-            <a:off x="628650" y="3905250"/>
-            <a:ext cx="8829675" cy="2171700"/>
-          </a:xfrm>
-          <a:custGeom>
-            <a:avLst/>
-            <a:gdLst/>
-            <a:ahLst/>
-            <a:cxnLst/>
-            <a:rect l="l" t="t" r="r" b="b"/>
-            <a:pathLst>
-              <a:path w="8829675" h="2171700">
-                <a:moveTo>
-                  <a:pt x="0" y="2171700"/>
-                </a:moveTo>
-                <a:lnTo>
-                  <a:pt x="8829675" y="2171700"/>
-                </a:lnTo>
-                <a:lnTo>
-                  <a:pt x="8829675" y="0"/>
-                </a:lnTo>
-                <a:lnTo>
-                  <a:pt x="0" y="0"/>
-                </a:lnTo>
-                <a:lnTo>
-                  <a:pt x="0" y="2171700"/>
-                </a:lnTo>
-                <a:close/>
-              </a:path>
-            </a:pathLst>
-          </a:custGeom>
-          <a:ln w="38100">
-            <a:solidFill>
-              <a:srgbClr val="4F81BC"/>
-            </a:solidFill>
-          </a:ln>
-        </p:spPr>
-        <p:txBody>
-          <a:bodyPr wrap="square" lIns="0" tIns="0" rIns="0" bIns="0" rtlCol="0"/>
-          <a:lstStyle/>
-          <a:p>
-            <a:endParaRPr/>
-          </a:p>
-        </p:txBody>
-      </p:sp>
-      <p:graphicFrame>
-        <p:nvGraphicFramePr>
-          <p:cNvPr id="5" name="object 5"/>
-          <p:cNvGraphicFramePr>
-            <a:graphicFrameLocks noGrp="1"/>
-          </p:cNvGraphicFramePr>
-          <p:nvPr/>
-        </p:nvGraphicFramePr>
-        <p:xfrm>
-          <a:off x="609600" y="3905250"/>
-          <a:ext cx="8429624" cy="2171698"/>
-        </p:xfrm>
-        <a:graphic>
-          <a:graphicData uri="http://schemas.openxmlformats.org/drawingml/2006/table">
-            <a:tbl>
-              <a:tblPr firstRow="1" bandRow="1">
-                <a:tableStyleId>{2D5ABB26-0587-4C30-8999-92F81FD0307C}</a:tableStyleId>
-              </a:tblPr>
-              <a:tblGrid>
-                <a:gridCol w="1071245">
-                  <a:extLst>
-                    <a:ext uri="{9D8B030D-6E8A-4147-A177-3AD203B41FA5}">
-                      <a16:colId xmlns:a16="http://schemas.microsoft.com/office/drawing/2014/main" val="20000"/>
-                    </a:ext>
-                  </a:extLst>
-                </a:gridCol>
-                <a:gridCol w="1203959">
-                  <a:extLst>
-                    <a:ext uri="{9D8B030D-6E8A-4147-A177-3AD203B41FA5}">
-                      <a16:colId xmlns:a16="http://schemas.microsoft.com/office/drawing/2014/main" val="20001"/>
-                    </a:ext>
-                  </a:extLst>
-                </a:gridCol>
-                <a:gridCol w="2150110">
-                  <a:extLst>
-                    <a:ext uri="{9D8B030D-6E8A-4147-A177-3AD203B41FA5}">
-                      <a16:colId xmlns:a16="http://schemas.microsoft.com/office/drawing/2014/main" val="20002"/>
-                    </a:ext>
-                  </a:extLst>
-                </a:gridCol>
-                <a:gridCol w="4004310">
-                  <a:extLst>
-                    <a:ext uri="{9D8B030D-6E8A-4147-A177-3AD203B41FA5}">
-                      <a16:colId xmlns:a16="http://schemas.microsoft.com/office/drawing/2014/main" val="20003"/>
-                    </a:ext>
-                  </a:extLst>
-                </a:gridCol>
-              </a:tblGrid>
-              <a:tr h="1140856">
-                <a:tc>
-                  <a:txBody>
-                    <a:bodyPr/>
-                    <a:lstStyle/>
-                    <a:p>
-                      <a:pPr marL="77470">
-                        <a:lnSpc>
-                          <a:spcPct val="100000"/>
-                        </a:lnSpc>
-                        <a:spcBef>
-                          <a:spcPts val="1085"/>
-                        </a:spcBef>
-                      </a:pPr>
-                      <a:r>
-                        <a:rPr sz="1850" spc="25">
-                          <a:latin typeface="Calibri"/>
-                          <a:cs typeface="Calibri"/>
-                        </a:rPr>
-                        <a:t>POLL</a:t>
-                      </a:r>
-                      <a:endParaRPr sz="1850">
-                        <a:latin typeface="Calibri"/>
-                        <a:cs typeface="Calibri"/>
-                      </a:endParaRPr>
-                    </a:p>
-                  </a:txBody>
-                  <a:tcPr marL="0" marR="0" marT="137795" marB="0">
-                    <a:lnL w="38100">
-                      <a:solidFill>
-                        <a:srgbClr val="4F81BC"/>
-                      </a:solidFill>
-                      <a:prstDash val="solid"/>
-                    </a:lnL>
-                  </a:tcPr>
-                </a:tc>
-                <a:tc>
-                  <a:txBody>
-                    <a:bodyPr/>
-                    <a:lstStyle/>
-                    <a:p>
-                      <a:pPr marL="50165" algn="ctr">
-                        <a:lnSpc>
-                          <a:spcPts val="2200"/>
-                        </a:lnSpc>
-                        <a:spcBef>
-                          <a:spcPts val="1085"/>
-                        </a:spcBef>
-                      </a:pPr>
-                      <a:r>
-                        <a:rPr sz="1850" spc="10">
-                          <a:latin typeface="Calibri"/>
-                          <a:cs typeface="Calibri"/>
-                        </a:rPr>
-                        <a:t>LDI</a:t>
-                      </a:r>
-                      <a:endParaRPr sz="1850">
-                        <a:latin typeface="Calibri"/>
-                        <a:cs typeface="Calibri"/>
-                      </a:endParaRPr>
-                    </a:p>
-                    <a:p>
-                      <a:pPr marL="464184">
-                        <a:lnSpc>
-                          <a:spcPts val="2200"/>
-                        </a:lnSpc>
-                      </a:pPr>
-                      <a:r>
-                        <a:rPr sz="1850" spc="45">
-                          <a:latin typeface="Calibri"/>
-                          <a:cs typeface="Calibri"/>
-                        </a:rPr>
-                        <a:t>BRzp</a:t>
-                      </a:r>
-                      <a:endParaRPr sz="1850">
-                        <a:latin typeface="Calibri"/>
-                        <a:cs typeface="Calibri"/>
-                      </a:endParaRPr>
-                    </a:p>
-                    <a:p>
-                      <a:pPr marL="31115" algn="ctr">
-                        <a:lnSpc>
-                          <a:spcPct val="100000"/>
-                        </a:lnSpc>
-                        <a:spcBef>
-                          <a:spcPts val="105"/>
-                        </a:spcBef>
-                      </a:pPr>
-                      <a:r>
-                        <a:rPr sz="1850" spc="10">
-                          <a:latin typeface="Calibri"/>
-                          <a:cs typeface="Calibri"/>
-                        </a:rPr>
-                        <a:t>LDI</a:t>
-                      </a:r>
-                      <a:endParaRPr sz="1850">
-                        <a:latin typeface="Calibri"/>
-                        <a:cs typeface="Calibri"/>
-                      </a:endParaRPr>
-                    </a:p>
-                  </a:txBody>
-                  <a:tcPr marL="0" marR="0" marT="137795" marB="0"/>
-                </a:tc>
-                <a:tc>
-                  <a:txBody>
-                    <a:bodyPr/>
-                    <a:lstStyle/>
-                    <a:p>
-                      <a:pPr marL="242570" marR="1054735">
-                        <a:lnSpc>
-                          <a:spcPct val="104800"/>
-                        </a:lnSpc>
-                        <a:spcBef>
-                          <a:spcPts val="900"/>
-                        </a:spcBef>
-                      </a:pPr>
-                      <a:r>
-                        <a:rPr sz="1850" spc="25">
-                          <a:latin typeface="Calibri"/>
-                          <a:cs typeface="Calibri"/>
-                        </a:rPr>
-                        <a:t>R1,</a:t>
-                      </a:r>
-                      <a:r>
-                        <a:rPr sz="1850" spc="-215">
-                          <a:latin typeface="Calibri"/>
-                          <a:cs typeface="Calibri"/>
-                        </a:rPr>
-                        <a:t> </a:t>
-                      </a:r>
-                      <a:r>
-                        <a:rPr sz="1850" spc="10">
-                          <a:latin typeface="Calibri"/>
-                          <a:cs typeface="Calibri"/>
-                        </a:rPr>
-                        <a:t>KBSR  </a:t>
-                      </a:r>
-                      <a:r>
-                        <a:rPr sz="1850" spc="30">
-                          <a:latin typeface="Calibri"/>
-                          <a:cs typeface="Calibri"/>
-                        </a:rPr>
-                        <a:t>POLL</a:t>
-                      </a:r>
-                      <a:endParaRPr sz="1850">
-                        <a:latin typeface="Calibri"/>
-                        <a:cs typeface="Calibri"/>
-                      </a:endParaRPr>
-                    </a:p>
-                    <a:p>
-                      <a:pPr marL="242570">
-                        <a:lnSpc>
-                          <a:spcPct val="100000"/>
-                        </a:lnSpc>
-                        <a:spcBef>
-                          <a:spcPts val="110"/>
-                        </a:spcBef>
-                      </a:pPr>
-                      <a:r>
-                        <a:rPr sz="1850" spc="25">
-                          <a:latin typeface="Calibri"/>
-                          <a:cs typeface="Calibri"/>
-                        </a:rPr>
-                        <a:t>R0,</a:t>
-                      </a:r>
-                      <a:r>
-                        <a:rPr sz="1850" spc="-145">
-                          <a:latin typeface="Calibri"/>
-                          <a:cs typeface="Calibri"/>
-                        </a:rPr>
-                        <a:t> </a:t>
-                      </a:r>
-                      <a:r>
-                        <a:rPr sz="1850" spc="15">
-                          <a:latin typeface="Calibri"/>
-                          <a:cs typeface="Calibri"/>
-                        </a:rPr>
-                        <a:t>KBDR</a:t>
-                      </a:r>
-                      <a:endParaRPr sz="1850">
-                        <a:latin typeface="Calibri"/>
-                        <a:cs typeface="Calibri"/>
-                      </a:endParaRPr>
-                    </a:p>
-                  </a:txBody>
-                  <a:tcPr marL="0" marR="0" marT="114300" marB="0"/>
-                </a:tc>
-                <a:tc>
-                  <a:txBody>
-                    <a:bodyPr/>
-                    <a:lstStyle/>
-                    <a:p>
-                      <a:pPr marL="1024255">
-                        <a:lnSpc>
-                          <a:spcPct val="100000"/>
-                        </a:lnSpc>
-                        <a:spcBef>
-                          <a:spcPts val="1085"/>
-                        </a:spcBef>
-                      </a:pPr>
-                      <a:r>
-                        <a:rPr sz="1850" spc="5">
-                          <a:latin typeface="Calibri"/>
-                          <a:cs typeface="Calibri"/>
-                        </a:rPr>
-                        <a:t>; </a:t>
-                      </a:r>
-                      <a:r>
-                        <a:rPr sz="1850">
-                          <a:latin typeface="Calibri"/>
-                          <a:cs typeface="Calibri"/>
-                        </a:rPr>
-                        <a:t>Check status</a:t>
-                      </a:r>
-                      <a:r>
-                        <a:rPr sz="1850" spc="245">
-                          <a:latin typeface="Calibri"/>
-                          <a:cs typeface="Calibri"/>
-                        </a:rPr>
-                        <a:t> </a:t>
-                      </a:r>
-                      <a:r>
-                        <a:rPr sz="1850">
-                          <a:latin typeface="Calibri"/>
-                          <a:cs typeface="Calibri"/>
-                        </a:rPr>
-                        <a:t>register</a:t>
-                      </a:r>
-                    </a:p>
-                    <a:p>
-                      <a:pPr marL="1024255">
-                        <a:lnSpc>
-                          <a:spcPct val="100000"/>
-                        </a:lnSpc>
-                        <a:spcBef>
-                          <a:spcPts val="30"/>
-                        </a:spcBef>
-                      </a:pPr>
-                      <a:r>
-                        <a:rPr sz="1850" spc="5">
-                          <a:latin typeface="Calibri"/>
-                          <a:cs typeface="Calibri"/>
-                        </a:rPr>
-                        <a:t>; </a:t>
-                      </a:r>
-                      <a:r>
-                        <a:rPr sz="1850" spc="10">
-                          <a:latin typeface="Calibri"/>
-                          <a:cs typeface="Calibri"/>
-                        </a:rPr>
-                        <a:t>Loop </a:t>
-                      </a:r>
-                      <a:r>
-                        <a:rPr sz="1850" spc="15">
-                          <a:latin typeface="Calibri"/>
-                          <a:cs typeface="Calibri"/>
-                        </a:rPr>
-                        <a:t>while </a:t>
-                      </a:r>
-                      <a:r>
-                        <a:rPr sz="1850" spc="5">
-                          <a:latin typeface="Calibri"/>
-                          <a:cs typeface="Calibri"/>
-                        </a:rPr>
-                        <a:t>ready </a:t>
-                      </a:r>
-                      <a:r>
-                        <a:rPr sz="1850" spc="10">
-                          <a:latin typeface="Calibri"/>
-                          <a:cs typeface="Calibri"/>
-                        </a:rPr>
-                        <a:t>bit </a:t>
-                      </a:r>
-                      <a:r>
-                        <a:rPr sz="1850">
-                          <a:latin typeface="Calibri"/>
-                          <a:cs typeface="Calibri"/>
-                        </a:rPr>
-                        <a:t>not</a:t>
-                      </a:r>
-                      <a:r>
-                        <a:rPr sz="1850" spc="215">
-                          <a:latin typeface="Calibri"/>
-                          <a:cs typeface="Calibri"/>
-                        </a:rPr>
-                        <a:t> </a:t>
-                      </a:r>
-                      <a:r>
-                        <a:rPr sz="1850">
-                          <a:latin typeface="Calibri"/>
-                          <a:cs typeface="Calibri"/>
-                        </a:rPr>
-                        <a:t>set</a:t>
-                      </a:r>
-                    </a:p>
-                    <a:p>
-                      <a:pPr marL="1024255">
-                        <a:lnSpc>
-                          <a:spcPct val="100000"/>
-                        </a:lnSpc>
-                        <a:spcBef>
-                          <a:spcPts val="110"/>
-                        </a:spcBef>
-                      </a:pPr>
-                      <a:r>
-                        <a:rPr sz="1850" spc="5">
-                          <a:latin typeface="Calibri"/>
-                          <a:cs typeface="Calibri"/>
-                        </a:rPr>
-                        <a:t>; Get </a:t>
-                      </a:r>
-                      <a:r>
-                        <a:rPr sz="1850" spc="-5">
-                          <a:latin typeface="Calibri"/>
-                          <a:cs typeface="Calibri"/>
-                        </a:rPr>
-                        <a:t>keyboard</a:t>
-                      </a:r>
-                      <a:r>
-                        <a:rPr sz="1850" spc="140">
-                          <a:latin typeface="Calibri"/>
-                          <a:cs typeface="Calibri"/>
-                        </a:rPr>
-                        <a:t> </a:t>
-                      </a:r>
-                      <a:r>
-                        <a:rPr sz="1850" spc="5">
-                          <a:latin typeface="Calibri"/>
-                          <a:cs typeface="Calibri"/>
-                        </a:rPr>
-                        <a:t>input</a:t>
-                      </a:r>
-                      <a:endParaRPr sz="1850">
-                        <a:latin typeface="Calibri"/>
-                        <a:cs typeface="Calibri"/>
-                      </a:endParaRPr>
-                    </a:p>
-                  </a:txBody>
-                  <a:tcPr marL="0" marR="0" marT="137795" marB="0"/>
-                </a:tc>
-                <a:extLst>
-                  <a:ext uri="{0D108BD9-81ED-4DB2-BD59-A6C34878D82A}">
-                    <a16:rowId xmlns:a16="http://schemas.microsoft.com/office/drawing/2014/main" val="10000"/>
-                  </a:ext>
-                </a:extLst>
-              </a:tr>
-              <a:tr h="450976">
-                <a:tc>
-                  <a:txBody>
-                    <a:bodyPr/>
-                    <a:lstStyle/>
-                    <a:p>
-                      <a:pPr marL="77470">
-                        <a:lnSpc>
-                          <a:spcPct val="100000"/>
-                        </a:lnSpc>
-                        <a:spcBef>
-                          <a:spcPts val="555"/>
-                        </a:spcBef>
-                      </a:pPr>
-                      <a:r>
-                        <a:rPr sz="1850" spc="10">
-                          <a:latin typeface="Calibri"/>
-                          <a:cs typeface="Calibri"/>
-                        </a:rPr>
-                        <a:t>KBSR</a:t>
-                      </a:r>
-                      <a:endParaRPr sz="1850">
-                        <a:latin typeface="Calibri"/>
-                        <a:cs typeface="Calibri"/>
-                      </a:endParaRPr>
-                    </a:p>
-                  </a:txBody>
-                  <a:tcPr marL="0" marR="0" marT="70485" marB="0">
-                    <a:lnL w="38100">
-                      <a:solidFill>
-                        <a:srgbClr val="4F81BC"/>
-                      </a:solidFill>
-                      <a:prstDash val="solid"/>
-                    </a:lnL>
-                  </a:tcPr>
-                </a:tc>
-                <a:tc>
-                  <a:txBody>
-                    <a:bodyPr/>
-                    <a:lstStyle/>
-                    <a:p>
-                      <a:pPr marR="274320" algn="r">
-                        <a:lnSpc>
-                          <a:spcPct val="100000"/>
-                        </a:lnSpc>
-                        <a:spcBef>
-                          <a:spcPts val="555"/>
-                        </a:spcBef>
-                      </a:pPr>
-                      <a:r>
-                        <a:rPr sz="1850" spc="-25">
-                          <a:latin typeface="Calibri"/>
-                          <a:cs typeface="Calibri"/>
-                        </a:rPr>
-                        <a:t>.</a:t>
-                      </a:r>
-                      <a:r>
-                        <a:rPr sz="1850" spc="-40">
-                          <a:latin typeface="Calibri"/>
-                          <a:cs typeface="Calibri"/>
-                        </a:rPr>
-                        <a:t>F</a:t>
-                      </a:r>
-                      <a:r>
-                        <a:rPr sz="1850" spc="-25">
-                          <a:latin typeface="Calibri"/>
-                          <a:cs typeface="Calibri"/>
-                        </a:rPr>
-                        <a:t>I</a:t>
-                      </a:r>
-                      <a:r>
-                        <a:rPr sz="1850" spc="35">
-                          <a:latin typeface="Calibri"/>
-                          <a:cs typeface="Calibri"/>
-                        </a:rPr>
-                        <a:t>LL</a:t>
-                      </a:r>
-                      <a:endParaRPr sz="1850">
-                        <a:latin typeface="Calibri"/>
-                        <a:cs typeface="Calibri"/>
-                      </a:endParaRPr>
-                    </a:p>
-                  </a:txBody>
-                  <a:tcPr marL="0" marR="0" marT="70485" marB="0"/>
-                </a:tc>
-                <a:tc>
-                  <a:txBody>
-                    <a:bodyPr/>
-                    <a:lstStyle/>
-                    <a:p>
-                      <a:pPr marL="242570">
-                        <a:lnSpc>
-                          <a:spcPct val="100000"/>
-                        </a:lnSpc>
-                        <a:spcBef>
-                          <a:spcPts val="555"/>
-                        </a:spcBef>
-                      </a:pPr>
-                      <a:r>
-                        <a:rPr sz="1850" spc="5">
-                          <a:latin typeface="Calibri"/>
-                          <a:cs typeface="Calibri"/>
-                        </a:rPr>
-                        <a:t>xFE00</a:t>
-                      </a:r>
-                      <a:endParaRPr sz="1850">
-                        <a:latin typeface="Calibri"/>
-                        <a:cs typeface="Calibri"/>
-                      </a:endParaRPr>
-                    </a:p>
-                  </a:txBody>
-                  <a:tcPr marL="0" marR="0" marT="70485" marB="0"/>
-                </a:tc>
-                <a:tc>
-                  <a:txBody>
-                    <a:bodyPr/>
-                    <a:lstStyle/>
-                    <a:p>
-                      <a:pPr marL="1024255">
-                        <a:lnSpc>
-                          <a:spcPct val="100000"/>
-                        </a:lnSpc>
-                        <a:spcBef>
-                          <a:spcPts val="555"/>
-                        </a:spcBef>
-                      </a:pPr>
-                      <a:r>
-                        <a:rPr sz="1850" spc="5">
-                          <a:latin typeface="Calibri"/>
-                          <a:cs typeface="Calibri"/>
-                        </a:rPr>
-                        <a:t>; </a:t>
-                      </a:r>
-                      <a:r>
-                        <a:rPr sz="1850" spc="10">
-                          <a:latin typeface="Calibri"/>
-                          <a:cs typeface="Calibri"/>
-                        </a:rPr>
-                        <a:t>KBSR</a:t>
-                      </a:r>
-                      <a:r>
-                        <a:rPr sz="1850" spc="25">
-                          <a:latin typeface="Calibri"/>
-                          <a:cs typeface="Calibri"/>
-                        </a:rPr>
-                        <a:t> </a:t>
-                      </a:r>
-                      <a:r>
-                        <a:rPr sz="1850" spc="10">
-                          <a:latin typeface="Calibri"/>
-                          <a:cs typeface="Calibri"/>
-                        </a:rPr>
-                        <a:t>address</a:t>
-                      </a:r>
-                      <a:endParaRPr sz="1850">
-                        <a:latin typeface="Calibri"/>
-                        <a:cs typeface="Calibri"/>
-                      </a:endParaRPr>
-                    </a:p>
-                  </a:txBody>
-                  <a:tcPr marL="0" marR="0" marT="70485" marB="0"/>
-                </a:tc>
-                <a:extLst>
-                  <a:ext uri="{0D108BD9-81ED-4DB2-BD59-A6C34878D82A}">
-                    <a16:rowId xmlns:a16="http://schemas.microsoft.com/office/drawing/2014/main" val="10001"/>
-                  </a:ext>
-                </a:extLst>
-              </a:tr>
-              <a:tr h="579866">
-                <a:tc>
-                  <a:txBody>
-                    <a:bodyPr/>
-                    <a:lstStyle/>
-                    <a:p>
-                      <a:pPr marL="77470">
-                        <a:lnSpc>
-                          <a:spcPct val="100000"/>
-                        </a:lnSpc>
-                        <a:spcBef>
-                          <a:spcPts val="229"/>
-                        </a:spcBef>
-                      </a:pPr>
-                      <a:r>
-                        <a:rPr sz="1850" spc="10">
-                          <a:latin typeface="Calibri"/>
-                          <a:cs typeface="Calibri"/>
-                        </a:rPr>
-                        <a:t>KBDR</a:t>
-                      </a:r>
-                      <a:endParaRPr sz="1850">
-                        <a:latin typeface="Calibri"/>
-                        <a:cs typeface="Calibri"/>
-                      </a:endParaRPr>
-                    </a:p>
-                  </a:txBody>
-                  <a:tcPr marL="0" marR="0" marT="29209" marB="0">
-                    <a:lnL w="38100">
-                      <a:solidFill>
-                        <a:srgbClr val="4F81BC"/>
-                      </a:solidFill>
-                      <a:prstDash val="solid"/>
-                    </a:lnL>
-                  </a:tcPr>
-                </a:tc>
-                <a:tc>
-                  <a:txBody>
-                    <a:bodyPr/>
-                    <a:lstStyle/>
-                    <a:p>
-                      <a:pPr marR="274320" algn="r">
-                        <a:lnSpc>
-                          <a:spcPct val="100000"/>
-                        </a:lnSpc>
-                        <a:spcBef>
-                          <a:spcPts val="229"/>
-                        </a:spcBef>
-                      </a:pPr>
-                      <a:r>
-                        <a:rPr sz="1850" spc="-25">
-                          <a:latin typeface="Calibri"/>
-                          <a:cs typeface="Calibri"/>
-                        </a:rPr>
-                        <a:t>.</a:t>
-                      </a:r>
-                      <a:r>
-                        <a:rPr sz="1850" spc="-40">
-                          <a:latin typeface="Calibri"/>
-                          <a:cs typeface="Calibri"/>
-                        </a:rPr>
-                        <a:t>F</a:t>
-                      </a:r>
-                      <a:r>
-                        <a:rPr sz="1850" spc="-25">
-                          <a:latin typeface="Calibri"/>
-                          <a:cs typeface="Calibri"/>
-                        </a:rPr>
-                        <a:t>I</a:t>
-                      </a:r>
-                      <a:r>
-                        <a:rPr sz="1850" spc="35">
-                          <a:latin typeface="Calibri"/>
-                          <a:cs typeface="Calibri"/>
-                        </a:rPr>
-                        <a:t>LL</a:t>
-                      </a:r>
-                      <a:endParaRPr sz="1850">
-                        <a:latin typeface="Calibri"/>
-                        <a:cs typeface="Calibri"/>
-                      </a:endParaRPr>
-                    </a:p>
-                  </a:txBody>
-                  <a:tcPr marL="0" marR="0" marT="29209" marB="0"/>
-                </a:tc>
-                <a:tc>
-                  <a:txBody>
-                    <a:bodyPr/>
-                    <a:lstStyle/>
-                    <a:p>
-                      <a:pPr marL="242570">
-                        <a:lnSpc>
-                          <a:spcPct val="100000"/>
-                        </a:lnSpc>
-                        <a:spcBef>
-                          <a:spcPts val="229"/>
-                        </a:spcBef>
-                      </a:pPr>
-                      <a:r>
-                        <a:rPr sz="1850" spc="5">
-                          <a:latin typeface="Calibri"/>
-                          <a:cs typeface="Calibri"/>
-                        </a:rPr>
-                        <a:t>xFE02</a:t>
-                      </a:r>
-                      <a:endParaRPr sz="1850">
-                        <a:latin typeface="Calibri"/>
-                        <a:cs typeface="Calibri"/>
-                      </a:endParaRPr>
-                    </a:p>
-                  </a:txBody>
-                  <a:tcPr marL="0" marR="0" marT="29209" marB="0"/>
-                </a:tc>
-                <a:tc>
-                  <a:txBody>
-                    <a:bodyPr/>
-                    <a:lstStyle/>
-                    <a:p>
-                      <a:pPr marL="1024255">
-                        <a:lnSpc>
-                          <a:spcPct val="100000"/>
-                        </a:lnSpc>
-                        <a:spcBef>
-                          <a:spcPts val="229"/>
-                        </a:spcBef>
-                      </a:pPr>
-                      <a:r>
-                        <a:rPr sz="1850" spc="5">
-                          <a:latin typeface="Calibri"/>
-                          <a:cs typeface="Calibri"/>
-                        </a:rPr>
-                        <a:t>; </a:t>
-                      </a:r>
-                      <a:r>
-                        <a:rPr sz="1850" spc="10">
-                          <a:latin typeface="Calibri"/>
-                          <a:cs typeface="Calibri"/>
-                        </a:rPr>
-                        <a:t>KBDR</a:t>
-                      </a:r>
-                      <a:r>
-                        <a:rPr sz="1850" spc="30">
-                          <a:latin typeface="Calibri"/>
-                          <a:cs typeface="Calibri"/>
-                        </a:rPr>
-                        <a:t> </a:t>
-                      </a:r>
-                      <a:r>
-                        <a:rPr sz="1850" spc="5">
-                          <a:latin typeface="Calibri"/>
-                          <a:cs typeface="Calibri"/>
-                        </a:rPr>
-                        <a:t>address</a:t>
-                      </a:r>
-                      <a:endParaRPr sz="1850">
-                        <a:latin typeface="Calibri"/>
-                        <a:cs typeface="Calibri"/>
-                      </a:endParaRPr>
-                    </a:p>
-                  </a:txBody>
-                  <a:tcPr marL="0" marR="0" marT="29209" marB="0"/>
-                </a:tc>
-                <a:extLst>
-                  <a:ext uri="{0D108BD9-81ED-4DB2-BD59-A6C34878D82A}">
-                    <a16:rowId xmlns:a16="http://schemas.microsoft.com/office/drawing/2014/main" val="10002"/>
-                  </a:ext>
-                </a:extLst>
-              </a:tr>
-            </a:tbl>
-          </a:graphicData>
-        </a:graphic>
-      </p:graphicFrame>
     </p:spTree>
   </p:cSld>
   <p:clrMapOvr>
